--- a/4_ACtech.pptx
+++ b/4_ACtech.pptx
@@ -5,7 +5,7 @@
     <p:sldMasterId id="2147483648" r:id="rId1"/>
   </p:sldMasterIdLst>
   <p:notesMasterIdLst>
-    <p:notesMasterId r:id="rId24"/>
+    <p:notesMasterId r:id="rId30"/>
   </p:notesMasterIdLst>
   <p:sldIdLst>
     <p:sldId id="258" r:id="rId2"/>
@@ -29,7 +29,13 @@
     <p:sldId id="278" r:id="rId20"/>
     <p:sldId id="279" r:id="rId21"/>
     <p:sldId id="276" r:id="rId22"/>
-    <p:sldId id="261" r:id="rId23"/>
+    <p:sldId id="280" r:id="rId23"/>
+    <p:sldId id="281" r:id="rId24"/>
+    <p:sldId id="282" r:id="rId25"/>
+    <p:sldId id="283" r:id="rId26"/>
+    <p:sldId id="284" r:id="rId27"/>
+    <p:sldId id="285" r:id="rId28"/>
+    <p:sldId id="286" r:id="rId29"/>
   </p:sldIdLst>
   <p:sldSz cx="12192000" cy="6858000"/>
   <p:notesSz cx="6858000" cy="9144000"/>
@@ -10162,7 +10168,7 @@
           <a:p>
             <a:fld id="{EAE6195C-5D09-134E-9AB3-9F458A498602}" type="datetimeFigureOut">
               <a:rPr lang="de-DE" smtClean="0"/>
-              <a:t>31.08.25</a:t>
+              <a:t>04.09.25</a:t>
             </a:fld>
             <a:endParaRPr lang="de-DE"/>
           </a:p>
@@ -10576,7 +10582,7 @@
           <a:p>
             <a:fld id="{560AF8B5-1196-864C-86C5-F5EF0005C5A2}" type="datetime1">
               <a:rPr lang="de-DE" smtClean="0"/>
-              <a:t>31.08.25</a:t>
+              <a:t>04.09.25</a:t>
             </a:fld>
             <a:endParaRPr lang="de-DE"/>
           </a:p>
@@ -10774,7 +10780,7 @@
           <a:p>
             <a:fld id="{F43FA318-F880-4143-BFEE-0CB5CFE76196}" type="datetime1">
               <a:rPr lang="de-DE" smtClean="0"/>
-              <a:t>31.08.25</a:t>
+              <a:t>04.09.25</a:t>
             </a:fld>
             <a:endParaRPr lang="de-DE"/>
           </a:p>
@@ -10982,7 +10988,7 @@
           <a:p>
             <a:fld id="{662E918E-E885-9143-AFC4-B54172D790ED}" type="datetime1">
               <a:rPr lang="de-DE" smtClean="0"/>
-              <a:t>31.08.25</a:t>
+              <a:t>04.09.25</a:t>
             </a:fld>
             <a:endParaRPr lang="de-DE"/>
           </a:p>
@@ -11180,7 +11186,7 @@
           <a:p>
             <a:fld id="{DC963FD7-AE5F-2A45-B6BA-D35C8371ABCF}" type="datetime1">
               <a:rPr lang="de-DE" smtClean="0"/>
-              <a:t>31.08.25</a:t>
+              <a:t>04.09.25</a:t>
             </a:fld>
             <a:endParaRPr lang="de-DE"/>
           </a:p>
@@ -11455,7 +11461,7 @@
           <a:p>
             <a:fld id="{D3577857-7613-1F4A-846D-929B865AF7C5}" type="datetime1">
               <a:rPr lang="de-DE" smtClean="0"/>
-              <a:t>31.08.25</a:t>
+              <a:t>04.09.25</a:t>
             </a:fld>
             <a:endParaRPr lang="de-DE"/>
           </a:p>
@@ -11720,7 +11726,7 @@
           <a:p>
             <a:fld id="{1CAA6300-37DA-0B49-9490-D3FDB4600107}" type="datetime1">
               <a:rPr lang="de-DE" smtClean="0"/>
-              <a:t>31.08.25</a:t>
+              <a:t>04.09.25</a:t>
             </a:fld>
             <a:endParaRPr lang="de-DE"/>
           </a:p>
@@ -12132,7 +12138,7 @@
           <a:p>
             <a:fld id="{2516B2B9-C23E-CA40-BAFA-3164D82DB6ED}" type="datetime1">
               <a:rPr lang="de-DE" smtClean="0"/>
-              <a:t>31.08.25</a:t>
+              <a:t>04.09.25</a:t>
             </a:fld>
             <a:endParaRPr lang="de-DE"/>
           </a:p>
@@ -12273,7 +12279,7 @@
           <a:p>
             <a:fld id="{9E6F6F3A-BB74-0444-A477-228C4785ADE1}" type="datetime1">
               <a:rPr lang="de-DE" smtClean="0"/>
-              <a:t>31.08.25</a:t>
+              <a:t>04.09.25</a:t>
             </a:fld>
             <a:endParaRPr lang="de-DE"/>
           </a:p>
@@ -12386,7 +12392,7 @@
           <a:p>
             <a:fld id="{3EA02A29-F8B1-4F47-B406-F738EC13F3C1}" type="datetime1">
               <a:rPr lang="de-DE" smtClean="0"/>
-              <a:t>31.08.25</a:t>
+              <a:t>04.09.25</a:t>
             </a:fld>
             <a:endParaRPr lang="de-DE"/>
           </a:p>
@@ -12697,7 +12703,7 @@
           <a:p>
             <a:fld id="{3DDC5FD0-3427-F548-B970-11CA7A95E8CA}" type="datetime1">
               <a:rPr lang="de-DE" smtClean="0"/>
-              <a:t>31.08.25</a:t>
+              <a:t>04.09.25</a:t>
             </a:fld>
             <a:endParaRPr lang="de-DE"/>
           </a:p>
@@ -12985,7 +12991,7 @@
           <a:p>
             <a:fld id="{2B657F38-2795-C344-819A-FB5BF0343463}" type="datetime1">
               <a:rPr lang="de-DE" smtClean="0"/>
-              <a:t>31.08.25</a:t>
+              <a:t>04.09.25</a:t>
             </a:fld>
             <a:endParaRPr lang="de-DE"/>
           </a:p>
@@ -13226,7 +13232,7 @@
           <a:p>
             <a:fld id="{7883E789-A00F-ED4B-8FBA-740C0BC55B0F}" type="datetime1">
               <a:rPr lang="de-DE" smtClean="0"/>
-              <a:t>31.08.25</a:t>
+              <a:t>04.09.25</a:t>
             </a:fld>
             <a:endParaRPr lang="de-DE"/>
           </a:p>
@@ -16876,8 +16882,8 @@
           </a:p>
         </p:txBody>
       </p:sp>
-      <mc:AlternateContent xmlns:mc="http://schemas.openxmlformats.org/markup-compatibility/2006" xmlns:a14="http://schemas.microsoft.com/office/drawing/2010/main">
-        <mc:Choice Requires="a14">
+      <mc:AlternateContent xmlns:mc="http://schemas.openxmlformats.org/markup-compatibility/2006">
+        <mc:Choice xmlns:a14="http://schemas.microsoft.com/office/drawing/2010/main" Requires="a14">
           <p:sp>
             <p:nvSpPr>
               <p:cNvPr id="3" name="Inhaltsplatzhalter 2">
@@ -17488,6 +17494,16 @@
                     </m:oMath>
                   </m:oMathPara>
                 </a14:m>
+                <a:endParaRPr lang="de-DE" sz="2600" dirty="0">
+                  <a:latin typeface="Calibri" panose="020F0502020204030204" pitchFamily="34" charset="0"/>
+                  <a:ea typeface="Calibri" panose="020F0502020204030204" pitchFamily="34" charset="0"/>
+                  <a:cs typeface="Times New Roman" panose="02020603050405020304" pitchFamily="18" charset="0"/>
+                </a:endParaRPr>
+              </a:p>
+              <a:p>
+                <a:pPr marL="0" indent="0">
+                  <a:buNone/>
+                </a:pPr>
                 <a:endParaRPr lang="de-DE" sz="2600" dirty="0">
                   <a:latin typeface="Calibri" panose="020F0502020204030204" pitchFamily="34" charset="0"/>
                   <a:ea typeface="Calibri" panose="020F0502020204030204" pitchFamily="34" charset="0"/>
@@ -18082,7 +18098,7 @@
             </p:txBody>
           </p:sp>
         </mc:Choice>
-        <mc:Fallback xmlns="">
+        <mc:Fallback>
           <p:sp>
             <p:nvSpPr>
               <p:cNvPr id="3" name="Inhaltsplatzhalter 2">
@@ -18317,6 +18333,83 @@
           <a:lstStyle/>
           <a:p>
             <a:pPr algn="ctr"/>
+            <a:endParaRPr lang="de-DE" dirty="0"/>
+          </a:p>
+        </p:txBody>
+      </p:sp>
+      <p:cxnSp>
+        <p:nvCxnSpPr>
+          <p:cNvPr id="7" name="Gerade Verbindung mit Pfeil 6">
+            <a:extLst>
+              <a:ext uri="{FF2B5EF4-FFF2-40B4-BE49-F238E27FC236}">
+                <a16:creationId xmlns:a16="http://schemas.microsoft.com/office/drawing/2014/main" id="{EE6377BD-7976-0F9E-519F-09BB5C65E7C4}"/>
+              </a:ext>
+            </a:extLst>
+          </p:cNvPr>
+          <p:cNvCxnSpPr>
+            <a:cxnSpLocks/>
+          </p:cNvCxnSpPr>
+          <p:nvPr/>
+        </p:nvCxnSpPr>
+        <p:spPr>
+          <a:xfrm flipV="1">
+            <a:off x="950495" y="2271755"/>
+            <a:ext cx="258194" cy="275215"/>
+          </a:xfrm>
+          <a:prstGeom prst="straightConnector1">
+            <a:avLst/>
+          </a:prstGeom>
+          <a:ln>
+            <a:tailEnd type="triangle"/>
+          </a:ln>
+        </p:spPr>
+        <p:style>
+          <a:lnRef idx="2">
+            <a:schemeClr val="accent1"/>
+          </a:lnRef>
+          <a:fillRef idx="0">
+            <a:schemeClr val="accent1"/>
+          </a:fillRef>
+          <a:effectRef idx="1">
+            <a:schemeClr val="accent1"/>
+          </a:effectRef>
+          <a:fontRef idx="minor">
+            <a:schemeClr val="tx1"/>
+          </a:fontRef>
+        </p:style>
+      </p:cxnSp>
+      <p:sp>
+        <p:nvSpPr>
+          <p:cNvPr id="9" name="Textfeld 8">
+            <a:extLst>
+              <a:ext uri="{FF2B5EF4-FFF2-40B4-BE49-F238E27FC236}">
+                <a16:creationId xmlns:a16="http://schemas.microsoft.com/office/drawing/2014/main" id="{13D76C8F-2E28-77FB-0F0C-D6AB32BF58CA}"/>
+              </a:ext>
+            </a:extLst>
+          </p:cNvPr>
+          <p:cNvSpPr txBox="1"/>
+          <p:nvPr/>
+        </p:nvSpPr>
+        <p:spPr>
+          <a:xfrm>
+            <a:off x="168276" y="2439966"/>
+            <a:ext cx="1040413" cy="369332"/>
+          </a:xfrm>
+          <a:prstGeom prst="rect">
+            <a:avLst/>
+          </a:prstGeom>
+          <a:noFill/>
+        </p:spPr>
+        <p:txBody>
+          <a:bodyPr wrap="none" rtlCol="0">
+            <a:spAutoFit/>
+          </a:bodyPr>
+          <a:lstStyle/>
+          <a:p>
+            <a:r>
+              <a:rPr lang="de-DE" dirty="0" err="1"/>
+              <a:t>complex</a:t>
+            </a:r>
             <a:endParaRPr lang="de-DE" dirty="0"/>
           </a:p>
         </p:txBody>
@@ -24622,8 +24715,12 @@
                   <a:buNone/>
                 </a:pPr>
                 <a:r>
+                  <a:rPr lang="de-DE" dirty="0" err="1"/>
+                  <a:t>impedance</a:t>
+                </a:r>
+                <a:r>
                   <a:rPr lang="de-DE" dirty="0"/>
-                  <a:t>impedance:</a:t>
+                  <a:t>:</a:t>
                 </a:r>
               </a:p>
               <a:p>
@@ -32247,7 +32344,13 @@
           <a:bodyPr/>
           <a:lstStyle/>
           <a:p>
-            <a:endParaRPr lang="de-DE" dirty="0"/>
+            <a:pPr marL="0" indent="0">
+              <a:buNone/>
+            </a:pPr>
+            <a:r>
+              <a:rPr lang="de-DE" dirty="0"/>
+              <a:t>…</a:t>
+            </a:r>
           </a:p>
         </p:txBody>
       </p:sp>
@@ -32315,7 +32418,7 @@
           <p:cNvPr id="2" name="Titel 1">
             <a:extLst>
               <a:ext uri="{FF2B5EF4-FFF2-40B4-BE49-F238E27FC236}">
-                <a16:creationId xmlns:a16="http://schemas.microsoft.com/office/drawing/2014/main" id="{AA8D9276-6978-F2D4-A304-6207FEEF324A}"/>
+                <a16:creationId xmlns:a16="http://schemas.microsoft.com/office/drawing/2014/main" id="{673079C4-B28F-1CC9-AF08-7C71A1F7A0F7}"/>
               </a:ext>
             </a:extLst>
           </p:cNvPr>
@@ -32332,104 +32435,808 @@
           <a:lstStyle/>
           <a:p>
             <a:r>
+              <a:rPr lang="de-DE" dirty="0" err="1"/>
+              <a:t>Instantaneous</a:t>
+            </a:r>
+            <a:r>
               <a:rPr lang="de-DE" dirty="0"/>
-              <a:t>AC Power</a:t>
+              <a:t> Power</a:t>
             </a:r>
           </a:p>
         </p:txBody>
       </p:sp>
-      <p:sp>
-        <p:nvSpPr>
-          <p:cNvPr id="3" name="Inhaltsplatzhalter 2">
-            <a:extLst>
-              <a:ext uri="{FF2B5EF4-FFF2-40B4-BE49-F238E27FC236}">
-                <a16:creationId xmlns:a16="http://schemas.microsoft.com/office/drawing/2014/main" id="{FFDDFFC0-90F3-BD73-E7F2-8AAD12D4776C}"/>
-              </a:ext>
-            </a:extLst>
-          </p:cNvPr>
-          <p:cNvSpPr>
-            <a:spLocks noGrp="1"/>
-          </p:cNvSpPr>
-          <p:nvPr>
-            <p:ph idx="1"/>
-          </p:nvPr>
-        </p:nvSpPr>
-        <p:spPr/>
-        <p:txBody>
-          <a:bodyPr/>
-          <a:lstStyle/>
-          <a:p>
-            <a:r>
-              <a:rPr lang="de-DE" b="1" dirty="0" err="1"/>
-              <a:t>instantaneous</a:t>
-            </a:r>
-            <a:r>
-              <a:rPr lang="de-DE" b="1" dirty="0"/>
-              <a:t> power</a:t>
-            </a:r>
-            <a:r>
-              <a:rPr lang="de-DE" dirty="0"/>
-              <a:t> → Momentanleistung</a:t>
-            </a:r>
-          </a:p>
-          <a:p>
-            <a:r>
-              <a:rPr lang="de-DE" b="1" dirty="0" err="1"/>
-              <a:t>average</a:t>
-            </a:r>
-            <a:r>
-              <a:rPr lang="de-DE" b="1" dirty="0"/>
-              <a:t> power</a:t>
-            </a:r>
-            <a:r>
-              <a:rPr lang="de-DE" dirty="0"/>
-              <a:t> oder </a:t>
-            </a:r>
-            <a:r>
-              <a:rPr lang="de-DE" b="1" dirty="0" err="1"/>
-              <a:t>active</a:t>
-            </a:r>
-            <a:r>
-              <a:rPr lang="de-DE" b="1" dirty="0"/>
-              <a:t> power</a:t>
-            </a:r>
-            <a:r>
-              <a:rPr lang="de-DE" dirty="0"/>
-              <a:t> → Wirkleistung</a:t>
-            </a:r>
-          </a:p>
-          <a:p>
-            <a:r>
-              <a:rPr lang="de-DE" b="1" dirty="0" err="1"/>
-              <a:t>reactive</a:t>
-            </a:r>
-            <a:r>
-              <a:rPr lang="de-DE" b="1" dirty="0"/>
-              <a:t> power</a:t>
-            </a:r>
-            <a:r>
-              <a:rPr lang="de-DE" dirty="0"/>
-              <a:t> → Blindleistung</a:t>
-            </a:r>
-          </a:p>
-          <a:p>
-            <a:r>
-              <a:rPr lang="de-DE" b="1" dirty="0"/>
-              <a:t>apparent power</a:t>
-            </a:r>
-            <a:r>
-              <a:rPr lang="de-DE" dirty="0"/>
-              <a:t> → Scheinleistung</a:t>
-            </a:r>
-          </a:p>
-        </p:txBody>
-      </p:sp>
+      <mc:AlternateContent xmlns:mc="http://schemas.openxmlformats.org/markup-compatibility/2006">
+        <mc:Choice xmlns:a14="http://schemas.microsoft.com/office/drawing/2010/main" Requires="a14">
+          <p:sp>
+            <p:nvSpPr>
+              <p:cNvPr id="3" name="Inhaltsplatzhalter 2">
+                <a:extLst>
+                  <a:ext uri="{FF2B5EF4-FFF2-40B4-BE49-F238E27FC236}">
+                    <a16:creationId xmlns:a16="http://schemas.microsoft.com/office/drawing/2014/main" id="{C9F5C960-E437-3FA3-96F6-73A21CB5CF79}"/>
+                  </a:ext>
+                </a:extLst>
+              </p:cNvPr>
+              <p:cNvSpPr>
+                <a:spLocks noGrp="1"/>
+              </p:cNvSpPr>
+              <p:nvPr>
+                <p:ph idx="1"/>
+              </p:nvPr>
+            </p:nvSpPr>
+            <p:spPr/>
+            <p:txBody>
+              <a:bodyPr>
+                <a:normAutofit lnSpcReduction="10000"/>
+              </a:bodyPr>
+              <a:lstStyle/>
+              <a:p>
+                <a:pPr marL="0" indent="0">
+                  <a:buNone/>
+                </a:pPr>
+                <a:endParaRPr lang="de-DE" i="1" dirty="0">
+                  <a:latin typeface="Cambria Math" panose="02040503050406030204" pitchFamily="18" charset="0"/>
+                </a:endParaRPr>
+              </a:p>
+              <a:p>
+                <a:pPr marL="0" indent="0">
+                  <a:buNone/>
+                </a:pPr>
+                <a14:m>
+                  <m:oMathPara xmlns:m="http://schemas.openxmlformats.org/officeDocument/2006/math">
+                    <m:oMathParaPr>
+                      <m:jc m:val="centerGroup"/>
+                    </m:oMathParaPr>
+                    <m:oMath xmlns:m="http://schemas.openxmlformats.org/officeDocument/2006/math">
+                      <m:r>
+                        <a:rPr lang="de-DE" i="1">
+                          <a:latin typeface="Cambria Math" panose="02040503050406030204" pitchFamily="18" charset="0"/>
+                        </a:rPr>
+                        <m:t>𝑝</m:t>
+                      </m:r>
+                      <m:d>
+                        <m:dPr>
+                          <m:ctrlPr>
+                            <a:rPr lang="de-DE" i="1">
+                              <a:latin typeface="Cambria Math" panose="02040503050406030204" pitchFamily="18" charset="0"/>
+                            </a:rPr>
+                          </m:ctrlPr>
+                        </m:dPr>
+                        <m:e>
+                          <m:r>
+                            <a:rPr lang="de-DE" i="1">
+                              <a:latin typeface="Cambria Math" panose="02040503050406030204" pitchFamily="18" charset="0"/>
+                            </a:rPr>
+                            <m:t>𝑡</m:t>
+                          </m:r>
+                        </m:e>
+                      </m:d>
+                      <m:r>
+                        <a:rPr lang="de-DE">
+                          <a:latin typeface="Cambria Math" panose="02040503050406030204" pitchFamily="18" charset="0"/>
+                        </a:rPr>
+                        <m:t>=</m:t>
+                      </m:r>
+                      <m:r>
+                        <a:rPr lang="de-DE" i="1">
+                          <a:latin typeface="Cambria Math" panose="02040503050406030204" pitchFamily="18" charset="0"/>
+                        </a:rPr>
+                        <m:t>𝑢</m:t>
+                      </m:r>
+                      <m:d>
+                        <m:dPr>
+                          <m:ctrlPr>
+                            <a:rPr lang="de-DE" i="1">
+                              <a:latin typeface="Cambria Math" panose="02040503050406030204" pitchFamily="18" charset="0"/>
+                            </a:rPr>
+                          </m:ctrlPr>
+                        </m:dPr>
+                        <m:e>
+                          <m:r>
+                            <a:rPr lang="de-DE" i="1">
+                              <a:latin typeface="Cambria Math" panose="02040503050406030204" pitchFamily="18" charset="0"/>
+                            </a:rPr>
+                            <m:t>𝑡</m:t>
+                          </m:r>
+                        </m:e>
+                      </m:d>
+                      <m:r>
+                        <a:rPr lang="de-DE">
+                          <a:latin typeface="Cambria Math" panose="02040503050406030204" pitchFamily="18" charset="0"/>
+                        </a:rPr>
+                        <m:t>∙</m:t>
+                      </m:r>
+                      <m:r>
+                        <a:rPr lang="de-DE" i="1">
+                          <a:latin typeface="Cambria Math" panose="02040503050406030204" pitchFamily="18" charset="0"/>
+                        </a:rPr>
+                        <m:t>𝑖</m:t>
+                      </m:r>
+                      <m:d>
+                        <m:dPr>
+                          <m:ctrlPr>
+                            <a:rPr lang="de-DE" i="1">
+                              <a:latin typeface="Cambria Math" panose="02040503050406030204" pitchFamily="18" charset="0"/>
+                            </a:rPr>
+                          </m:ctrlPr>
+                        </m:dPr>
+                        <m:e>
+                          <m:r>
+                            <a:rPr lang="de-DE" i="1">
+                              <a:latin typeface="Cambria Math" panose="02040503050406030204" pitchFamily="18" charset="0"/>
+                            </a:rPr>
+                            <m:t>𝑡</m:t>
+                          </m:r>
+                        </m:e>
+                      </m:d>
+                    </m:oMath>
+                  </m:oMathPara>
+                </a14:m>
+                <a:endParaRPr lang="de-DE" dirty="0"/>
+              </a:p>
+              <a:p>
+                <a:pPr marL="0" indent="0">
+                  <a:buNone/>
+                </a:pPr>
+                <a:endParaRPr lang="de-DE" dirty="0"/>
+              </a:p>
+              <a:p>
+                <a:pPr marL="0" indent="0">
+                  <a:buNone/>
+                </a:pPr>
+                <a:r>
+                  <a:rPr lang="de-DE" dirty="0" err="1"/>
+                  <a:t>For</a:t>
+                </a:r>
+                <a:r>
+                  <a:rPr lang="de-DE" dirty="0"/>
+                  <a:t> a </a:t>
+                </a:r>
+                <a:r>
+                  <a:rPr lang="de-DE" dirty="0" err="1"/>
+                  <a:t>purely</a:t>
+                </a:r>
+                <a:r>
+                  <a:rPr lang="de-DE" dirty="0"/>
+                  <a:t> </a:t>
+                </a:r>
+                <a:r>
+                  <a:rPr lang="de-DE" dirty="0" err="1"/>
+                  <a:t>ohmic</a:t>
+                </a:r>
+                <a:r>
+                  <a:rPr lang="de-DE" dirty="0"/>
+                  <a:t> </a:t>
+                </a:r>
+                <a:r>
+                  <a:rPr lang="de-DE" dirty="0" err="1"/>
+                  <a:t>resistance</a:t>
+                </a:r>
+                <a:r>
+                  <a:rPr lang="de-DE" dirty="0"/>
+                  <a:t>, </a:t>
+                </a:r>
+                <a:r>
+                  <a:rPr lang="de-DE" dirty="0" err="1"/>
+                  <a:t>current</a:t>
+                </a:r>
+                <a:r>
+                  <a:rPr lang="de-DE" dirty="0"/>
+                  <a:t> and </a:t>
+                </a:r>
+                <a:r>
+                  <a:rPr lang="de-DE" dirty="0" err="1"/>
+                  <a:t>voltage</a:t>
+                </a:r>
+                <a:r>
+                  <a:rPr lang="de-DE" dirty="0"/>
+                  <a:t> </a:t>
+                </a:r>
+                <a:r>
+                  <a:rPr lang="de-DE" dirty="0" err="1"/>
+                  <a:t>are</a:t>
+                </a:r>
+                <a:r>
+                  <a:rPr lang="de-DE" dirty="0"/>
+                  <a:t> in </a:t>
+                </a:r>
+                <a:r>
+                  <a:rPr lang="de-DE" dirty="0" err="1"/>
+                  <a:t>phase</a:t>
+                </a:r>
+                <a:r>
+                  <a:rPr lang="de-DE" dirty="0"/>
+                  <a:t>:</a:t>
+                </a:r>
+              </a:p>
+              <a:p>
+                <a:pPr marL="0" indent="0">
+                  <a:buNone/>
+                </a:pPr>
+                <a:endParaRPr lang="de-DE" dirty="0"/>
+              </a:p>
+              <a:p>
+                <a:pPr marL="0" indent="0">
+                  <a:buNone/>
+                </a:pPr>
+                <a14:m>
+                  <m:oMathPara xmlns:m="http://schemas.openxmlformats.org/officeDocument/2006/math">
+                    <m:oMathParaPr>
+                      <m:jc m:val="centerGroup"/>
+                    </m:oMathParaPr>
+                    <m:oMath xmlns:m="http://schemas.openxmlformats.org/officeDocument/2006/math">
+                      <m:r>
+                        <a:rPr lang="de-DE" i="1">
+                          <a:latin typeface="Cambria Math" panose="02040503050406030204" pitchFamily="18" charset="0"/>
+                        </a:rPr>
+                        <m:t>𝑝</m:t>
+                      </m:r>
+                      <m:d>
+                        <m:dPr>
+                          <m:ctrlPr>
+                            <a:rPr lang="de-DE" i="1">
+                              <a:latin typeface="Cambria Math" panose="02040503050406030204" pitchFamily="18" charset="0"/>
+                            </a:rPr>
+                          </m:ctrlPr>
+                        </m:dPr>
+                        <m:e>
+                          <m:r>
+                            <a:rPr lang="de-DE" i="1">
+                              <a:latin typeface="Cambria Math" panose="02040503050406030204" pitchFamily="18" charset="0"/>
+                            </a:rPr>
+                            <m:t>𝑡</m:t>
+                          </m:r>
+                        </m:e>
+                      </m:d>
+                      <m:r>
+                        <a:rPr lang="de-DE" i="1">
+                          <a:latin typeface="Cambria Math" panose="02040503050406030204" pitchFamily="18" charset="0"/>
+                        </a:rPr>
+                        <m:t>=</m:t>
+                      </m:r>
+                      <m:acc>
+                        <m:accPr>
+                          <m:chr m:val="̂"/>
+                          <m:ctrlPr>
+                            <a:rPr lang="de-DE" i="1">
+                              <a:latin typeface="Cambria Math" panose="02040503050406030204" pitchFamily="18" charset="0"/>
+                            </a:rPr>
+                          </m:ctrlPr>
+                        </m:accPr>
+                        <m:e>
+                          <m:r>
+                            <a:rPr lang="de-DE" i="1">
+                              <a:latin typeface="Cambria Math" panose="02040503050406030204" pitchFamily="18" charset="0"/>
+                            </a:rPr>
+                            <m:t>𝑢</m:t>
+                          </m:r>
+                        </m:e>
+                      </m:acc>
+                      <m:func>
+                        <m:funcPr>
+                          <m:ctrlPr>
+                            <a:rPr lang="de-DE" i="1">
+                              <a:latin typeface="Cambria Math" panose="02040503050406030204" pitchFamily="18" charset="0"/>
+                            </a:rPr>
+                          </m:ctrlPr>
+                        </m:funcPr>
+                        <m:fName>
+                          <m:r>
+                            <m:rPr>
+                              <m:sty m:val="p"/>
+                            </m:rPr>
+                            <a:rPr lang="de-DE">
+                              <a:latin typeface="Cambria Math" panose="02040503050406030204" pitchFamily="18" charset="0"/>
+                            </a:rPr>
+                            <m:t>sin</m:t>
+                          </m:r>
+                        </m:fName>
+                        <m:e>
+                          <m:r>
+                            <a:rPr lang="de-DE" i="1">
+                              <a:latin typeface="Cambria Math" panose="02040503050406030204" pitchFamily="18" charset="0"/>
+                            </a:rPr>
+                            <m:t>𝜔</m:t>
+                          </m:r>
+                          <m:r>
+                            <a:rPr lang="de-DE" i="1">
+                              <a:latin typeface="Cambria Math" panose="02040503050406030204" pitchFamily="18" charset="0"/>
+                            </a:rPr>
+                            <m:t>𝑡</m:t>
+                          </m:r>
+                        </m:e>
+                      </m:func>
+                      <m:r>
+                        <a:rPr lang="de-DE" i="1">
+                          <a:latin typeface="Cambria Math" panose="02040503050406030204" pitchFamily="18" charset="0"/>
+                        </a:rPr>
+                        <m:t>∙</m:t>
+                      </m:r>
+                      <m:acc>
+                        <m:accPr>
+                          <m:chr m:val="̂"/>
+                          <m:ctrlPr>
+                            <a:rPr lang="de-DE" i="1">
+                              <a:latin typeface="Cambria Math" panose="02040503050406030204" pitchFamily="18" charset="0"/>
+                            </a:rPr>
+                          </m:ctrlPr>
+                        </m:accPr>
+                        <m:e>
+                          <m:r>
+                            <a:rPr lang="de-DE" i="1">
+                              <a:latin typeface="Cambria Math" panose="02040503050406030204" pitchFamily="18" charset="0"/>
+                            </a:rPr>
+                            <m:t>𝑖</m:t>
+                          </m:r>
+                        </m:e>
+                      </m:acc>
+                      <m:func>
+                        <m:funcPr>
+                          <m:ctrlPr>
+                            <a:rPr lang="de-DE" i="1">
+                              <a:latin typeface="Cambria Math" panose="02040503050406030204" pitchFamily="18" charset="0"/>
+                            </a:rPr>
+                          </m:ctrlPr>
+                        </m:funcPr>
+                        <m:fName>
+                          <m:r>
+                            <m:rPr>
+                              <m:sty m:val="p"/>
+                            </m:rPr>
+                            <a:rPr lang="de-DE">
+                              <a:latin typeface="Cambria Math" panose="02040503050406030204" pitchFamily="18" charset="0"/>
+                            </a:rPr>
+                            <m:t>sin</m:t>
+                          </m:r>
+                        </m:fName>
+                        <m:e>
+                          <m:r>
+                            <a:rPr lang="de-DE" i="1">
+                              <a:latin typeface="Cambria Math" panose="02040503050406030204" pitchFamily="18" charset="0"/>
+                            </a:rPr>
+                            <m:t>𝜔</m:t>
+                          </m:r>
+                          <m:r>
+                            <a:rPr lang="de-DE" i="1">
+                              <a:latin typeface="Cambria Math" panose="02040503050406030204" pitchFamily="18" charset="0"/>
+                            </a:rPr>
+                            <m:t>𝑡</m:t>
+                          </m:r>
+                        </m:e>
+                      </m:func>
+                      <m:r>
+                        <a:rPr lang="de-DE" i="1">
+                          <a:latin typeface="Cambria Math" panose="02040503050406030204" pitchFamily="18" charset="0"/>
+                        </a:rPr>
+                        <m:t>=</m:t>
+                      </m:r>
+                      <m:acc>
+                        <m:accPr>
+                          <m:chr m:val="̂"/>
+                          <m:ctrlPr>
+                            <a:rPr lang="de-DE" i="1">
+                              <a:latin typeface="Cambria Math" panose="02040503050406030204" pitchFamily="18" charset="0"/>
+                            </a:rPr>
+                          </m:ctrlPr>
+                        </m:accPr>
+                        <m:e>
+                          <m:r>
+                            <a:rPr lang="de-DE" i="1">
+                              <a:latin typeface="Cambria Math" panose="02040503050406030204" pitchFamily="18" charset="0"/>
+                            </a:rPr>
+                            <m:t>𝑢</m:t>
+                          </m:r>
+                        </m:e>
+                      </m:acc>
+                      <m:acc>
+                        <m:accPr>
+                          <m:chr m:val="̂"/>
+                          <m:ctrlPr>
+                            <a:rPr lang="de-DE" i="1">
+                              <a:latin typeface="Cambria Math" panose="02040503050406030204" pitchFamily="18" charset="0"/>
+                            </a:rPr>
+                          </m:ctrlPr>
+                        </m:accPr>
+                        <m:e>
+                          <m:r>
+                            <a:rPr lang="de-DE" i="1">
+                              <a:latin typeface="Cambria Math" panose="02040503050406030204" pitchFamily="18" charset="0"/>
+                            </a:rPr>
+                            <m:t>𝑖</m:t>
+                          </m:r>
+                        </m:e>
+                      </m:acc>
+                      <m:sSup>
+                        <m:sSupPr>
+                          <m:ctrlPr>
+                            <a:rPr lang="de-DE" i="1">
+                              <a:latin typeface="Cambria Math" panose="02040503050406030204" pitchFamily="18" charset="0"/>
+                            </a:rPr>
+                          </m:ctrlPr>
+                        </m:sSupPr>
+                        <m:e>
+                          <m:r>
+                            <a:rPr lang="de-DE" i="1">
+                              <a:latin typeface="Cambria Math" panose="02040503050406030204" pitchFamily="18" charset="0"/>
+                            </a:rPr>
+                            <m:t> </m:t>
+                          </m:r>
+                          <m:r>
+                            <a:rPr lang="de-DE" i="1">
+                              <a:latin typeface="Cambria Math" panose="02040503050406030204" pitchFamily="18" charset="0"/>
+                            </a:rPr>
+                            <m:t>𝑠𝑖𝑛</m:t>
+                          </m:r>
+                        </m:e>
+                        <m:sup>
+                          <m:r>
+                            <a:rPr lang="de-DE" i="1">
+                              <a:latin typeface="Cambria Math" panose="02040503050406030204" pitchFamily="18" charset="0"/>
+                            </a:rPr>
+                            <m:t>2</m:t>
+                          </m:r>
+                        </m:sup>
+                      </m:sSup>
+                      <m:r>
+                        <a:rPr lang="de-DE" i="1">
+                          <a:latin typeface="Cambria Math" panose="02040503050406030204" pitchFamily="18" charset="0"/>
+                        </a:rPr>
+                        <m:t>𝜔</m:t>
+                      </m:r>
+                      <m:r>
+                        <a:rPr lang="de-DE" i="1">
+                          <a:latin typeface="Cambria Math" panose="02040503050406030204" pitchFamily="18" charset="0"/>
+                        </a:rPr>
+                        <m:t>𝑡</m:t>
+                      </m:r>
+                    </m:oMath>
+                  </m:oMathPara>
+                </a14:m>
+                <a:endParaRPr lang="de-DE" i="1" dirty="0">
+                  <a:latin typeface="Cambria Math" panose="02040503050406030204" pitchFamily="18" charset="0"/>
+                </a:endParaRPr>
+              </a:p>
+              <a:p>
+                <a:pPr marL="0" indent="0">
+                  <a:buNone/>
+                </a:pPr>
+                <a14:m>
+                  <m:oMathPara xmlns:m="http://schemas.openxmlformats.org/officeDocument/2006/math">
+                    <m:oMathParaPr>
+                      <m:jc m:val="centerGroup"/>
+                    </m:oMathParaPr>
+                    <m:oMath xmlns:m="http://schemas.openxmlformats.org/officeDocument/2006/math">
+                      <m:r>
+                        <a:rPr lang="de-DE" i="1">
+                          <a:latin typeface="Cambria Math" panose="02040503050406030204" pitchFamily="18" charset="0"/>
+                        </a:rPr>
+                        <m:t>=</m:t>
+                      </m:r>
+                      <m:acc>
+                        <m:accPr>
+                          <m:chr m:val="̂"/>
+                          <m:ctrlPr>
+                            <a:rPr lang="de-DE" i="1">
+                              <a:latin typeface="Cambria Math" panose="02040503050406030204" pitchFamily="18" charset="0"/>
+                            </a:rPr>
+                          </m:ctrlPr>
+                        </m:accPr>
+                        <m:e>
+                          <m:r>
+                            <a:rPr lang="de-DE" i="1">
+                              <a:latin typeface="Cambria Math" panose="02040503050406030204" pitchFamily="18" charset="0"/>
+                            </a:rPr>
+                            <m:t>𝑢</m:t>
+                          </m:r>
+                        </m:e>
+                      </m:acc>
+                      <m:acc>
+                        <m:accPr>
+                          <m:chr m:val="̂"/>
+                          <m:ctrlPr>
+                            <a:rPr lang="de-DE" i="1">
+                              <a:latin typeface="Cambria Math" panose="02040503050406030204" pitchFamily="18" charset="0"/>
+                            </a:rPr>
+                          </m:ctrlPr>
+                        </m:accPr>
+                        <m:e>
+                          <m:r>
+                            <a:rPr lang="de-DE" i="1">
+                              <a:latin typeface="Cambria Math" panose="02040503050406030204" pitchFamily="18" charset="0"/>
+                            </a:rPr>
+                            <m:t>𝑖</m:t>
+                          </m:r>
+                        </m:e>
+                      </m:acc>
+                      <m:f>
+                        <m:fPr>
+                          <m:ctrlPr>
+                            <a:rPr lang="de-DE" i="1">
+                              <a:latin typeface="Cambria Math" panose="02040503050406030204" pitchFamily="18" charset="0"/>
+                            </a:rPr>
+                          </m:ctrlPr>
+                        </m:fPr>
+                        <m:num>
+                          <m:r>
+                            <a:rPr lang="de-DE" i="1">
+                              <a:latin typeface="Cambria Math" panose="02040503050406030204" pitchFamily="18" charset="0"/>
+                            </a:rPr>
+                            <m:t>1</m:t>
+                          </m:r>
+                        </m:num>
+                        <m:den>
+                          <m:r>
+                            <a:rPr lang="de-DE" i="1">
+                              <a:latin typeface="Cambria Math" panose="02040503050406030204" pitchFamily="18" charset="0"/>
+                            </a:rPr>
+                            <m:t>2</m:t>
+                          </m:r>
+                        </m:den>
+                      </m:f>
+                      <m:d>
+                        <m:dPr>
+                          <m:ctrlPr>
+                            <a:rPr lang="de-DE" i="1">
+                              <a:latin typeface="Cambria Math" panose="02040503050406030204" pitchFamily="18" charset="0"/>
+                            </a:rPr>
+                          </m:ctrlPr>
+                        </m:dPr>
+                        <m:e>
+                          <m:r>
+                            <a:rPr lang="de-DE" i="1">
+                              <a:latin typeface="Cambria Math" panose="02040503050406030204" pitchFamily="18" charset="0"/>
+                            </a:rPr>
+                            <m:t>1−</m:t>
+                          </m:r>
+                          <m:func>
+                            <m:funcPr>
+                              <m:ctrlPr>
+                                <a:rPr lang="de-DE" i="1">
+                                  <a:latin typeface="Cambria Math" panose="02040503050406030204" pitchFamily="18" charset="0"/>
+                                </a:rPr>
+                              </m:ctrlPr>
+                            </m:funcPr>
+                            <m:fName>
+                              <m:r>
+                                <m:rPr>
+                                  <m:sty m:val="p"/>
+                                </m:rPr>
+                                <a:rPr lang="de-DE">
+                                  <a:latin typeface="Cambria Math" panose="02040503050406030204" pitchFamily="18" charset="0"/>
+                                </a:rPr>
+                                <m:t>cos</m:t>
+                              </m:r>
+                            </m:fName>
+                            <m:e>
+                              <m:r>
+                                <a:rPr lang="de-DE" i="1">
+                                  <a:latin typeface="Cambria Math" panose="02040503050406030204" pitchFamily="18" charset="0"/>
+                                </a:rPr>
+                                <m:t>2</m:t>
+                              </m:r>
+                              <m:r>
+                                <a:rPr lang="de-DE" i="1">
+                                  <a:latin typeface="Cambria Math" panose="02040503050406030204" pitchFamily="18" charset="0"/>
+                                </a:rPr>
+                                <m:t>𝜔</m:t>
+                              </m:r>
+                              <m:r>
+                                <a:rPr lang="de-DE" i="1">
+                                  <a:latin typeface="Cambria Math" panose="02040503050406030204" pitchFamily="18" charset="0"/>
+                                </a:rPr>
+                                <m:t>𝑡</m:t>
+                              </m:r>
+                            </m:e>
+                          </m:func>
+                        </m:e>
+                      </m:d>
+                      <m:r>
+                        <a:rPr lang="de-DE" i="1">
+                          <a:latin typeface="Cambria Math" panose="02040503050406030204" pitchFamily="18" charset="0"/>
+                        </a:rPr>
+                        <m:t>=</m:t>
+                      </m:r>
+                      <m:r>
+                        <a:rPr lang="de-DE" i="1">
+                          <a:latin typeface="Cambria Math" panose="02040503050406030204" pitchFamily="18" charset="0"/>
+                        </a:rPr>
+                        <m:t>𝑈𝐼</m:t>
+                      </m:r>
+                      <m:d>
+                        <m:dPr>
+                          <m:ctrlPr>
+                            <a:rPr lang="de-DE" i="1">
+                              <a:latin typeface="Cambria Math" panose="02040503050406030204" pitchFamily="18" charset="0"/>
+                            </a:rPr>
+                          </m:ctrlPr>
+                        </m:dPr>
+                        <m:e>
+                          <m:r>
+                            <a:rPr lang="de-DE" i="1">
+                              <a:latin typeface="Cambria Math" panose="02040503050406030204" pitchFamily="18" charset="0"/>
+                            </a:rPr>
+                            <m:t>1−</m:t>
+                          </m:r>
+                          <m:func>
+                            <m:funcPr>
+                              <m:ctrlPr>
+                                <a:rPr lang="de-DE" i="1">
+                                  <a:latin typeface="Cambria Math" panose="02040503050406030204" pitchFamily="18" charset="0"/>
+                                </a:rPr>
+                              </m:ctrlPr>
+                            </m:funcPr>
+                            <m:fName>
+                              <m:r>
+                                <m:rPr>
+                                  <m:sty m:val="p"/>
+                                </m:rPr>
+                                <a:rPr lang="de-DE">
+                                  <a:latin typeface="Cambria Math" panose="02040503050406030204" pitchFamily="18" charset="0"/>
+                                </a:rPr>
+                                <m:t>cos</m:t>
+                              </m:r>
+                            </m:fName>
+                            <m:e>
+                              <m:r>
+                                <a:rPr lang="de-DE" i="1">
+                                  <a:latin typeface="Cambria Math" panose="02040503050406030204" pitchFamily="18" charset="0"/>
+                                </a:rPr>
+                                <m:t>2</m:t>
+                              </m:r>
+                              <m:r>
+                                <a:rPr lang="de-DE" i="1">
+                                  <a:latin typeface="Cambria Math" panose="02040503050406030204" pitchFamily="18" charset="0"/>
+                                </a:rPr>
+                                <m:t>𝜔</m:t>
+                              </m:r>
+                              <m:r>
+                                <a:rPr lang="de-DE" i="1">
+                                  <a:latin typeface="Cambria Math" panose="02040503050406030204" pitchFamily="18" charset="0"/>
+                                </a:rPr>
+                                <m:t>𝑡</m:t>
+                              </m:r>
+                            </m:e>
+                          </m:func>
+                        </m:e>
+                      </m:d>
+                    </m:oMath>
+                  </m:oMathPara>
+                </a14:m>
+                <a:endParaRPr lang="de-DE" dirty="0"/>
+              </a:p>
+              <a:p>
+                <a:pPr marL="0" indent="0">
+                  <a:buNone/>
+                </a:pPr>
+                <a:endParaRPr lang="de-DE" dirty="0"/>
+              </a:p>
+              <a:p>
+                <a:pPr marL="0" indent="0">
+                  <a:buNone/>
+                </a:pPr>
+                <a14:m>
+                  <m:oMath xmlns:m="http://schemas.openxmlformats.org/officeDocument/2006/math">
+                    <m:r>
+                      <a:rPr lang="de-DE" i="1">
+                        <a:latin typeface="Cambria Math" panose="02040503050406030204" pitchFamily="18" charset="0"/>
+                      </a:rPr>
+                      <m:t>𝑝</m:t>
+                    </m:r>
+                    <m:d>
+                      <m:dPr>
+                        <m:ctrlPr>
+                          <a:rPr lang="de-DE" i="1">
+                            <a:latin typeface="Cambria Math" panose="02040503050406030204" pitchFamily="18" charset="0"/>
+                          </a:rPr>
+                        </m:ctrlPr>
+                      </m:dPr>
+                      <m:e>
+                        <m:r>
+                          <a:rPr lang="de-DE" i="1">
+                            <a:latin typeface="Cambria Math" panose="02040503050406030204" pitchFamily="18" charset="0"/>
+                          </a:rPr>
+                          <m:t>𝑡</m:t>
+                        </m:r>
+                      </m:e>
+                    </m:d>
+                    <m:r>
+                      <a:rPr lang="de-DE" i="1">
+                        <a:latin typeface="Cambria Math" panose="02040503050406030204" pitchFamily="18" charset="0"/>
+                      </a:rPr>
+                      <m:t>&gt;0</m:t>
+                    </m:r>
+                  </m:oMath>
+                </a14:m>
+                <a:r>
+                  <a:rPr lang="de-DE" dirty="0"/>
+                  <a:t> </a:t>
+                </a:r>
+                <a:r>
+                  <a:rPr lang="de-DE" dirty="0" err="1"/>
+                  <a:t>for</a:t>
+                </a:r>
+                <a:r>
+                  <a:rPr lang="de-DE" dirty="0"/>
+                  <a:t> passive </a:t>
+                </a:r>
+                <a:r>
+                  <a:rPr lang="de-DE" dirty="0" err="1"/>
+                  <a:t>sign</a:t>
+                </a:r>
+                <a:r>
+                  <a:rPr lang="de-DE" dirty="0"/>
+                  <a:t> </a:t>
+                </a:r>
+                <a:r>
+                  <a:rPr lang="de-DE" dirty="0" err="1"/>
+                  <a:t>convention</a:t>
+                </a:r>
+                <a:r>
+                  <a:rPr lang="de-DE" dirty="0"/>
+                  <a:t> </a:t>
+                </a:r>
+                <a:r>
+                  <a:rPr lang="de-DE" dirty="0">
+                    <a:sym typeface="Wingdings" pitchFamily="2" charset="2"/>
+                  </a:rPr>
+                  <a:t> passive </a:t>
+                </a:r>
+                <a:r>
+                  <a:rPr lang="de-DE" dirty="0" err="1">
+                    <a:sym typeface="Wingdings" pitchFamily="2" charset="2"/>
+                  </a:rPr>
+                  <a:t>component</a:t>
+                </a:r>
+                <a:endParaRPr lang="de-DE" dirty="0"/>
+              </a:p>
+            </p:txBody>
+          </p:sp>
+        </mc:Choice>
+        <mc:Fallback>
+          <p:sp>
+            <p:nvSpPr>
+              <p:cNvPr id="3" name="Inhaltsplatzhalter 2">
+                <a:extLst>
+                  <a:ext uri="{FF2B5EF4-FFF2-40B4-BE49-F238E27FC236}">
+                    <a16:creationId xmlns:a16="http://schemas.microsoft.com/office/drawing/2014/main" id="{C9F5C960-E437-3FA3-96F6-73A21CB5CF79}"/>
+                  </a:ext>
+                </a:extLst>
+              </p:cNvPr>
+              <p:cNvSpPr>
+                <a:spLocks noGrp="1" noRot="1" noChangeAspect="1" noMove="1" noResize="1" noEditPoints="1" noAdjustHandles="1" noChangeArrowheads="1" noChangeShapeType="1" noTextEdit="1"/>
+              </p:cNvSpPr>
+              <p:nvPr>
+                <p:ph idx="1"/>
+              </p:nvPr>
+            </p:nvSpPr>
+            <p:spPr>
+              <a:blipFill>
+                <a:blip r:embed="rId2"/>
+                <a:stretch>
+                  <a:fillRect l="-1206" b="-2326"/>
+                </a:stretch>
+              </a:blipFill>
+            </p:spPr>
+            <p:txBody>
+              <a:bodyPr/>
+              <a:lstStyle/>
+              <a:p>
+                <a:r>
+                  <a:rPr lang="de-DE">
+                    <a:noFill/>
+                  </a:rPr>
+                  <a:t> </a:t>
+                </a:r>
+              </a:p>
+            </p:txBody>
+          </p:sp>
+        </mc:Fallback>
+      </mc:AlternateContent>
       <p:sp>
         <p:nvSpPr>
           <p:cNvPr id="4" name="Foliennummernplatzhalter 3">
             <a:extLst>
               <a:ext uri="{FF2B5EF4-FFF2-40B4-BE49-F238E27FC236}">
-                <a16:creationId xmlns:a16="http://schemas.microsoft.com/office/drawing/2014/main" id="{BD944F6D-9B4A-40A9-EE44-202009ED0C56}"/>
+                <a16:creationId xmlns:a16="http://schemas.microsoft.com/office/drawing/2014/main" id="{11F88D43-9590-79DB-A436-7D020D3CA911}"/>
               </a:ext>
             </a:extLst>
           </p:cNvPr>
@@ -32456,7 +33263,7553 @@
     </p:spTree>
     <p:extLst>
       <p:ext uri="{BB962C8B-B14F-4D97-AF65-F5344CB8AC3E}">
-        <p14:creationId xmlns:p14="http://schemas.microsoft.com/office/powerpoint/2010/main" val="1266280829"/>
+        <p14:creationId xmlns:p14="http://schemas.microsoft.com/office/powerpoint/2010/main" val="3710588279"/>
+      </p:ext>
+    </p:extLst>
+  </p:cSld>
+  <p:clrMapOvr>
+    <a:masterClrMapping/>
+  </p:clrMapOvr>
+</p:sld>
+</file>
+
+<file path=ppt/slides/slide23.xml><?xml version="1.0" encoding="utf-8"?>
+<p:sld xmlns:a="http://schemas.openxmlformats.org/drawingml/2006/main" xmlns:r="http://schemas.openxmlformats.org/officeDocument/2006/relationships" xmlns:p="http://schemas.openxmlformats.org/presentationml/2006/main">
+  <p:cSld>
+    <p:spTree>
+      <p:nvGrpSpPr>
+        <p:cNvPr id="1" name=""/>
+        <p:cNvGrpSpPr/>
+        <p:nvPr/>
+      </p:nvGrpSpPr>
+      <p:grpSpPr>
+        <a:xfrm>
+          <a:off x="0" y="0"/>
+          <a:ext cx="0" cy="0"/>
+          <a:chOff x="0" y="0"/>
+          <a:chExt cx="0" cy="0"/>
+        </a:xfrm>
+      </p:grpSpPr>
+      <p:sp>
+        <p:nvSpPr>
+          <p:cNvPr id="2" name="Titel 1">
+            <a:extLst>
+              <a:ext uri="{FF2B5EF4-FFF2-40B4-BE49-F238E27FC236}">
+                <a16:creationId xmlns:a16="http://schemas.microsoft.com/office/drawing/2014/main" id="{06024CFB-9EF4-E916-7464-60A8D33622D9}"/>
+              </a:ext>
+            </a:extLst>
+          </p:cNvPr>
+          <p:cNvSpPr>
+            <a:spLocks noGrp="1"/>
+          </p:cNvSpPr>
+          <p:nvPr>
+            <p:ph type="title"/>
+          </p:nvPr>
+        </p:nvSpPr>
+        <p:spPr/>
+        <p:txBody>
+          <a:bodyPr/>
+          <a:lstStyle/>
+          <a:p>
+            <a:r>
+              <a:rPr lang="de-DE" dirty="0"/>
+              <a:t>Average Power</a:t>
+            </a:r>
+          </a:p>
+        </p:txBody>
+      </p:sp>
+      <mc:AlternateContent xmlns:mc="http://schemas.openxmlformats.org/markup-compatibility/2006">
+        <mc:Choice xmlns:a14="http://schemas.microsoft.com/office/drawing/2010/main" Requires="a14">
+          <p:sp>
+            <p:nvSpPr>
+              <p:cNvPr id="3" name="Inhaltsplatzhalter 2">
+                <a:extLst>
+                  <a:ext uri="{FF2B5EF4-FFF2-40B4-BE49-F238E27FC236}">
+                    <a16:creationId xmlns:a16="http://schemas.microsoft.com/office/drawing/2014/main" id="{F0EDB9B3-DA72-00EF-3833-D30CD707DFC2}"/>
+                  </a:ext>
+                </a:extLst>
+              </p:cNvPr>
+              <p:cNvSpPr>
+                <a:spLocks noGrp="1"/>
+              </p:cNvSpPr>
+              <p:nvPr>
+                <p:ph idx="1"/>
+              </p:nvPr>
+            </p:nvSpPr>
+            <p:spPr/>
+            <p:txBody>
+              <a:bodyPr>
+                <a:normAutofit fontScale="92500" lnSpcReduction="20000"/>
+              </a:bodyPr>
+              <a:lstStyle/>
+              <a:p>
+                <a:pPr marL="0" indent="0">
+                  <a:buNone/>
+                </a:pPr>
+                <a:r>
+                  <a:rPr lang="de-DE" sz="2600" dirty="0"/>
+                  <a:t>area </a:t>
+                </a:r>
+                <a:r>
+                  <a:rPr lang="de-DE" sz="2600" dirty="0" err="1"/>
+                  <a:t>under</a:t>
+                </a:r>
+                <a:r>
+                  <a:rPr lang="de-DE" sz="2600" dirty="0"/>
+                  <a:t> power </a:t>
+                </a:r>
+                <a:r>
+                  <a:rPr lang="de-DE" sz="2600" dirty="0" err="1"/>
+                  <a:t>curve</a:t>
+                </a:r>
+                <a:r>
+                  <a:rPr lang="de-DE" sz="2600" dirty="0"/>
+                  <a:t>: </a:t>
+                </a:r>
+                <a:r>
+                  <a:rPr lang="de-DE" sz="2600" dirty="0" err="1"/>
+                  <a:t>electrical</a:t>
+                </a:r>
+                <a:r>
+                  <a:rPr lang="de-DE" sz="2600" dirty="0"/>
+                  <a:t> </a:t>
+                </a:r>
+                <a:r>
+                  <a:rPr lang="de-DE" sz="2600" dirty="0" err="1"/>
+                  <a:t>energy</a:t>
+                </a:r>
+                <a:r>
+                  <a:rPr lang="de-DE" sz="2600" dirty="0"/>
+                  <a:t> </a:t>
+                </a:r>
+                <a:r>
+                  <a:rPr lang="de-DE" sz="2600" dirty="0" err="1"/>
+                  <a:t>converted</a:t>
+                </a:r>
+                <a:r>
+                  <a:rPr lang="de-DE" sz="2600" dirty="0"/>
+                  <a:t> </a:t>
+                </a:r>
+                <a:r>
+                  <a:rPr lang="de-DE" sz="2600" dirty="0" err="1"/>
+                  <a:t>into</a:t>
+                </a:r>
+                <a:r>
+                  <a:rPr lang="de-DE" sz="2600" dirty="0"/>
+                  <a:t> </a:t>
+                </a:r>
+                <a:r>
+                  <a:rPr lang="de-DE" sz="2600" dirty="0" err="1"/>
+                  <a:t>heat</a:t>
+                </a:r>
+                <a:r>
+                  <a:rPr lang="de-DE" sz="2600" dirty="0"/>
+                  <a:t> in a </a:t>
+                </a:r>
+                <a:r>
+                  <a:rPr lang="de-DE" sz="2600" dirty="0" err="1"/>
+                  <a:t>resistor</a:t>
+                </a:r>
+                <a:endParaRPr lang="de-DE" sz="2600" dirty="0"/>
+              </a:p>
+              <a:p>
+                <a:pPr marL="0" indent="0">
+                  <a:buNone/>
+                </a:pPr>
+                <a:endParaRPr lang="de-DE" sz="2600" i="1" dirty="0">
+                  <a:latin typeface="Cambria Math" panose="02040503050406030204" pitchFamily="18" charset="0"/>
+                </a:endParaRPr>
+              </a:p>
+              <a:p>
+                <a:pPr marL="0" indent="0">
+                  <a:buNone/>
+                </a:pPr>
+                <a:r>
+                  <a:rPr lang="de-DE" sz="2600" dirty="0" err="1"/>
+                  <a:t>average</a:t>
+                </a:r>
+                <a:r>
+                  <a:rPr lang="de-DE" sz="2600" dirty="0"/>
+                  <a:t> power (aka </a:t>
+                </a:r>
+                <a:r>
+                  <a:rPr lang="de-DE" sz="2600" dirty="0" err="1"/>
+                  <a:t>active</a:t>
+                </a:r>
+                <a:r>
+                  <a:rPr lang="de-DE" sz="2600" dirty="0"/>
+                  <a:t> power </a:t>
+                </a:r>
+                <a:r>
+                  <a:rPr lang="de-DE" sz="2600" dirty="0" err="1"/>
+                  <a:t>for</a:t>
+                </a:r>
+                <a:r>
+                  <a:rPr lang="de-DE" sz="2600" dirty="0"/>
+                  <a:t> </a:t>
+                </a:r>
+                <a:r>
+                  <a:rPr lang="de-DE" sz="2600" dirty="0" err="1"/>
+                  <a:t>resistance</a:t>
+                </a:r>
+                <a:r>
+                  <a:rPr lang="de-DE" sz="2600" dirty="0"/>
+                  <a:t>):</a:t>
+                </a:r>
+              </a:p>
+              <a:p>
+                <a:pPr marL="0" indent="0">
+                  <a:buNone/>
+                </a:pPr>
+                <a:endParaRPr lang="de-DE" sz="2400" i="1" dirty="0">
+                  <a:latin typeface="Cambria Math" panose="02040503050406030204" pitchFamily="18" charset="0"/>
+                </a:endParaRPr>
+              </a:p>
+              <a:p>
+                <a:pPr marL="0" indent="0">
+                  <a:buNone/>
+                </a:pPr>
+                <a14:m>
+                  <m:oMathPara xmlns:m="http://schemas.openxmlformats.org/officeDocument/2006/math">
+                    <m:oMathParaPr>
+                      <m:jc m:val="centerGroup"/>
+                    </m:oMathParaPr>
+                    <m:oMath xmlns:m="http://schemas.openxmlformats.org/officeDocument/2006/math">
+                      <m:acc>
+                        <m:accPr>
+                          <m:chr m:val="̅"/>
+                          <m:ctrlPr>
+                            <a:rPr lang="de-DE" sz="2400" i="1" smtClean="0">
+                              <a:latin typeface="Cambria Math" panose="02040503050406030204" pitchFamily="18" charset="0"/>
+                            </a:rPr>
+                          </m:ctrlPr>
+                        </m:accPr>
+                        <m:e>
+                          <m:r>
+                            <a:rPr lang="de-DE" sz="2400" i="1">
+                              <a:latin typeface="Cambria Math" panose="02040503050406030204" pitchFamily="18" charset="0"/>
+                            </a:rPr>
+                            <m:t>𝑃</m:t>
+                          </m:r>
+                        </m:e>
+                      </m:acc>
+                      <m:r>
+                        <a:rPr lang="de-DE" sz="2400" i="1">
+                          <a:latin typeface="Cambria Math" panose="02040503050406030204" pitchFamily="18" charset="0"/>
+                        </a:rPr>
+                        <m:t>=</m:t>
+                      </m:r>
+                      <m:f>
+                        <m:fPr>
+                          <m:ctrlPr>
+                            <a:rPr lang="de-DE" sz="2400" i="1">
+                              <a:latin typeface="Cambria Math" panose="02040503050406030204" pitchFamily="18" charset="0"/>
+                            </a:rPr>
+                          </m:ctrlPr>
+                        </m:fPr>
+                        <m:num>
+                          <m:r>
+                            <a:rPr lang="de-DE" sz="2400" i="1">
+                              <a:latin typeface="Cambria Math" panose="02040503050406030204" pitchFamily="18" charset="0"/>
+                            </a:rPr>
+                            <m:t>1</m:t>
+                          </m:r>
+                        </m:num>
+                        <m:den>
+                          <m:r>
+                            <a:rPr lang="de-DE" sz="2400" i="1">
+                              <a:latin typeface="Cambria Math" panose="02040503050406030204" pitchFamily="18" charset="0"/>
+                            </a:rPr>
+                            <m:t>𝑇</m:t>
+                          </m:r>
+                        </m:den>
+                      </m:f>
+                      <m:nary>
+                        <m:naryPr>
+                          <m:limLoc m:val="subSup"/>
+                          <m:ctrlPr>
+                            <a:rPr lang="de-DE" sz="2400" i="1">
+                              <a:latin typeface="Cambria Math" panose="02040503050406030204" pitchFamily="18" charset="0"/>
+                            </a:rPr>
+                          </m:ctrlPr>
+                        </m:naryPr>
+                        <m:sub>
+                          <m:r>
+                            <a:rPr lang="de-DE" sz="2400" i="1">
+                              <a:latin typeface="Cambria Math" panose="02040503050406030204" pitchFamily="18" charset="0"/>
+                            </a:rPr>
+                            <m:t>0</m:t>
+                          </m:r>
+                        </m:sub>
+                        <m:sup>
+                          <m:r>
+                            <a:rPr lang="de-DE" sz="2400" i="1">
+                              <a:latin typeface="Cambria Math" panose="02040503050406030204" pitchFamily="18" charset="0"/>
+                            </a:rPr>
+                            <m:t>𝑇</m:t>
+                          </m:r>
+                        </m:sup>
+                        <m:e>
+                          <m:r>
+                            <a:rPr lang="de-DE" sz="2400" i="1">
+                              <a:latin typeface="Cambria Math" panose="02040503050406030204" pitchFamily="18" charset="0"/>
+                            </a:rPr>
+                            <m:t>𝑝</m:t>
+                          </m:r>
+                          <m:d>
+                            <m:dPr>
+                              <m:ctrlPr>
+                                <a:rPr lang="de-DE" sz="2400" i="1">
+                                  <a:latin typeface="Cambria Math" panose="02040503050406030204" pitchFamily="18" charset="0"/>
+                                </a:rPr>
+                              </m:ctrlPr>
+                            </m:dPr>
+                            <m:e>
+                              <m:r>
+                                <a:rPr lang="de-DE" sz="2400" i="1">
+                                  <a:latin typeface="Cambria Math" panose="02040503050406030204" pitchFamily="18" charset="0"/>
+                                </a:rPr>
+                                <m:t>𝑡</m:t>
+                              </m:r>
+                            </m:e>
+                          </m:d>
+                          <m:r>
+                            <a:rPr lang="de-DE" sz="2400" i="1">
+                              <a:latin typeface="Cambria Math" panose="02040503050406030204" pitchFamily="18" charset="0"/>
+                            </a:rPr>
+                            <m:t>𝑑𝑡</m:t>
+                          </m:r>
+                        </m:e>
+                      </m:nary>
+                    </m:oMath>
+                  </m:oMathPara>
+                </a14:m>
+                <a:endParaRPr lang="de-DE" sz="2400" i="1" dirty="0">
+                  <a:latin typeface="Cambria Math" panose="02040503050406030204" pitchFamily="18" charset="0"/>
+                </a:endParaRPr>
+              </a:p>
+              <a:p>
+                <a:pPr marL="0" indent="0">
+                  <a:buNone/>
+                </a:pPr>
+                <a:endParaRPr lang="de-DE" sz="2400" i="1" dirty="0">
+                  <a:latin typeface="Cambria Math" panose="02040503050406030204" pitchFamily="18" charset="0"/>
+                </a:endParaRPr>
+              </a:p>
+              <a:p>
+                <a:pPr marL="0" indent="0">
+                  <a:buNone/>
+                </a:pPr>
+                <a14:m>
+                  <m:oMathPara xmlns:m="http://schemas.openxmlformats.org/officeDocument/2006/math">
+                    <m:oMathParaPr>
+                      <m:jc m:val="centerGroup"/>
+                    </m:oMathParaPr>
+                    <m:oMath xmlns:m="http://schemas.openxmlformats.org/officeDocument/2006/math">
+                      <m:r>
+                        <a:rPr lang="de-DE" sz="2400" i="1">
+                          <a:latin typeface="Cambria Math" panose="02040503050406030204" pitchFamily="18" charset="0"/>
+                        </a:rPr>
+                        <m:t>=</m:t>
+                      </m:r>
+                      <m:f>
+                        <m:fPr>
+                          <m:ctrlPr>
+                            <a:rPr lang="de-DE" sz="2400" i="1">
+                              <a:latin typeface="Cambria Math" panose="02040503050406030204" pitchFamily="18" charset="0"/>
+                            </a:rPr>
+                          </m:ctrlPr>
+                        </m:fPr>
+                        <m:num>
+                          <m:r>
+                            <a:rPr lang="de-DE" sz="2400" i="1">
+                              <a:latin typeface="Cambria Math" panose="02040503050406030204" pitchFamily="18" charset="0"/>
+                            </a:rPr>
+                            <m:t>1</m:t>
+                          </m:r>
+                        </m:num>
+                        <m:den>
+                          <m:r>
+                            <a:rPr lang="de-DE" sz="2400" i="1">
+                              <a:latin typeface="Cambria Math" panose="02040503050406030204" pitchFamily="18" charset="0"/>
+                            </a:rPr>
+                            <m:t>𝑇</m:t>
+                          </m:r>
+                        </m:den>
+                      </m:f>
+                      <m:nary>
+                        <m:naryPr>
+                          <m:limLoc m:val="subSup"/>
+                          <m:ctrlPr>
+                            <a:rPr lang="de-DE" sz="2400" i="1">
+                              <a:latin typeface="Cambria Math" panose="02040503050406030204" pitchFamily="18" charset="0"/>
+                            </a:rPr>
+                          </m:ctrlPr>
+                        </m:naryPr>
+                        <m:sub>
+                          <m:r>
+                            <a:rPr lang="de-DE" sz="2400" i="1">
+                              <a:latin typeface="Cambria Math" panose="02040503050406030204" pitchFamily="18" charset="0"/>
+                            </a:rPr>
+                            <m:t>0</m:t>
+                          </m:r>
+                        </m:sub>
+                        <m:sup>
+                          <m:r>
+                            <a:rPr lang="de-DE" sz="2400" i="1">
+                              <a:latin typeface="Cambria Math" panose="02040503050406030204" pitchFamily="18" charset="0"/>
+                            </a:rPr>
+                            <m:t>𝑇</m:t>
+                          </m:r>
+                        </m:sup>
+                        <m:e>
+                          <m:f>
+                            <m:fPr>
+                              <m:ctrlPr>
+                                <a:rPr lang="de-DE" sz="2400" i="1">
+                                  <a:latin typeface="Cambria Math" panose="02040503050406030204" pitchFamily="18" charset="0"/>
+                                </a:rPr>
+                              </m:ctrlPr>
+                            </m:fPr>
+                            <m:num>
+                              <m:r>
+                                <a:rPr lang="de-DE" sz="2400" i="1">
+                                  <a:latin typeface="Cambria Math" panose="02040503050406030204" pitchFamily="18" charset="0"/>
+                                </a:rPr>
+                                <m:t>1</m:t>
+                              </m:r>
+                            </m:num>
+                            <m:den>
+                              <m:r>
+                                <a:rPr lang="de-DE" sz="2400" i="1">
+                                  <a:latin typeface="Cambria Math" panose="02040503050406030204" pitchFamily="18" charset="0"/>
+                                </a:rPr>
+                                <m:t>2</m:t>
+                              </m:r>
+                            </m:den>
+                          </m:f>
+                          <m:acc>
+                            <m:accPr>
+                              <m:chr m:val="̂"/>
+                              <m:ctrlPr>
+                                <a:rPr lang="de-DE" sz="2400" i="1">
+                                  <a:latin typeface="Cambria Math" panose="02040503050406030204" pitchFamily="18" charset="0"/>
+                                </a:rPr>
+                              </m:ctrlPr>
+                            </m:accPr>
+                            <m:e>
+                              <m:r>
+                                <a:rPr lang="de-DE" sz="2400" i="1">
+                                  <a:latin typeface="Cambria Math" panose="02040503050406030204" pitchFamily="18" charset="0"/>
+                                </a:rPr>
+                                <m:t>𝑢</m:t>
+                              </m:r>
+                            </m:e>
+                          </m:acc>
+                          <m:acc>
+                            <m:accPr>
+                              <m:chr m:val="̂"/>
+                              <m:ctrlPr>
+                                <a:rPr lang="de-DE" sz="2400" i="1">
+                                  <a:latin typeface="Cambria Math" panose="02040503050406030204" pitchFamily="18" charset="0"/>
+                                </a:rPr>
+                              </m:ctrlPr>
+                            </m:accPr>
+                            <m:e>
+                              <m:r>
+                                <a:rPr lang="de-DE" sz="2400" i="1">
+                                  <a:latin typeface="Cambria Math" panose="02040503050406030204" pitchFamily="18" charset="0"/>
+                                </a:rPr>
+                                <m:t>𝑖</m:t>
+                              </m:r>
+                            </m:e>
+                          </m:acc>
+                          <m:d>
+                            <m:dPr>
+                              <m:ctrlPr>
+                                <a:rPr lang="de-DE" sz="2400" i="1">
+                                  <a:latin typeface="Cambria Math" panose="02040503050406030204" pitchFamily="18" charset="0"/>
+                                </a:rPr>
+                              </m:ctrlPr>
+                            </m:dPr>
+                            <m:e>
+                              <m:r>
+                                <a:rPr lang="de-DE" sz="2400" i="1">
+                                  <a:latin typeface="Cambria Math" panose="02040503050406030204" pitchFamily="18" charset="0"/>
+                                </a:rPr>
+                                <m:t>1−</m:t>
+                              </m:r>
+                              <m:func>
+                                <m:funcPr>
+                                  <m:ctrlPr>
+                                    <a:rPr lang="de-DE" sz="2400" i="1">
+                                      <a:latin typeface="Cambria Math" panose="02040503050406030204" pitchFamily="18" charset="0"/>
+                                    </a:rPr>
+                                  </m:ctrlPr>
+                                </m:funcPr>
+                                <m:fName>
+                                  <m:r>
+                                    <m:rPr>
+                                      <m:sty m:val="p"/>
+                                    </m:rPr>
+                                    <a:rPr lang="de-DE" sz="2400">
+                                      <a:latin typeface="Cambria Math" panose="02040503050406030204" pitchFamily="18" charset="0"/>
+                                    </a:rPr>
+                                    <m:t>cos</m:t>
+                                  </m:r>
+                                </m:fName>
+                                <m:e>
+                                  <m:r>
+                                    <a:rPr lang="de-DE" sz="2400" i="1">
+                                      <a:latin typeface="Cambria Math" panose="02040503050406030204" pitchFamily="18" charset="0"/>
+                                    </a:rPr>
+                                    <m:t>2</m:t>
+                                  </m:r>
+                                  <m:r>
+                                    <a:rPr lang="de-DE" sz="2400" i="1">
+                                      <a:latin typeface="Cambria Math" panose="02040503050406030204" pitchFamily="18" charset="0"/>
+                                    </a:rPr>
+                                    <m:t>𝜔</m:t>
+                                  </m:r>
+                                  <m:r>
+                                    <a:rPr lang="de-DE" sz="2400" i="1">
+                                      <a:latin typeface="Cambria Math" panose="02040503050406030204" pitchFamily="18" charset="0"/>
+                                    </a:rPr>
+                                    <m:t>𝑡</m:t>
+                                  </m:r>
+                                </m:e>
+                              </m:func>
+                            </m:e>
+                          </m:d>
+                          <m:r>
+                            <a:rPr lang="de-DE" sz="2400" i="1">
+                              <a:latin typeface="Cambria Math" panose="02040503050406030204" pitchFamily="18" charset="0"/>
+                            </a:rPr>
+                            <m:t>𝑑𝑡</m:t>
+                          </m:r>
+                        </m:e>
+                      </m:nary>
+                      <m:r>
+                        <a:rPr lang="de-DE" sz="2400" i="1">
+                          <a:latin typeface="Cambria Math" panose="02040503050406030204" pitchFamily="18" charset="0"/>
+                        </a:rPr>
+                        <m:t>=</m:t>
+                      </m:r>
+                      <m:sSubSup>
+                        <m:sSubSupPr>
+                          <m:ctrlPr>
+                            <a:rPr lang="de-DE" sz="2400" i="1">
+                              <a:latin typeface="Cambria Math" panose="02040503050406030204" pitchFamily="18" charset="0"/>
+                            </a:rPr>
+                          </m:ctrlPr>
+                        </m:sSubSupPr>
+                        <m:e>
+                          <m:d>
+                            <m:dPr>
+                              <m:begChr m:val=""/>
+                              <m:endChr m:val="|"/>
+                              <m:ctrlPr>
+                                <a:rPr lang="de-DE" sz="2400" i="1">
+                                  <a:latin typeface="Cambria Math" panose="02040503050406030204" pitchFamily="18" charset="0"/>
+                                </a:rPr>
+                              </m:ctrlPr>
+                            </m:dPr>
+                            <m:e>
+                              <m:f>
+                                <m:fPr>
+                                  <m:ctrlPr>
+                                    <a:rPr lang="de-DE" sz="2400" i="1">
+                                      <a:latin typeface="Cambria Math" panose="02040503050406030204" pitchFamily="18" charset="0"/>
+                                    </a:rPr>
+                                  </m:ctrlPr>
+                                </m:fPr>
+                                <m:num>
+                                  <m:r>
+                                    <a:rPr lang="de-DE" sz="2400" i="1">
+                                      <a:latin typeface="Cambria Math" panose="02040503050406030204" pitchFamily="18" charset="0"/>
+                                    </a:rPr>
+                                    <m:t>1</m:t>
+                                  </m:r>
+                                </m:num>
+                                <m:den>
+                                  <m:r>
+                                    <a:rPr lang="de-DE" sz="2400" i="1">
+                                      <a:latin typeface="Cambria Math" panose="02040503050406030204" pitchFamily="18" charset="0"/>
+                                    </a:rPr>
+                                    <m:t>2</m:t>
+                                  </m:r>
+                                </m:den>
+                              </m:f>
+                              <m:acc>
+                                <m:accPr>
+                                  <m:chr m:val="̂"/>
+                                  <m:ctrlPr>
+                                    <a:rPr lang="de-DE" sz="2400" i="1">
+                                      <a:latin typeface="Cambria Math" panose="02040503050406030204" pitchFamily="18" charset="0"/>
+                                    </a:rPr>
+                                  </m:ctrlPr>
+                                </m:accPr>
+                                <m:e>
+                                  <m:r>
+                                    <a:rPr lang="de-DE" sz="2400" i="1">
+                                      <a:latin typeface="Cambria Math" panose="02040503050406030204" pitchFamily="18" charset="0"/>
+                                    </a:rPr>
+                                    <m:t>𝑢</m:t>
+                                  </m:r>
+                                </m:e>
+                              </m:acc>
+                              <m:acc>
+                                <m:accPr>
+                                  <m:chr m:val="̂"/>
+                                  <m:ctrlPr>
+                                    <a:rPr lang="de-DE" sz="2400" i="1">
+                                      <a:latin typeface="Cambria Math" panose="02040503050406030204" pitchFamily="18" charset="0"/>
+                                    </a:rPr>
+                                  </m:ctrlPr>
+                                </m:accPr>
+                                <m:e>
+                                  <m:r>
+                                    <a:rPr lang="de-DE" sz="2400" i="1">
+                                      <a:latin typeface="Cambria Math" panose="02040503050406030204" pitchFamily="18" charset="0"/>
+                                    </a:rPr>
+                                    <m:t>𝑖</m:t>
+                                  </m:r>
+                                </m:e>
+                              </m:acc>
+                              <m:f>
+                                <m:fPr>
+                                  <m:ctrlPr>
+                                    <a:rPr lang="de-DE" sz="2400" i="1">
+                                      <a:latin typeface="Cambria Math" panose="02040503050406030204" pitchFamily="18" charset="0"/>
+                                    </a:rPr>
+                                  </m:ctrlPr>
+                                </m:fPr>
+                                <m:num>
+                                  <m:r>
+                                    <a:rPr lang="de-DE" sz="2400" i="1">
+                                      <a:latin typeface="Cambria Math" panose="02040503050406030204" pitchFamily="18" charset="0"/>
+                                    </a:rPr>
+                                    <m:t>1</m:t>
+                                  </m:r>
+                                </m:num>
+                                <m:den>
+                                  <m:r>
+                                    <a:rPr lang="de-DE" sz="2400" i="1">
+                                      <a:latin typeface="Cambria Math" panose="02040503050406030204" pitchFamily="18" charset="0"/>
+                                    </a:rPr>
+                                    <m:t>𝑇</m:t>
+                                  </m:r>
+                                </m:den>
+                              </m:f>
+                              <m:d>
+                                <m:dPr>
+                                  <m:ctrlPr>
+                                    <a:rPr lang="de-DE" sz="2400" i="1">
+                                      <a:latin typeface="Cambria Math" panose="02040503050406030204" pitchFamily="18" charset="0"/>
+                                    </a:rPr>
+                                  </m:ctrlPr>
+                                </m:dPr>
+                                <m:e>
+                                  <m:r>
+                                    <a:rPr lang="de-DE" sz="2400" i="1">
+                                      <a:latin typeface="Cambria Math" panose="02040503050406030204" pitchFamily="18" charset="0"/>
+                                    </a:rPr>
+                                    <m:t>𝑡</m:t>
+                                  </m:r>
+                                  <m:r>
+                                    <a:rPr lang="de-DE" sz="2400" i="1">
+                                      <a:latin typeface="Cambria Math" panose="02040503050406030204" pitchFamily="18" charset="0"/>
+                                    </a:rPr>
+                                    <m:t>−</m:t>
+                                  </m:r>
+                                  <m:func>
+                                    <m:funcPr>
+                                      <m:ctrlPr>
+                                        <a:rPr lang="de-DE" sz="2400" i="1">
+                                          <a:latin typeface="Cambria Math" panose="02040503050406030204" pitchFamily="18" charset="0"/>
+                                        </a:rPr>
+                                      </m:ctrlPr>
+                                    </m:funcPr>
+                                    <m:fName>
+                                      <m:f>
+                                        <m:fPr>
+                                          <m:ctrlPr>
+                                            <a:rPr lang="de-DE" sz="2400" i="1">
+                                              <a:latin typeface="Cambria Math" panose="02040503050406030204" pitchFamily="18" charset="0"/>
+                                            </a:rPr>
+                                          </m:ctrlPr>
+                                        </m:fPr>
+                                        <m:num>
+                                          <m:r>
+                                            <a:rPr lang="de-DE" sz="2400" i="1">
+                                              <a:latin typeface="Cambria Math" panose="02040503050406030204" pitchFamily="18" charset="0"/>
+                                            </a:rPr>
+                                            <m:t>1</m:t>
+                                          </m:r>
+                                        </m:num>
+                                        <m:den>
+                                          <m:r>
+                                            <a:rPr lang="de-DE" sz="2400" i="1">
+                                              <a:latin typeface="Cambria Math" panose="02040503050406030204" pitchFamily="18" charset="0"/>
+                                            </a:rPr>
+                                            <m:t>2</m:t>
+                                          </m:r>
+                                          <m:r>
+                                            <a:rPr lang="de-DE" sz="2400" i="1">
+                                              <a:latin typeface="Cambria Math" panose="02040503050406030204" pitchFamily="18" charset="0"/>
+                                            </a:rPr>
+                                            <m:t>𝜔</m:t>
+                                          </m:r>
+                                        </m:den>
+                                      </m:f>
+                                      <m:r>
+                                        <m:rPr>
+                                          <m:sty m:val="p"/>
+                                        </m:rPr>
+                                        <a:rPr lang="de-DE" sz="2400">
+                                          <a:latin typeface="Cambria Math" panose="02040503050406030204" pitchFamily="18" charset="0"/>
+                                        </a:rPr>
+                                        <m:t>sin</m:t>
+                                      </m:r>
+                                    </m:fName>
+                                    <m:e>
+                                      <m:r>
+                                        <a:rPr lang="de-DE" sz="2400" i="1">
+                                          <a:latin typeface="Cambria Math" panose="02040503050406030204" pitchFamily="18" charset="0"/>
+                                        </a:rPr>
+                                        <m:t>2</m:t>
+                                      </m:r>
+                                      <m:r>
+                                        <a:rPr lang="de-DE" sz="2400" i="1">
+                                          <a:latin typeface="Cambria Math" panose="02040503050406030204" pitchFamily="18" charset="0"/>
+                                        </a:rPr>
+                                        <m:t>𝜔</m:t>
+                                      </m:r>
+                                      <m:r>
+                                        <a:rPr lang="de-DE" sz="2400" i="1">
+                                          <a:latin typeface="Cambria Math" panose="02040503050406030204" pitchFamily="18" charset="0"/>
+                                        </a:rPr>
+                                        <m:t>𝑡</m:t>
+                                      </m:r>
+                                    </m:e>
+                                  </m:func>
+                                </m:e>
+                              </m:d>
+                            </m:e>
+                          </m:d>
+                        </m:e>
+                        <m:sub>
+                          <m:r>
+                            <a:rPr lang="de-DE" sz="2400" i="1">
+                              <a:latin typeface="Cambria Math" panose="02040503050406030204" pitchFamily="18" charset="0"/>
+                            </a:rPr>
+                            <m:t>0</m:t>
+                          </m:r>
+                        </m:sub>
+                        <m:sup>
+                          <m:r>
+                            <a:rPr lang="de-DE" sz="2400" i="1">
+                              <a:latin typeface="Cambria Math" panose="02040503050406030204" pitchFamily="18" charset="0"/>
+                            </a:rPr>
+                            <m:t>𝑇</m:t>
+                          </m:r>
+                        </m:sup>
+                      </m:sSubSup>
+                    </m:oMath>
+                  </m:oMathPara>
+                </a14:m>
+                <a:endParaRPr lang="de-DE" sz="2400" i="1" dirty="0">
+                  <a:latin typeface="Cambria Math" panose="02040503050406030204" pitchFamily="18" charset="0"/>
+                </a:endParaRPr>
+              </a:p>
+              <a:p>
+                <a:pPr marL="0" indent="0">
+                  <a:buNone/>
+                </a:pPr>
+                <a:endParaRPr lang="de-DE" sz="2400" b="0" i="1" dirty="0">
+                  <a:latin typeface="Cambria Math" panose="02040503050406030204" pitchFamily="18" charset="0"/>
+                </a:endParaRPr>
+              </a:p>
+              <a:p>
+                <a:pPr marL="0" indent="0">
+                  <a:buNone/>
+                </a:pPr>
+                <a14:m>
+                  <m:oMathPara xmlns:m="http://schemas.openxmlformats.org/officeDocument/2006/math">
+                    <m:oMathParaPr>
+                      <m:jc m:val="centerGroup"/>
+                    </m:oMathParaPr>
+                    <m:oMath xmlns:m="http://schemas.openxmlformats.org/officeDocument/2006/math">
+                      <m:r>
+                        <a:rPr lang="de-DE" sz="2400" b="0" i="1" smtClean="0">
+                          <a:latin typeface="Cambria Math" panose="02040503050406030204" pitchFamily="18" charset="0"/>
+                        </a:rPr>
+                        <m:t>=</m:t>
+                      </m:r>
+                      <m:f>
+                        <m:fPr>
+                          <m:ctrlPr>
+                            <a:rPr lang="de-DE" sz="2400" i="1">
+                              <a:latin typeface="Cambria Math" panose="02040503050406030204" pitchFamily="18" charset="0"/>
+                            </a:rPr>
+                          </m:ctrlPr>
+                        </m:fPr>
+                        <m:num>
+                          <m:r>
+                            <a:rPr lang="de-DE" sz="2400" i="1">
+                              <a:latin typeface="Cambria Math" panose="02040503050406030204" pitchFamily="18" charset="0"/>
+                            </a:rPr>
+                            <m:t>1</m:t>
+                          </m:r>
+                        </m:num>
+                        <m:den>
+                          <m:r>
+                            <a:rPr lang="de-DE" sz="2400" i="1">
+                              <a:latin typeface="Cambria Math" panose="02040503050406030204" pitchFamily="18" charset="0"/>
+                            </a:rPr>
+                            <m:t>2</m:t>
+                          </m:r>
+                        </m:den>
+                      </m:f>
+                      <m:acc>
+                        <m:accPr>
+                          <m:chr m:val="̂"/>
+                          <m:ctrlPr>
+                            <a:rPr lang="de-DE" sz="2400" i="1">
+                              <a:latin typeface="Cambria Math" panose="02040503050406030204" pitchFamily="18" charset="0"/>
+                            </a:rPr>
+                          </m:ctrlPr>
+                        </m:accPr>
+                        <m:e>
+                          <m:r>
+                            <a:rPr lang="de-DE" sz="2400" i="1">
+                              <a:latin typeface="Cambria Math" panose="02040503050406030204" pitchFamily="18" charset="0"/>
+                            </a:rPr>
+                            <m:t>𝑢</m:t>
+                          </m:r>
+                        </m:e>
+                      </m:acc>
+                      <m:acc>
+                        <m:accPr>
+                          <m:chr m:val="̂"/>
+                          <m:ctrlPr>
+                            <a:rPr lang="de-DE" sz="2400" i="1">
+                              <a:latin typeface="Cambria Math" panose="02040503050406030204" pitchFamily="18" charset="0"/>
+                            </a:rPr>
+                          </m:ctrlPr>
+                        </m:accPr>
+                        <m:e>
+                          <m:r>
+                            <a:rPr lang="de-DE" sz="2400" i="1">
+                              <a:latin typeface="Cambria Math" panose="02040503050406030204" pitchFamily="18" charset="0"/>
+                            </a:rPr>
+                            <m:t>𝑖</m:t>
+                          </m:r>
+                        </m:e>
+                      </m:acc>
+                      <m:f>
+                        <m:fPr>
+                          <m:ctrlPr>
+                            <a:rPr lang="de-DE" sz="2400" i="1">
+                              <a:latin typeface="Cambria Math" panose="02040503050406030204" pitchFamily="18" charset="0"/>
+                            </a:rPr>
+                          </m:ctrlPr>
+                        </m:fPr>
+                        <m:num>
+                          <m:r>
+                            <a:rPr lang="de-DE" sz="2400" i="1">
+                              <a:latin typeface="Cambria Math" panose="02040503050406030204" pitchFamily="18" charset="0"/>
+                            </a:rPr>
+                            <m:t>1</m:t>
+                          </m:r>
+                        </m:num>
+                        <m:den>
+                          <m:r>
+                            <a:rPr lang="de-DE" sz="2400" i="1">
+                              <a:latin typeface="Cambria Math" panose="02040503050406030204" pitchFamily="18" charset="0"/>
+                            </a:rPr>
+                            <m:t>𝑇</m:t>
+                          </m:r>
+                        </m:den>
+                      </m:f>
+                      <m:d>
+                        <m:dPr>
+                          <m:ctrlPr>
+                            <a:rPr lang="de-DE" sz="2400" i="1">
+                              <a:latin typeface="Cambria Math" panose="02040503050406030204" pitchFamily="18" charset="0"/>
+                            </a:rPr>
+                          </m:ctrlPr>
+                        </m:dPr>
+                        <m:e>
+                          <m:r>
+                            <a:rPr lang="de-DE" sz="2400" i="1">
+                              <a:latin typeface="Cambria Math" panose="02040503050406030204" pitchFamily="18" charset="0"/>
+                            </a:rPr>
+                            <m:t>𝑇</m:t>
+                          </m:r>
+                          <m:r>
+                            <a:rPr lang="de-DE" sz="2400" i="1">
+                              <a:latin typeface="Cambria Math" panose="02040503050406030204" pitchFamily="18" charset="0"/>
+                            </a:rPr>
+                            <m:t>−</m:t>
+                          </m:r>
+                          <m:func>
+                            <m:funcPr>
+                              <m:ctrlPr>
+                                <a:rPr lang="de-DE" sz="2400" i="1">
+                                  <a:latin typeface="Cambria Math" panose="02040503050406030204" pitchFamily="18" charset="0"/>
+                                </a:rPr>
+                              </m:ctrlPr>
+                            </m:funcPr>
+                            <m:fName>
+                              <m:f>
+                                <m:fPr>
+                                  <m:ctrlPr>
+                                    <a:rPr lang="de-DE" sz="2400" i="1">
+                                      <a:latin typeface="Cambria Math" panose="02040503050406030204" pitchFamily="18" charset="0"/>
+                                    </a:rPr>
+                                  </m:ctrlPr>
+                                </m:fPr>
+                                <m:num>
+                                  <m:r>
+                                    <a:rPr lang="de-DE" sz="2400" i="1">
+                                      <a:latin typeface="Cambria Math" panose="02040503050406030204" pitchFamily="18" charset="0"/>
+                                    </a:rPr>
+                                    <m:t>1</m:t>
+                                  </m:r>
+                                </m:num>
+                                <m:den>
+                                  <m:r>
+                                    <a:rPr lang="de-DE" sz="2400" i="1">
+                                      <a:latin typeface="Cambria Math" panose="02040503050406030204" pitchFamily="18" charset="0"/>
+                                    </a:rPr>
+                                    <m:t>2</m:t>
+                                  </m:r>
+                                  <m:r>
+                                    <a:rPr lang="de-DE" sz="2400" i="1">
+                                      <a:latin typeface="Cambria Math" panose="02040503050406030204" pitchFamily="18" charset="0"/>
+                                    </a:rPr>
+                                    <m:t>𝜔</m:t>
+                                  </m:r>
+                                </m:den>
+                              </m:f>
+                              <m:r>
+                                <m:rPr>
+                                  <m:sty m:val="p"/>
+                                </m:rPr>
+                                <a:rPr lang="de-DE" sz="2400">
+                                  <a:latin typeface="Cambria Math" panose="02040503050406030204" pitchFamily="18" charset="0"/>
+                                </a:rPr>
+                                <m:t>sin</m:t>
+                              </m:r>
+                            </m:fName>
+                            <m:e>
+                              <m:r>
+                                <a:rPr lang="de-DE" sz="2400" i="1">
+                                  <a:latin typeface="Cambria Math" panose="02040503050406030204" pitchFamily="18" charset="0"/>
+                                </a:rPr>
+                                <m:t>2</m:t>
+                              </m:r>
+                              <m:r>
+                                <a:rPr lang="de-DE" sz="2400" i="1">
+                                  <a:latin typeface="Cambria Math" panose="02040503050406030204" pitchFamily="18" charset="0"/>
+                                </a:rPr>
+                                <m:t>𝜔</m:t>
+                              </m:r>
+                              <m:r>
+                                <a:rPr lang="de-DE" sz="2400" i="1">
+                                  <a:latin typeface="Cambria Math" panose="02040503050406030204" pitchFamily="18" charset="0"/>
+                                </a:rPr>
+                                <m:t>𝑇</m:t>
+                              </m:r>
+                            </m:e>
+                          </m:func>
+                        </m:e>
+                      </m:d>
+                      <m:r>
+                        <a:rPr lang="de-DE" sz="2400" i="1">
+                          <a:latin typeface="Cambria Math" panose="02040503050406030204" pitchFamily="18" charset="0"/>
+                        </a:rPr>
+                        <m:t>=</m:t>
+                      </m:r>
+                      <m:f>
+                        <m:fPr>
+                          <m:ctrlPr>
+                            <a:rPr lang="de-DE" sz="2400" i="1">
+                              <a:latin typeface="Cambria Math" panose="02040503050406030204" pitchFamily="18" charset="0"/>
+                            </a:rPr>
+                          </m:ctrlPr>
+                        </m:fPr>
+                        <m:num>
+                          <m:r>
+                            <a:rPr lang="de-DE" sz="2400" i="1">
+                              <a:latin typeface="Cambria Math" panose="02040503050406030204" pitchFamily="18" charset="0"/>
+                            </a:rPr>
+                            <m:t>1</m:t>
+                          </m:r>
+                        </m:num>
+                        <m:den>
+                          <m:r>
+                            <a:rPr lang="de-DE" sz="2400" i="1">
+                              <a:latin typeface="Cambria Math" panose="02040503050406030204" pitchFamily="18" charset="0"/>
+                            </a:rPr>
+                            <m:t>2</m:t>
+                          </m:r>
+                        </m:den>
+                      </m:f>
+                      <m:acc>
+                        <m:accPr>
+                          <m:chr m:val="̂"/>
+                          <m:ctrlPr>
+                            <a:rPr lang="de-DE" sz="2400" i="1">
+                              <a:latin typeface="Cambria Math" panose="02040503050406030204" pitchFamily="18" charset="0"/>
+                            </a:rPr>
+                          </m:ctrlPr>
+                        </m:accPr>
+                        <m:e>
+                          <m:r>
+                            <a:rPr lang="de-DE" sz="2400" i="1">
+                              <a:latin typeface="Cambria Math" panose="02040503050406030204" pitchFamily="18" charset="0"/>
+                            </a:rPr>
+                            <m:t>𝑢</m:t>
+                          </m:r>
+                        </m:e>
+                      </m:acc>
+                      <m:acc>
+                        <m:accPr>
+                          <m:chr m:val="̂"/>
+                          <m:ctrlPr>
+                            <a:rPr lang="de-DE" sz="2400" i="1">
+                              <a:latin typeface="Cambria Math" panose="02040503050406030204" pitchFamily="18" charset="0"/>
+                            </a:rPr>
+                          </m:ctrlPr>
+                        </m:accPr>
+                        <m:e>
+                          <m:r>
+                            <a:rPr lang="de-DE" sz="2400" i="1">
+                              <a:latin typeface="Cambria Math" panose="02040503050406030204" pitchFamily="18" charset="0"/>
+                            </a:rPr>
+                            <m:t>𝑖</m:t>
+                          </m:r>
+                        </m:e>
+                      </m:acc>
+                      <m:f>
+                        <m:fPr>
+                          <m:ctrlPr>
+                            <a:rPr lang="de-DE" sz="2400" i="1">
+                              <a:latin typeface="Cambria Math" panose="02040503050406030204" pitchFamily="18" charset="0"/>
+                            </a:rPr>
+                          </m:ctrlPr>
+                        </m:fPr>
+                        <m:num>
+                          <m:r>
+                            <a:rPr lang="de-DE" sz="2400" i="1">
+                              <a:latin typeface="Cambria Math" panose="02040503050406030204" pitchFamily="18" charset="0"/>
+                            </a:rPr>
+                            <m:t>1</m:t>
+                          </m:r>
+                        </m:num>
+                        <m:den>
+                          <m:r>
+                            <a:rPr lang="de-DE" sz="2400" i="1">
+                              <a:latin typeface="Cambria Math" panose="02040503050406030204" pitchFamily="18" charset="0"/>
+                            </a:rPr>
+                            <m:t>𝑇</m:t>
+                          </m:r>
+                        </m:den>
+                      </m:f>
+                      <m:d>
+                        <m:dPr>
+                          <m:ctrlPr>
+                            <a:rPr lang="de-DE" sz="2400" i="1">
+                              <a:latin typeface="Cambria Math" panose="02040503050406030204" pitchFamily="18" charset="0"/>
+                            </a:rPr>
+                          </m:ctrlPr>
+                        </m:dPr>
+                        <m:e>
+                          <m:r>
+                            <a:rPr lang="de-DE" sz="2400" i="1">
+                              <a:latin typeface="Cambria Math" panose="02040503050406030204" pitchFamily="18" charset="0"/>
+                            </a:rPr>
+                            <m:t>𝑇</m:t>
+                          </m:r>
+                          <m:r>
+                            <a:rPr lang="de-DE" sz="2400" i="1">
+                              <a:latin typeface="Cambria Math" panose="02040503050406030204" pitchFamily="18" charset="0"/>
+                            </a:rPr>
+                            <m:t>−</m:t>
+                          </m:r>
+                          <m:func>
+                            <m:funcPr>
+                              <m:ctrlPr>
+                                <a:rPr lang="de-DE" sz="2400" i="1">
+                                  <a:latin typeface="Cambria Math" panose="02040503050406030204" pitchFamily="18" charset="0"/>
+                                </a:rPr>
+                              </m:ctrlPr>
+                            </m:funcPr>
+                            <m:fName>
+                              <m:f>
+                                <m:fPr>
+                                  <m:ctrlPr>
+                                    <a:rPr lang="de-DE" sz="2400" i="1">
+                                      <a:latin typeface="Cambria Math" panose="02040503050406030204" pitchFamily="18" charset="0"/>
+                                    </a:rPr>
+                                  </m:ctrlPr>
+                                </m:fPr>
+                                <m:num>
+                                  <m:r>
+                                    <a:rPr lang="de-DE" sz="2400" i="1">
+                                      <a:latin typeface="Cambria Math" panose="02040503050406030204" pitchFamily="18" charset="0"/>
+                                    </a:rPr>
+                                    <m:t>1</m:t>
+                                  </m:r>
+                                </m:num>
+                                <m:den>
+                                  <m:r>
+                                    <a:rPr lang="de-DE" sz="2400" i="1">
+                                      <a:latin typeface="Cambria Math" panose="02040503050406030204" pitchFamily="18" charset="0"/>
+                                    </a:rPr>
+                                    <m:t>2</m:t>
+                                  </m:r>
+                                  <m:r>
+                                    <a:rPr lang="de-DE" sz="2400" i="1">
+                                      <a:latin typeface="Cambria Math" panose="02040503050406030204" pitchFamily="18" charset="0"/>
+                                    </a:rPr>
+                                    <m:t>𝜔</m:t>
+                                  </m:r>
+                                </m:den>
+                              </m:f>
+                              <m:r>
+                                <m:rPr>
+                                  <m:sty m:val="p"/>
+                                </m:rPr>
+                                <a:rPr lang="de-DE" sz="2400">
+                                  <a:latin typeface="Cambria Math" panose="02040503050406030204" pitchFamily="18" charset="0"/>
+                                </a:rPr>
+                                <m:t>sin</m:t>
+                              </m:r>
+                            </m:fName>
+                            <m:e>
+                              <m:r>
+                                <a:rPr lang="de-DE" sz="2400" i="1">
+                                  <a:latin typeface="Cambria Math" panose="02040503050406030204" pitchFamily="18" charset="0"/>
+                                </a:rPr>
+                                <m:t>2</m:t>
+                              </m:r>
+                              <m:r>
+                                <a:rPr lang="de-DE" sz="2400" i="1">
+                                  <a:latin typeface="Cambria Math" panose="02040503050406030204" pitchFamily="18" charset="0"/>
+                                </a:rPr>
+                                <m:t>𝜔</m:t>
+                              </m:r>
+                              <m:f>
+                                <m:fPr>
+                                  <m:ctrlPr>
+                                    <a:rPr lang="de-DE" sz="2400" i="1">
+                                      <a:latin typeface="Cambria Math" panose="02040503050406030204" pitchFamily="18" charset="0"/>
+                                    </a:rPr>
+                                  </m:ctrlPr>
+                                </m:fPr>
+                                <m:num>
+                                  <m:r>
+                                    <a:rPr lang="de-DE" sz="2400" i="1">
+                                      <a:latin typeface="Cambria Math" panose="02040503050406030204" pitchFamily="18" charset="0"/>
+                                    </a:rPr>
+                                    <m:t>2</m:t>
+                                  </m:r>
+                                  <m:r>
+                                    <a:rPr lang="de-DE" sz="2400" i="1">
+                                      <a:latin typeface="Cambria Math" panose="02040503050406030204" pitchFamily="18" charset="0"/>
+                                    </a:rPr>
+                                    <m:t>𝜋</m:t>
+                                  </m:r>
+                                </m:num>
+                                <m:den>
+                                  <m:r>
+                                    <a:rPr lang="de-DE" sz="2400" i="1">
+                                      <a:latin typeface="Cambria Math" panose="02040503050406030204" pitchFamily="18" charset="0"/>
+                                    </a:rPr>
+                                    <m:t>𝜔</m:t>
+                                  </m:r>
+                                </m:den>
+                              </m:f>
+                            </m:e>
+                          </m:func>
+                        </m:e>
+                      </m:d>
+                      <m:r>
+                        <a:rPr lang="de-DE" sz="2400" i="1">
+                          <a:latin typeface="Cambria Math" panose="02040503050406030204" pitchFamily="18" charset="0"/>
+                        </a:rPr>
+                        <m:t>=</m:t>
+                      </m:r>
+                      <m:f>
+                        <m:fPr>
+                          <m:ctrlPr>
+                            <a:rPr lang="de-DE" sz="2400" i="1">
+                              <a:latin typeface="Cambria Math" panose="02040503050406030204" pitchFamily="18" charset="0"/>
+                            </a:rPr>
+                          </m:ctrlPr>
+                        </m:fPr>
+                        <m:num>
+                          <m:r>
+                            <a:rPr lang="de-DE" sz="2400" i="1">
+                              <a:latin typeface="Cambria Math" panose="02040503050406030204" pitchFamily="18" charset="0"/>
+                            </a:rPr>
+                            <m:t>1</m:t>
+                          </m:r>
+                        </m:num>
+                        <m:den>
+                          <m:r>
+                            <a:rPr lang="de-DE" sz="2400" i="1">
+                              <a:latin typeface="Cambria Math" panose="02040503050406030204" pitchFamily="18" charset="0"/>
+                            </a:rPr>
+                            <m:t>2</m:t>
+                          </m:r>
+                        </m:den>
+                      </m:f>
+                      <m:acc>
+                        <m:accPr>
+                          <m:chr m:val="̂"/>
+                          <m:ctrlPr>
+                            <a:rPr lang="de-DE" sz="2400" i="1">
+                              <a:latin typeface="Cambria Math" panose="02040503050406030204" pitchFamily="18" charset="0"/>
+                            </a:rPr>
+                          </m:ctrlPr>
+                        </m:accPr>
+                        <m:e>
+                          <m:r>
+                            <a:rPr lang="de-DE" sz="2400" i="1">
+                              <a:latin typeface="Cambria Math" panose="02040503050406030204" pitchFamily="18" charset="0"/>
+                            </a:rPr>
+                            <m:t>𝑢</m:t>
+                          </m:r>
+                        </m:e>
+                      </m:acc>
+                      <m:acc>
+                        <m:accPr>
+                          <m:chr m:val="̂"/>
+                          <m:ctrlPr>
+                            <a:rPr lang="de-DE" sz="2400" i="1">
+                              <a:latin typeface="Cambria Math" panose="02040503050406030204" pitchFamily="18" charset="0"/>
+                            </a:rPr>
+                          </m:ctrlPr>
+                        </m:accPr>
+                        <m:e>
+                          <m:r>
+                            <a:rPr lang="de-DE" sz="2400" i="1">
+                              <a:latin typeface="Cambria Math" panose="02040503050406030204" pitchFamily="18" charset="0"/>
+                            </a:rPr>
+                            <m:t>𝑖</m:t>
+                          </m:r>
+                        </m:e>
+                      </m:acc>
+                      <m:r>
+                        <a:rPr lang="de-DE" sz="2400" i="1">
+                          <a:latin typeface="Cambria Math" panose="02040503050406030204" pitchFamily="18" charset="0"/>
+                        </a:rPr>
+                        <m:t>=</m:t>
+                      </m:r>
+                      <m:r>
+                        <a:rPr lang="de-DE" sz="2400" i="1">
+                          <a:latin typeface="Cambria Math" panose="02040503050406030204" pitchFamily="18" charset="0"/>
+                        </a:rPr>
+                        <m:t>𝑈𝐼</m:t>
+                      </m:r>
+                    </m:oMath>
+                  </m:oMathPara>
+                </a14:m>
+                <a:endParaRPr lang="de-DE" sz="2400" dirty="0"/>
+              </a:p>
+            </p:txBody>
+          </p:sp>
+        </mc:Choice>
+        <mc:Fallback>
+          <p:sp>
+            <p:nvSpPr>
+              <p:cNvPr id="3" name="Inhaltsplatzhalter 2">
+                <a:extLst>
+                  <a:ext uri="{FF2B5EF4-FFF2-40B4-BE49-F238E27FC236}">
+                    <a16:creationId xmlns:a16="http://schemas.microsoft.com/office/drawing/2014/main" id="{F0EDB9B3-DA72-00EF-3833-D30CD707DFC2}"/>
+                  </a:ext>
+                </a:extLst>
+              </p:cNvPr>
+              <p:cNvSpPr>
+                <a:spLocks noGrp="1" noRot="1" noChangeAspect="1" noMove="1" noResize="1" noEditPoints="1" noAdjustHandles="1" noChangeArrowheads="1" noChangeShapeType="1" noTextEdit="1"/>
+              </p:cNvSpPr>
+              <p:nvPr>
+                <p:ph idx="1"/>
+              </p:nvPr>
+            </p:nvSpPr>
+            <p:spPr>
+              <a:blipFill>
+                <a:blip r:embed="rId2"/>
+                <a:stretch>
+                  <a:fillRect l="-965" t="-3198" b="-31105"/>
+                </a:stretch>
+              </a:blipFill>
+            </p:spPr>
+            <p:txBody>
+              <a:bodyPr/>
+              <a:lstStyle/>
+              <a:p>
+                <a:r>
+                  <a:rPr lang="de-DE">
+                    <a:noFill/>
+                  </a:rPr>
+                  <a:t> </a:t>
+                </a:r>
+              </a:p>
+            </p:txBody>
+          </p:sp>
+        </mc:Fallback>
+      </mc:AlternateContent>
+      <p:sp>
+        <p:nvSpPr>
+          <p:cNvPr id="4" name="Foliennummernplatzhalter 3">
+            <a:extLst>
+              <a:ext uri="{FF2B5EF4-FFF2-40B4-BE49-F238E27FC236}">
+                <a16:creationId xmlns:a16="http://schemas.microsoft.com/office/drawing/2014/main" id="{741C5A85-FE0D-E33E-500E-0360460E61A2}"/>
+              </a:ext>
+            </a:extLst>
+          </p:cNvPr>
+          <p:cNvSpPr>
+            <a:spLocks noGrp="1"/>
+          </p:cNvSpPr>
+          <p:nvPr>
+            <p:ph type="sldNum" sz="quarter" idx="12"/>
+          </p:nvPr>
+        </p:nvSpPr>
+        <p:spPr/>
+        <p:txBody>
+          <a:bodyPr/>
+          <a:lstStyle/>
+          <a:p>
+            <a:fld id="{C3D1D914-B947-8E44-8E93-2211406D860E}" type="slidenum">
+              <a:rPr lang="de-DE" smtClean="0"/>
+              <a:t>23</a:t>
+            </a:fld>
+            <a:endParaRPr lang="de-DE"/>
+          </a:p>
+        </p:txBody>
+      </p:sp>
+      <p:sp>
+        <p:nvSpPr>
+          <p:cNvPr id="6" name="Textfeld 5">
+            <a:extLst>
+              <a:ext uri="{FF2B5EF4-FFF2-40B4-BE49-F238E27FC236}">
+                <a16:creationId xmlns:a16="http://schemas.microsoft.com/office/drawing/2014/main" id="{00C5B54A-A9B9-0F51-13CF-1D6895900129}"/>
+              </a:ext>
+            </a:extLst>
+          </p:cNvPr>
+          <p:cNvSpPr txBox="1"/>
+          <p:nvPr/>
+        </p:nvSpPr>
+        <p:spPr>
+          <a:xfrm>
+            <a:off x="1671452" y="3787029"/>
+            <a:ext cx="1226127" cy="369332"/>
+          </a:xfrm>
+          <a:prstGeom prst="rect">
+            <a:avLst/>
+          </a:prstGeom>
+          <a:noFill/>
+        </p:spPr>
+        <p:txBody>
+          <a:bodyPr wrap="square">
+            <a:spAutoFit/>
+          </a:bodyPr>
+          <a:lstStyle/>
+          <a:p>
+            <a:r>
+              <a:rPr lang="de-DE" dirty="0" err="1"/>
+              <a:t>resistance</a:t>
+            </a:r>
+            <a:endParaRPr lang="de-DE" dirty="0"/>
+          </a:p>
+        </p:txBody>
+      </p:sp>
+      <p:cxnSp>
+        <p:nvCxnSpPr>
+          <p:cNvPr id="8" name="Gerade Verbindung mit Pfeil 7">
+            <a:extLst>
+              <a:ext uri="{FF2B5EF4-FFF2-40B4-BE49-F238E27FC236}">
+                <a16:creationId xmlns:a16="http://schemas.microsoft.com/office/drawing/2014/main" id="{4DE5843C-FDDC-BE27-8F22-C71AFA5D7DD1}"/>
+              </a:ext>
+            </a:extLst>
+          </p:cNvPr>
+          <p:cNvCxnSpPr>
+            <a:cxnSpLocks/>
+            <a:stCxn id="6" idx="2"/>
+          </p:cNvCxnSpPr>
+          <p:nvPr/>
+        </p:nvCxnSpPr>
+        <p:spPr>
+          <a:xfrm>
+            <a:off x="2284516" y="4156361"/>
+            <a:ext cx="482434" cy="451265"/>
+          </a:xfrm>
+          <a:prstGeom prst="straightConnector1">
+            <a:avLst/>
+          </a:prstGeom>
+          <a:ln>
+            <a:tailEnd type="triangle"/>
+          </a:ln>
+        </p:spPr>
+        <p:style>
+          <a:lnRef idx="2">
+            <a:schemeClr val="accent1"/>
+          </a:lnRef>
+          <a:fillRef idx="0">
+            <a:schemeClr val="accent1"/>
+          </a:fillRef>
+          <a:effectRef idx="1">
+            <a:schemeClr val="accent1"/>
+          </a:effectRef>
+          <a:fontRef idx="minor">
+            <a:schemeClr val="tx1"/>
+          </a:fontRef>
+        </p:style>
+      </p:cxnSp>
+    </p:spTree>
+    <p:extLst>
+      <p:ext uri="{BB962C8B-B14F-4D97-AF65-F5344CB8AC3E}">
+        <p14:creationId xmlns:p14="http://schemas.microsoft.com/office/powerpoint/2010/main" val="1936337899"/>
+      </p:ext>
+    </p:extLst>
+  </p:cSld>
+  <p:clrMapOvr>
+    <a:masterClrMapping/>
+  </p:clrMapOvr>
+</p:sld>
+</file>
+
+<file path=ppt/slides/slide24.xml><?xml version="1.0" encoding="utf-8"?>
+<p:sld xmlns:a="http://schemas.openxmlformats.org/drawingml/2006/main" xmlns:r="http://schemas.openxmlformats.org/officeDocument/2006/relationships" xmlns:p="http://schemas.openxmlformats.org/presentationml/2006/main">
+  <p:cSld>
+    <p:spTree>
+      <p:nvGrpSpPr>
+        <p:cNvPr id="1" name=""/>
+        <p:cNvGrpSpPr/>
+        <p:nvPr/>
+      </p:nvGrpSpPr>
+      <p:grpSpPr>
+        <a:xfrm>
+          <a:off x="0" y="0"/>
+          <a:ext cx="0" cy="0"/>
+          <a:chOff x="0" y="0"/>
+          <a:chExt cx="0" cy="0"/>
+        </a:xfrm>
+      </p:grpSpPr>
+      <p:sp>
+        <p:nvSpPr>
+          <p:cNvPr id="2" name="Titel 1">
+            <a:extLst>
+              <a:ext uri="{FF2B5EF4-FFF2-40B4-BE49-F238E27FC236}">
+                <a16:creationId xmlns:a16="http://schemas.microsoft.com/office/drawing/2014/main" id="{CBB1353F-AAF3-E5D2-581F-6811BE3C22DD}"/>
+              </a:ext>
+            </a:extLst>
+          </p:cNvPr>
+          <p:cNvSpPr>
+            <a:spLocks noGrp="1"/>
+          </p:cNvSpPr>
+          <p:nvPr>
+            <p:ph type="title"/>
+          </p:nvPr>
+        </p:nvSpPr>
+        <p:spPr/>
+        <p:txBody>
+          <a:bodyPr/>
+          <a:lstStyle/>
+          <a:p>
+            <a:r>
+              <a:rPr lang="de-DE" dirty="0" err="1"/>
+              <a:t>Reactive</a:t>
+            </a:r>
+            <a:r>
+              <a:rPr lang="de-DE" dirty="0"/>
+              <a:t> Power</a:t>
+            </a:r>
+          </a:p>
+        </p:txBody>
+      </p:sp>
+      <mc:AlternateContent xmlns:mc="http://schemas.openxmlformats.org/markup-compatibility/2006">
+        <mc:Choice xmlns:a14="http://schemas.microsoft.com/office/drawing/2010/main" Requires="a14">
+          <p:sp>
+            <p:nvSpPr>
+              <p:cNvPr id="3" name="Inhaltsplatzhalter 2">
+                <a:extLst>
+                  <a:ext uri="{FF2B5EF4-FFF2-40B4-BE49-F238E27FC236}">
+                    <a16:creationId xmlns:a16="http://schemas.microsoft.com/office/drawing/2014/main" id="{36268B7E-1C26-2D5E-B458-F01E42CD9751}"/>
+                  </a:ext>
+                </a:extLst>
+              </p:cNvPr>
+              <p:cNvSpPr>
+                <a:spLocks noGrp="1"/>
+              </p:cNvSpPr>
+              <p:nvPr>
+                <p:ph idx="1"/>
+              </p:nvPr>
+            </p:nvSpPr>
+            <p:spPr>
+              <a:xfrm>
+                <a:off x="838200" y="1825625"/>
+                <a:ext cx="10515600" cy="4895850"/>
+              </a:xfrm>
+            </p:spPr>
+            <p:txBody>
+              <a:bodyPr>
+                <a:normAutofit/>
+              </a:bodyPr>
+              <a:lstStyle/>
+              <a:p>
+                <a:pPr marL="0" indent="0">
+                  <a:buNone/>
+                </a:pPr>
+                <a:r>
+                  <a:rPr lang="de-DE" sz="2400" dirty="0"/>
+                  <a:t>for </a:t>
+                </a:r>
+                <a:r>
+                  <a:rPr lang="de-DE" sz="2400" dirty="0" err="1"/>
+                  <a:t>reactance</a:t>
+                </a:r>
+                <a:r>
+                  <a:rPr lang="de-DE" sz="2400" dirty="0"/>
+                  <a:t> (</a:t>
+                </a:r>
+                <a:r>
+                  <a:rPr lang="de-DE" sz="2400" dirty="0" err="1"/>
+                  <a:t>capacitor</a:t>
+                </a:r>
+                <a:r>
+                  <a:rPr lang="de-DE" sz="2400" dirty="0"/>
+                  <a:t> </a:t>
+                </a:r>
+                <a:r>
+                  <a:rPr lang="de-DE" sz="2400" dirty="0" err="1"/>
+                  <a:t>or</a:t>
+                </a:r>
+                <a:r>
+                  <a:rPr lang="de-DE" sz="2400" dirty="0"/>
+                  <a:t> </a:t>
+                </a:r>
+                <a:r>
+                  <a:rPr lang="de-DE" sz="2400" dirty="0" err="1"/>
+                  <a:t>inductor</a:t>
+                </a:r>
+                <a:r>
+                  <a:rPr lang="de-DE" sz="2400" dirty="0"/>
+                  <a:t>): </a:t>
+                </a:r>
+                <a:r>
+                  <a:rPr lang="de-DE" sz="2400" dirty="0" err="1"/>
+                  <a:t>phase</a:t>
+                </a:r>
+                <a:r>
+                  <a:rPr lang="de-DE" sz="2400" dirty="0"/>
+                  <a:t> shift </a:t>
+                </a:r>
+                <a:r>
+                  <a:rPr lang="de-DE" sz="2400" dirty="0" err="1"/>
+                  <a:t>of</a:t>
+                </a:r>
+                <a:r>
+                  <a:rPr lang="de-DE" sz="2400" dirty="0"/>
+                  <a:t> </a:t>
+                </a:r>
+                <a14:m>
+                  <m:oMath xmlns:m="http://schemas.openxmlformats.org/officeDocument/2006/math">
+                    <m:f>
+                      <m:fPr>
+                        <m:ctrlPr>
+                          <a:rPr lang="de-DE" sz="2400" i="1">
+                            <a:latin typeface="Cambria Math" panose="02040503050406030204" pitchFamily="18" charset="0"/>
+                          </a:rPr>
+                        </m:ctrlPr>
+                      </m:fPr>
+                      <m:num>
+                        <m:r>
+                          <a:rPr lang="de-DE" sz="2400" i="1">
+                            <a:latin typeface="Cambria Math" panose="02040503050406030204" pitchFamily="18" charset="0"/>
+                          </a:rPr>
+                          <m:t>𝜋</m:t>
+                        </m:r>
+                      </m:num>
+                      <m:den>
+                        <m:r>
+                          <a:rPr lang="de-DE" sz="2400" i="1">
+                            <a:latin typeface="Cambria Math" panose="02040503050406030204" pitchFamily="18" charset="0"/>
+                          </a:rPr>
+                          <m:t>2</m:t>
+                        </m:r>
+                      </m:den>
+                    </m:f>
+                  </m:oMath>
+                </a14:m>
+                <a:r>
+                  <a:rPr lang="de-DE" sz="2400" dirty="0"/>
+                  <a:t> </a:t>
+                </a:r>
+                <a:r>
+                  <a:rPr lang="de-DE" sz="2400" dirty="0" err="1"/>
+                  <a:t>between</a:t>
+                </a:r>
+                <a:r>
+                  <a:rPr lang="de-DE" sz="2400" dirty="0"/>
+                  <a:t> </a:t>
+                </a:r>
+                <a14:m>
+                  <m:oMath xmlns:m="http://schemas.openxmlformats.org/officeDocument/2006/math">
+                    <m:r>
+                      <a:rPr lang="de-DE" sz="2400" i="1">
+                        <a:latin typeface="Cambria Math" panose="02040503050406030204" pitchFamily="18" charset="0"/>
+                      </a:rPr>
+                      <m:t>𝑢</m:t>
+                    </m:r>
+                    <m:d>
+                      <m:dPr>
+                        <m:ctrlPr>
+                          <a:rPr lang="de-DE" sz="2400" i="1">
+                            <a:latin typeface="Cambria Math" panose="02040503050406030204" pitchFamily="18" charset="0"/>
+                          </a:rPr>
+                        </m:ctrlPr>
+                      </m:dPr>
+                      <m:e>
+                        <m:r>
+                          <a:rPr lang="de-DE" sz="2400" i="1">
+                            <a:latin typeface="Cambria Math" panose="02040503050406030204" pitchFamily="18" charset="0"/>
+                          </a:rPr>
+                          <m:t>𝑡</m:t>
+                        </m:r>
+                      </m:e>
+                    </m:d>
+                  </m:oMath>
+                </a14:m>
+                <a:r>
+                  <a:rPr lang="de-DE" sz="2400" dirty="0"/>
+                  <a:t> and </a:t>
+                </a:r>
+                <a14:m>
+                  <m:oMath xmlns:m="http://schemas.openxmlformats.org/officeDocument/2006/math">
+                    <m:r>
+                      <a:rPr lang="de-DE" sz="2400" b="0" i="1" smtClean="0">
+                        <a:latin typeface="Cambria Math" panose="02040503050406030204" pitchFamily="18" charset="0"/>
+                      </a:rPr>
+                      <m:t>𝑖</m:t>
+                    </m:r>
+                    <m:d>
+                      <m:dPr>
+                        <m:ctrlPr>
+                          <a:rPr lang="de-DE" sz="2400" i="1">
+                            <a:latin typeface="Cambria Math" panose="02040503050406030204" pitchFamily="18" charset="0"/>
+                          </a:rPr>
+                        </m:ctrlPr>
+                      </m:dPr>
+                      <m:e>
+                        <m:r>
+                          <a:rPr lang="de-DE" sz="2400" i="1">
+                            <a:latin typeface="Cambria Math" panose="02040503050406030204" pitchFamily="18" charset="0"/>
+                          </a:rPr>
+                          <m:t>𝑡</m:t>
+                        </m:r>
+                      </m:e>
+                    </m:d>
+                  </m:oMath>
+                </a14:m>
+                <a:endParaRPr lang="de-DE" sz="2400" i="1" dirty="0">
+                  <a:latin typeface="Cambria Math" panose="02040503050406030204" pitchFamily="18" charset="0"/>
+                </a:endParaRPr>
+              </a:p>
+              <a:p>
+                <a:pPr marL="0" indent="0">
+                  <a:buNone/>
+                </a:pPr>
+                <a:endParaRPr lang="de-DE" sz="2400" i="1" dirty="0">
+                  <a:latin typeface="Cambria Math" panose="02040503050406030204" pitchFamily="18" charset="0"/>
+                </a:endParaRPr>
+              </a:p>
+              <a:p>
+                <a:pPr marL="0" indent="0">
+                  <a:buNone/>
+                </a:pPr>
+                <a14:m>
+                  <m:oMathPara xmlns:m="http://schemas.openxmlformats.org/officeDocument/2006/math">
+                    <m:oMathParaPr>
+                      <m:jc m:val="centerGroup"/>
+                    </m:oMathParaPr>
+                    <m:oMath xmlns:m="http://schemas.openxmlformats.org/officeDocument/2006/math">
+                      <m:r>
+                        <a:rPr lang="de-DE" sz="2400" i="1">
+                          <a:latin typeface="Cambria Math" panose="02040503050406030204" pitchFamily="18" charset="0"/>
+                        </a:rPr>
+                        <m:t>𝑝</m:t>
+                      </m:r>
+                      <m:d>
+                        <m:dPr>
+                          <m:ctrlPr>
+                            <a:rPr lang="de-DE" sz="2400" i="1">
+                              <a:latin typeface="Cambria Math" panose="02040503050406030204" pitchFamily="18" charset="0"/>
+                            </a:rPr>
+                          </m:ctrlPr>
+                        </m:dPr>
+                        <m:e>
+                          <m:r>
+                            <a:rPr lang="de-DE" sz="2400" i="1">
+                              <a:latin typeface="Cambria Math" panose="02040503050406030204" pitchFamily="18" charset="0"/>
+                            </a:rPr>
+                            <m:t>𝑡</m:t>
+                          </m:r>
+                        </m:e>
+                      </m:d>
+                      <m:r>
+                        <a:rPr lang="de-DE" sz="2400" i="1">
+                          <a:latin typeface="Cambria Math" panose="02040503050406030204" pitchFamily="18" charset="0"/>
+                        </a:rPr>
+                        <m:t>=</m:t>
+                      </m:r>
+                      <m:acc>
+                        <m:accPr>
+                          <m:chr m:val="̂"/>
+                          <m:ctrlPr>
+                            <a:rPr lang="de-DE" sz="2400" i="1">
+                              <a:latin typeface="Cambria Math" panose="02040503050406030204" pitchFamily="18" charset="0"/>
+                            </a:rPr>
+                          </m:ctrlPr>
+                        </m:accPr>
+                        <m:e>
+                          <m:r>
+                            <a:rPr lang="de-DE" sz="2400" i="1">
+                              <a:latin typeface="Cambria Math" panose="02040503050406030204" pitchFamily="18" charset="0"/>
+                            </a:rPr>
+                            <m:t>𝑢</m:t>
+                          </m:r>
+                        </m:e>
+                      </m:acc>
+                      <m:func>
+                        <m:funcPr>
+                          <m:ctrlPr>
+                            <a:rPr lang="de-DE" sz="2400" i="1">
+                              <a:latin typeface="Cambria Math" panose="02040503050406030204" pitchFamily="18" charset="0"/>
+                            </a:rPr>
+                          </m:ctrlPr>
+                        </m:funcPr>
+                        <m:fName>
+                          <m:r>
+                            <m:rPr>
+                              <m:sty m:val="p"/>
+                            </m:rPr>
+                            <a:rPr lang="de-DE" sz="2400">
+                              <a:latin typeface="Cambria Math" panose="02040503050406030204" pitchFamily="18" charset="0"/>
+                            </a:rPr>
+                            <m:t>sin</m:t>
+                          </m:r>
+                        </m:fName>
+                        <m:e>
+                          <m:r>
+                            <a:rPr lang="de-DE" sz="2400" i="1">
+                              <a:latin typeface="Cambria Math" panose="02040503050406030204" pitchFamily="18" charset="0"/>
+                            </a:rPr>
+                            <m:t>𝜔</m:t>
+                          </m:r>
+                          <m:r>
+                            <a:rPr lang="de-DE" sz="2400" i="1">
+                              <a:latin typeface="Cambria Math" panose="02040503050406030204" pitchFamily="18" charset="0"/>
+                            </a:rPr>
+                            <m:t>𝑡</m:t>
+                          </m:r>
+                        </m:e>
+                      </m:func>
+                      <m:r>
+                        <a:rPr lang="de-DE" sz="2400" i="1">
+                          <a:latin typeface="Cambria Math" panose="02040503050406030204" pitchFamily="18" charset="0"/>
+                        </a:rPr>
+                        <m:t>∙</m:t>
+                      </m:r>
+                      <m:acc>
+                        <m:accPr>
+                          <m:chr m:val="̂"/>
+                          <m:ctrlPr>
+                            <a:rPr lang="de-DE" sz="2400" i="1">
+                              <a:latin typeface="Cambria Math" panose="02040503050406030204" pitchFamily="18" charset="0"/>
+                            </a:rPr>
+                          </m:ctrlPr>
+                        </m:accPr>
+                        <m:e>
+                          <m:r>
+                            <a:rPr lang="de-DE" sz="2400" i="1">
+                              <a:latin typeface="Cambria Math" panose="02040503050406030204" pitchFamily="18" charset="0"/>
+                            </a:rPr>
+                            <m:t>𝑖</m:t>
+                          </m:r>
+                        </m:e>
+                      </m:acc>
+                      <m:func>
+                        <m:funcPr>
+                          <m:ctrlPr>
+                            <a:rPr lang="de-DE" sz="2400" i="1">
+                              <a:latin typeface="Cambria Math" panose="02040503050406030204" pitchFamily="18" charset="0"/>
+                            </a:rPr>
+                          </m:ctrlPr>
+                        </m:funcPr>
+                        <m:fName>
+                          <m:r>
+                            <m:rPr>
+                              <m:sty m:val="p"/>
+                            </m:rPr>
+                            <a:rPr lang="de-DE" sz="2400">
+                              <a:latin typeface="Cambria Math" panose="02040503050406030204" pitchFamily="18" charset="0"/>
+                            </a:rPr>
+                            <m:t>sin</m:t>
+                          </m:r>
+                        </m:fName>
+                        <m:e>
+                          <m:d>
+                            <m:dPr>
+                              <m:ctrlPr>
+                                <a:rPr lang="de-DE" sz="2400" i="1">
+                                  <a:latin typeface="Cambria Math" panose="02040503050406030204" pitchFamily="18" charset="0"/>
+                                </a:rPr>
+                              </m:ctrlPr>
+                            </m:dPr>
+                            <m:e>
+                              <m:r>
+                                <a:rPr lang="de-DE" sz="2400" i="1">
+                                  <a:latin typeface="Cambria Math" panose="02040503050406030204" pitchFamily="18" charset="0"/>
+                                </a:rPr>
+                                <m:t>𝜔</m:t>
+                              </m:r>
+                              <m:r>
+                                <a:rPr lang="de-DE" sz="2400" i="1">
+                                  <a:latin typeface="Cambria Math" panose="02040503050406030204" pitchFamily="18" charset="0"/>
+                                </a:rPr>
+                                <m:t>𝑡</m:t>
+                              </m:r>
+                              <m:r>
+                                <a:rPr lang="de-DE" sz="2400" i="1">
+                                  <a:latin typeface="Cambria Math" panose="02040503050406030204" pitchFamily="18" charset="0"/>
+                                </a:rPr>
+                                <m:t>+</m:t>
+                              </m:r>
+                              <m:f>
+                                <m:fPr>
+                                  <m:ctrlPr>
+                                    <a:rPr lang="de-DE" sz="2400" i="1">
+                                      <a:latin typeface="Cambria Math" panose="02040503050406030204" pitchFamily="18" charset="0"/>
+                                    </a:rPr>
+                                  </m:ctrlPr>
+                                </m:fPr>
+                                <m:num>
+                                  <m:r>
+                                    <a:rPr lang="de-DE" sz="2400" i="1">
+                                      <a:latin typeface="Cambria Math" panose="02040503050406030204" pitchFamily="18" charset="0"/>
+                                    </a:rPr>
+                                    <m:t>𝜋</m:t>
+                                  </m:r>
+                                </m:num>
+                                <m:den>
+                                  <m:r>
+                                    <a:rPr lang="de-DE" sz="2400" i="1">
+                                      <a:latin typeface="Cambria Math" panose="02040503050406030204" pitchFamily="18" charset="0"/>
+                                    </a:rPr>
+                                    <m:t>2</m:t>
+                                  </m:r>
+                                </m:den>
+                              </m:f>
+                            </m:e>
+                          </m:d>
+                        </m:e>
+                      </m:func>
+                      <m:r>
+                        <a:rPr lang="de-DE" sz="2400" i="1">
+                          <a:latin typeface="Cambria Math" panose="02040503050406030204" pitchFamily="18" charset="0"/>
+                        </a:rPr>
+                        <m:t>=</m:t>
+                      </m:r>
+                      <m:acc>
+                        <m:accPr>
+                          <m:chr m:val="̂"/>
+                          <m:ctrlPr>
+                            <a:rPr lang="de-DE" sz="2400" i="1">
+                              <a:latin typeface="Cambria Math" panose="02040503050406030204" pitchFamily="18" charset="0"/>
+                            </a:rPr>
+                          </m:ctrlPr>
+                        </m:accPr>
+                        <m:e>
+                          <m:r>
+                            <a:rPr lang="de-DE" sz="2400" i="1">
+                              <a:latin typeface="Cambria Math" panose="02040503050406030204" pitchFamily="18" charset="0"/>
+                            </a:rPr>
+                            <m:t>𝑢</m:t>
+                          </m:r>
+                        </m:e>
+                      </m:acc>
+                      <m:acc>
+                        <m:accPr>
+                          <m:chr m:val="̂"/>
+                          <m:ctrlPr>
+                            <a:rPr lang="de-DE" sz="2400" i="1">
+                              <a:latin typeface="Cambria Math" panose="02040503050406030204" pitchFamily="18" charset="0"/>
+                            </a:rPr>
+                          </m:ctrlPr>
+                        </m:accPr>
+                        <m:e>
+                          <m:r>
+                            <a:rPr lang="de-DE" sz="2400" i="1">
+                              <a:latin typeface="Cambria Math" panose="02040503050406030204" pitchFamily="18" charset="0"/>
+                            </a:rPr>
+                            <m:t>𝑖</m:t>
+                          </m:r>
+                        </m:e>
+                      </m:acc>
+                      <m:func>
+                        <m:funcPr>
+                          <m:ctrlPr>
+                            <a:rPr lang="de-DE" sz="2400" i="1">
+                              <a:latin typeface="Cambria Math" panose="02040503050406030204" pitchFamily="18" charset="0"/>
+                            </a:rPr>
+                          </m:ctrlPr>
+                        </m:funcPr>
+                        <m:fName>
+                          <m:r>
+                            <m:rPr>
+                              <m:sty m:val="p"/>
+                            </m:rPr>
+                            <a:rPr lang="de-DE" sz="2400">
+                              <a:latin typeface="Cambria Math" panose="02040503050406030204" pitchFamily="18" charset="0"/>
+                            </a:rPr>
+                            <m:t>sin</m:t>
+                          </m:r>
+                        </m:fName>
+                        <m:e>
+                          <m:r>
+                            <a:rPr lang="de-DE" sz="2400" i="1">
+                              <a:latin typeface="Cambria Math" panose="02040503050406030204" pitchFamily="18" charset="0"/>
+                            </a:rPr>
+                            <m:t>𝜔</m:t>
+                          </m:r>
+                          <m:r>
+                            <a:rPr lang="de-DE" sz="2400" i="1">
+                              <a:latin typeface="Cambria Math" panose="02040503050406030204" pitchFamily="18" charset="0"/>
+                            </a:rPr>
+                            <m:t>𝑡</m:t>
+                          </m:r>
+                        </m:e>
+                      </m:func>
+                      <m:func>
+                        <m:funcPr>
+                          <m:ctrlPr>
+                            <a:rPr lang="de-DE" sz="2400" i="1">
+                              <a:latin typeface="Cambria Math" panose="02040503050406030204" pitchFamily="18" charset="0"/>
+                            </a:rPr>
+                          </m:ctrlPr>
+                        </m:funcPr>
+                        <m:fName>
+                          <m:r>
+                            <m:rPr>
+                              <m:sty m:val="p"/>
+                            </m:rPr>
+                            <a:rPr lang="de-DE" sz="2400">
+                              <a:latin typeface="Cambria Math" panose="02040503050406030204" pitchFamily="18" charset="0"/>
+                            </a:rPr>
+                            <m:t>cos</m:t>
+                          </m:r>
+                        </m:fName>
+                        <m:e>
+                          <m:r>
+                            <a:rPr lang="de-DE" sz="2400" i="1">
+                              <a:latin typeface="Cambria Math" panose="02040503050406030204" pitchFamily="18" charset="0"/>
+                            </a:rPr>
+                            <m:t>𝜔</m:t>
+                          </m:r>
+                          <m:r>
+                            <a:rPr lang="de-DE" sz="2400" i="1">
+                              <a:latin typeface="Cambria Math" panose="02040503050406030204" pitchFamily="18" charset="0"/>
+                            </a:rPr>
+                            <m:t>𝑡</m:t>
+                          </m:r>
+                        </m:e>
+                      </m:func>
+                      <m:r>
+                        <a:rPr lang="de-DE" sz="2400" i="1">
+                          <a:latin typeface="Cambria Math" panose="02040503050406030204" pitchFamily="18" charset="0"/>
+                        </a:rPr>
+                        <m:t>=</m:t>
+                      </m:r>
+                      <m:acc>
+                        <m:accPr>
+                          <m:chr m:val="̂"/>
+                          <m:ctrlPr>
+                            <a:rPr lang="de-DE" sz="2400" i="1">
+                              <a:latin typeface="Cambria Math" panose="02040503050406030204" pitchFamily="18" charset="0"/>
+                            </a:rPr>
+                          </m:ctrlPr>
+                        </m:accPr>
+                        <m:e>
+                          <m:r>
+                            <a:rPr lang="de-DE" sz="2400" i="1">
+                              <a:latin typeface="Cambria Math" panose="02040503050406030204" pitchFamily="18" charset="0"/>
+                            </a:rPr>
+                            <m:t>𝑢</m:t>
+                          </m:r>
+                        </m:e>
+                      </m:acc>
+                      <m:acc>
+                        <m:accPr>
+                          <m:chr m:val="̂"/>
+                          <m:ctrlPr>
+                            <a:rPr lang="de-DE" sz="2400" i="1">
+                              <a:latin typeface="Cambria Math" panose="02040503050406030204" pitchFamily="18" charset="0"/>
+                            </a:rPr>
+                          </m:ctrlPr>
+                        </m:accPr>
+                        <m:e>
+                          <m:r>
+                            <a:rPr lang="de-DE" sz="2400" i="1">
+                              <a:latin typeface="Cambria Math" panose="02040503050406030204" pitchFamily="18" charset="0"/>
+                            </a:rPr>
+                            <m:t>𝑖</m:t>
+                          </m:r>
+                        </m:e>
+                      </m:acc>
+                      <m:f>
+                        <m:fPr>
+                          <m:ctrlPr>
+                            <a:rPr lang="de-DE" sz="2400" i="1">
+                              <a:latin typeface="Cambria Math" panose="02040503050406030204" pitchFamily="18" charset="0"/>
+                            </a:rPr>
+                          </m:ctrlPr>
+                        </m:fPr>
+                        <m:num>
+                          <m:r>
+                            <a:rPr lang="de-DE" sz="2400" i="1">
+                              <a:latin typeface="Cambria Math" panose="02040503050406030204" pitchFamily="18" charset="0"/>
+                            </a:rPr>
+                            <m:t>1</m:t>
+                          </m:r>
+                        </m:num>
+                        <m:den>
+                          <m:r>
+                            <a:rPr lang="de-DE" sz="2400" i="1">
+                              <a:latin typeface="Cambria Math" panose="02040503050406030204" pitchFamily="18" charset="0"/>
+                            </a:rPr>
+                            <m:t>2</m:t>
+                          </m:r>
+                        </m:den>
+                      </m:f>
+                      <m:func>
+                        <m:funcPr>
+                          <m:ctrlPr>
+                            <a:rPr lang="de-DE" sz="2400" i="1">
+                              <a:latin typeface="Cambria Math" panose="02040503050406030204" pitchFamily="18" charset="0"/>
+                            </a:rPr>
+                          </m:ctrlPr>
+                        </m:funcPr>
+                        <m:fName>
+                          <m:r>
+                            <m:rPr>
+                              <m:sty m:val="p"/>
+                            </m:rPr>
+                            <a:rPr lang="de-DE" sz="2400">
+                              <a:latin typeface="Cambria Math" panose="02040503050406030204" pitchFamily="18" charset="0"/>
+                            </a:rPr>
+                            <m:t>sin</m:t>
+                          </m:r>
+                        </m:fName>
+                        <m:e>
+                          <m:r>
+                            <a:rPr lang="de-DE" sz="2400" i="1">
+                              <a:latin typeface="Cambria Math" panose="02040503050406030204" pitchFamily="18" charset="0"/>
+                            </a:rPr>
+                            <m:t>2</m:t>
+                          </m:r>
+                          <m:r>
+                            <a:rPr lang="de-DE" sz="2400" i="1">
+                              <a:latin typeface="Cambria Math" panose="02040503050406030204" pitchFamily="18" charset="0"/>
+                            </a:rPr>
+                            <m:t>𝜔</m:t>
+                          </m:r>
+                          <m:r>
+                            <a:rPr lang="de-DE" sz="2400" i="1">
+                              <a:latin typeface="Cambria Math" panose="02040503050406030204" pitchFamily="18" charset="0"/>
+                            </a:rPr>
+                            <m:t>𝑡</m:t>
+                          </m:r>
+                        </m:e>
+                      </m:func>
+                      <m:r>
+                        <a:rPr lang="de-DE" sz="2400" i="1">
+                          <a:latin typeface="Cambria Math" panose="02040503050406030204" pitchFamily="18" charset="0"/>
+                        </a:rPr>
+                        <m:t>=</m:t>
+                      </m:r>
+                      <m:r>
+                        <a:rPr lang="de-DE" sz="2400" i="1">
+                          <a:latin typeface="Cambria Math" panose="02040503050406030204" pitchFamily="18" charset="0"/>
+                        </a:rPr>
+                        <m:t>𝑈𝐼</m:t>
+                      </m:r>
+                      <m:func>
+                        <m:funcPr>
+                          <m:ctrlPr>
+                            <a:rPr lang="de-DE" sz="2400" i="1">
+                              <a:latin typeface="Cambria Math" panose="02040503050406030204" pitchFamily="18" charset="0"/>
+                            </a:rPr>
+                          </m:ctrlPr>
+                        </m:funcPr>
+                        <m:fName>
+                          <m:r>
+                            <m:rPr>
+                              <m:sty m:val="p"/>
+                            </m:rPr>
+                            <a:rPr lang="de-DE" sz="2400">
+                              <a:latin typeface="Cambria Math" panose="02040503050406030204" pitchFamily="18" charset="0"/>
+                            </a:rPr>
+                            <m:t>sin</m:t>
+                          </m:r>
+                        </m:fName>
+                        <m:e>
+                          <m:r>
+                            <a:rPr lang="de-DE" sz="2400" i="1">
+                              <a:latin typeface="Cambria Math" panose="02040503050406030204" pitchFamily="18" charset="0"/>
+                            </a:rPr>
+                            <m:t>2</m:t>
+                          </m:r>
+                          <m:r>
+                            <a:rPr lang="de-DE" sz="2400" i="1">
+                              <a:latin typeface="Cambria Math" panose="02040503050406030204" pitchFamily="18" charset="0"/>
+                            </a:rPr>
+                            <m:t>𝜔</m:t>
+                          </m:r>
+                          <m:r>
+                            <a:rPr lang="de-DE" sz="2400" i="1">
+                              <a:latin typeface="Cambria Math" panose="02040503050406030204" pitchFamily="18" charset="0"/>
+                            </a:rPr>
+                            <m:t>𝑡</m:t>
+                          </m:r>
+                        </m:e>
+                      </m:func>
+                    </m:oMath>
+                  </m:oMathPara>
+                </a14:m>
+                <a:endParaRPr lang="de-DE" sz="2400" dirty="0"/>
+              </a:p>
+              <a:p>
+                <a:pPr marL="0" indent="0">
+                  <a:buNone/>
+                </a:pPr>
+                <a:endParaRPr lang="de-DE" sz="2400" dirty="0"/>
+              </a:p>
+              <a:p>
+                <a:pPr marL="0" indent="0">
+                  <a:buNone/>
+                </a:pPr>
+                <a14:m>
+                  <m:oMathPara xmlns:m="http://schemas.openxmlformats.org/officeDocument/2006/math">
+                    <m:oMathParaPr>
+                      <m:jc m:val="centerGroup"/>
+                    </m:oMathParaPr>
+                    <m:oMath xmlns:m="http://schemas.openxmlformats.org/officeDocument/2006/math">
+                      <m:acc>
+                        <m:accPr>
+                          <m:chr m:val="̅"/>
+                          <m:ctrlPr>
+                            <a:rPr lang="de-DE" sz="2400" i="1">
+                              <a:latin typeface="Cambria Math" panose="02040503050406030204" pitchFamily="18" charset="0"/>
+                            </a:rPr>
+                          </m:ctrlPr>
+                        </m:accPr>
+                        <m:e>
+                          <m:r>
+                            <a:rPr lang="de-DE" sz="2400" i="1">
+                              <a:latin typeface="Cambria Math" panose="02040503050406030204" pitchFamily="18" charset="0"/>
+                            </a:rPr>
+                            <m:t>𝑃</m:t>
+                          </m:r>
+                        </m:e>
+                      </m:acc>
+                      <m:r>
+                        <a:rPr lang="de-DE" sz="2400" i="1">
+                          <a:latin typeface="Cambria Math" panose="02040503050406030204" pitchFamily="18" charset="0"/>
+                        </a:rPr>
+                        <m:t>=</m:t>
+                      </m:r>
+                      <m:f>
+                        <m:fPr>
+                          <m:ctrlPr>
+                            <a:rPr lang="de-DE" sz="2400" i="1">
+                              <a:latin typeface="Cambria Math" panose="02040503050406030204" pitchFamily="18" charset="0"/>
+                            </a:rPr>
+                          </m:ctrlPr>
+                        </m:fPr>
+                        <m:num>
+                          <m:r>
+                            <a:rPr lang="de-DE" sz="2400" i="1">
+                              <a:latin typeface="Cambria Math" panose="02040503050406030204" pitchFamily="18" charset="0"/>
+                            </a:rPr>
+                            <m:t>1</m:t>
+                          </m:r>
+                        </m:num>
+                        <m:den>
+                          <m:r>
+                            <a:rPr lang="de-DE" sz="2400" i="1">
+                              <a:latin typeface="Cambria Math" panose="02040503050406030204" pitchFamily="18" charset="0"/>
+                            </a:rPr>
+                            <m:t>𝑇</m:t>
+                          </m:r>
+                        </m:den>
+                      </m:f>
+                      <m:nary>
+                        <m:naryPr>
+                          <m:limLoc m:val="subSup"/>
+                          <m:ctrlPr>
+                            <a:rPr lang="de-DE" sz="2400" i="1">
+                              <a:latin typeface="Cambria Math" panose="02040503050406030204" pitchFamily="18" charset="0"/>
+                            </a:rPr>
+                          </m:ctrlPr>
+                        </m:naryPr>
+                        <m:sub>
+                          <m:r>
+                            <a:rPr lang="de-DE" sz="2400" i="1">
+                              <a:latin typeface="Cambria Math" panose="02040503050406030204" pitchFamily="18" charset="0"/>
+                            </a:rPr>
+                            <m:t>0</m:t>
+                          </m:r>
+                        </m:sub>
+                        <m:sup>
+                          <m:r>
+                            <a:rPr lang="de-DE" sz="2400" i="1">
+                              <a:latin typeface="Cambria Math" panose="02040503050406030204" pitchFamily="18" charset="0"/>
+                            </a:rPr>
+                            <m:t>𝑇</m:t>
+                          </m:r>
+                        </m:sup>
+                        <m:e>
+                          <m:r>
+                            <a:rPr lang="de-DE" sz="2400" i="1">
+                              <a:latin typeface="Cambria Math" panose="02040503050406030204" pitchFamily="18" charset="0"/>
+                            </a:rPr>
+                            <m:t>𝑝</m:t>
+                          </m:r>
+                          <m:d>
+                            <m:dPr>
+                              <m:ctrlPr>
+                                <a:rPr lang="de-DE" sz="2400" i="1">
+                                  <a:latin typeface="Cambria Math" panose="02040503050406030204" pitchFamily="18" charset="0"/>
+                                </a:rPr>
+                              </m:ctrlPr>
+                            </m:dPr>
+                            <m:e>
+                              <m:r>
+                                <a:rPr lang="de-DE" sz="2400" i="1">
+                                  <a:latin typeface="Cambria Math" panose="02040503050406030204" pitchFamily="18" charset="0"/>
+                                </a:rPr>
+                                <m:t>𝑡</m:t>
+                              </m:r>
+                            </m:e>
+                          </m:d>
+                          <m:r>
+                            <a:rPr lang="de-DE" sz="2400" i="1">
+                              <a:latin typeface="Cambria Math" panose="02040503050406030204" pitchFamily="18" charset="0"/>
+                            </a:rPr>
+                            <m:t>𝑑𝑡</m:t>
+                          </m:r>
+                        </m:e>
+                      </m:nary>
+                      <m:r>
+                        <a:rPr lang="de-DE" sz="2400" i="1">
+                          <a:latin typeface="Cambria Math" panose="02040503050406030204" pitchFamily="18" charset="0"/>
+                        </a:rPr>
+                        <m:t>=</m:t>
+                      </m:r>
+                      <m:f>
+                        <m:fPr>
+                          <m:ctrlPr>
+                            <a:rPr lang="de-DE" sz="2400" i="1">
+                              <a:latin typeface="Cambria Math" panose="02040503050406030204" pitchFamily="18" charset="0"/>
+                            </a:rPr>
+                          </m:ctrlPr>
+                        </m:fPr>
+                        <m:num>
+                          <m:r>
+                            <a:rPr lang="de-DE" sz="2400" i="1">
+                              <a:latin typeface="Cambria Math" panose="02040503050406030204" pitchFamily="18" charset="0"/>
+                            </a:rPr>
+                            <m:t>1</m:t>
+                          </m:r>
+                        </m:num>
+                        <m:den>
+                          <m:r>
+                            <a:rPr lang="de-DE" sz="2400" i="1">
+                              <a:latin typeface="Cambria Math" panose="02040503050406030204" pitchFamily="18" charset="0"/>
+                            </a:rPr>
+                            <m:t>𝑇</m:t>
+                          </m:r>
+                        </m:den>
+                      </m:f>
+                      <m:nary>
+                        <m:naryPr>
+                          <m:limLoc m:val="subSup"/>
+                          <m:ctrlPr>
+                            <a:rPr lang="de-DE" sz="2400" i="1">
+                              <a:latin typeface="Cambria Math" panose="02040503050406030204" pitchFamily="18" charset="0"/>
+                            </a:rPr>
+                          </m:ctrlPr>
+                        </m:naryPr>
+                        <m:sub>
+                          <m:r>
+                            <a:rPr lang="de-DE" sz="2400" i="1">
+                              <a:latin typeface="Cambria Math" panose="02040503050406030204" pitchFamily="18" charset="0"/>
+                            </a:rPr>
+                            <m:t>0</m:t>
+                          </m:r>
+                        </m:sub>
+                        <m:sup>
+                          <m:r>
+                            <a:rPr lang="de-DE" sz="2400" i="1">
+                              <a:latin typeface="Cambria Math" panose="02040503050406030204" pitchFamily="18" charset="0"/>
+                            </a:rPr>
+                            <m:t>𝑇</m:t>
+                          </m:r>
+                        </m:sup>
+                        <m:e>
+                          <m:f>
+                            <m:fPr>
+                              <m:ctrlPr>
+                                <a:rPr lang="de-DE" sz="2400" i="1">
+                                  <a:latin typeface="Cambria Math" panose="02040503050406030204" pitchFamily="18" charset="0"/>
+                                </a:rPr>
+                              </m:ctrlPr>
+                            </m:fPr>
+                            <m:num>
+                              <m:r>
+                                <a:rPr lang="de-DE" sz="2400" i="1">
+                                  <a:latin typeface="Cambria Math" panose="02040503050406030204" pitchFamily="18" charset="0"/>
+                                </a:rPr>
+                                <m:t>1</m:t>
+                              </m:r>
+                            </m:num>
+                            <m:den>
+                              <m:r>
+                                <a:rPr lang="de-DE" sz="2400" i="1">
+                                  <a:latin typeface="Cambria Math" panose="02040503050406030204" pitchFamily="18" charset="0"/>
+                                </a:rPr>
+                                <m:t>2</m:t>
+                              </m:r>
+                            </m:den>
+                          </m:f>
+                          <m:acc>
+                            <m:accPr>
+                              <m:chr m:val="̂"/>
+                              <m:ctrlPr>
+                                <a:rPr lang="de-DE" sz="2400" i="1">
+                                  <a:latin typeface="Cambria Math" panose="02040503050406030204" pitchFamily="18" charset="0"/>
+                                </a:rPr>
+                              </m:ctrlPr>
+                            </m:accPr>
+                            <m:e>
+                              <m:r>
+                                <a:rPr lang="de-DE" sz="2400" i="1">
+                                  <a:latin typeface="Cambria Math" panose="02040503050406030204" pitchFamily="18" charset="0"/>
+                                </a:rPr>
+                                <m:t>𝑢</m:t>
+                              </m:r>
+                            </m:e>
+                          </m:acc>
+                          <m:acc>
+                            <m:accPr>
+                              <m:chr m:val="̂"/>
+                              <m:ctrlPr>
+                                <a:rPr lang="de-DE" sz="2400" i="1">
+                                  <a:latin typeface="Cambria Math" panose="02040503050406030204" pitchFamily="18" charset="0"/>
+                                </a:rPr>
+                              </m:ctrlPr>
+                            </m:accPr>
+                            <m:e>
+                              <m:r>
+                                <a:rPr lang="de-DE" sz="2400" i="1">
+                                  <a:latin typeface="Cambria Math" panose="02040503050406030204" pitchFamily="18" charset="0"/>
+                                </a:rPr>
+                                <m:t>𝑖</m:t>
+                              </m:r>
+                            </m:e>
+                          </m:acc>
+                          <m:d>
+                            <m:dPr>
+                              <m:ctrlPr>
+                                <a:rPr lang="de-DE" sz="2400" i="1">
+                                  <a:latin typeface="Cambria Math" panose="02040503050406030204" pitchFamily="18" charset="0"/>
+                                </a:rPr>
+                              </m:ctrlPr>
+                            </m:dPr>
+                            <m:e>
+                              <m:func>
+                                <m:funcPr>
+                                  <m:ctrlPr>
+                                    <a:rPr lang="de-DE" sz="2400" i="1">
+                                      <a:latin typeface="Cambria Math" panose="02040503050406030204" pitchFamily="18" charset="0"/>
+                                    </a:rPr>
+                                  </m:ctrlPr>
+                                </m:funcPr>
+                                <m:fName>
+                                  <m:r>
+                                    <m:rPr>
+                                      <m:sty m:val="p"/>
+                                    </m:rPr>
+                                    <a:rPr lang="de-DE" sz="2400">
+                                      <a:latin typeface="Cambria Math" panose="02040503050406030204" pitchFamily="18" charset="0"/>
+                                    </a:rPr>
+                                    <m:t>sin</m:t>
+                                  </m:r>
+                                </m:fName>
+                                <m:e>
+                                  <m:r>
+                                    <a:rPr lang="de-DE" sz="2400" i="1">
+                                      <a:latin typeface="Cambria Math" panose="02040503050406030204" pitchFamily="18" charset="0"/>
+                                    </a:rPr>
+                                    <m:t>2</m:t>
+                                  </m:r>
+                                  <m:r>
+                                    <a:rPr lang="de-DE" sz="2400" i="1">
+                                      <a:latin typeface="Cambria Math" panose="02040503050406030204" pitchFamily="18" charset="0"/>
+                                    </a:rPr>
+                                    <m:t>𝜔</m:t>
+                                  </m:r>
+                                  <m:r>
+                                    <a:rPr lang="de-DE" sz="2400" i="1">
+                                      <a:latin typeface="Cambria Math" panose="02040503050406030204" pitchFamily="18" charset="0"/>
+                                    </a:rPr>
+                                    <m:t>𝑡</m:t>
+                                  </m:r>
+                                </m:e>
+                              </m:func>
+                            </m:e>
+                          </m:d>
+                          <m:r>
+                            <a:rPr lang="de-DE" sz="2400" i="1">
+                              <a:latin typeface="Cambria Math" panose="02040503050406030204" pitchFamily="18" charset="0"/>
+                            </a:rPr>
+                            <m:t>𝑑𝑡</m:t>
+                          </m:r>
+                        </m:e>
+                      </m:nary>
+                      <m:r>
+                        <a:rPr lang="de-DE" sz="2400" i="1">
+                          <a:latin typeface="Cambria Math" panose="02040503050406030204" pitchFamily="18" charset="0"/>
+                        </a:rPr>
+                        <m:t>=</m:t>
+                      </m:r>
+                      <m:sSubSup>
+                        <m:sSubSupPr>
+                          <m:ctrlPr>
+                            <a:rPr lang="de-DE" sz="2400" i="1">
+                              <a:latin typeface="Cambria Math" panose="02040503050406030204" pitchFamily="18" charset="0"/>
+                            </a:rPr>
+                          </m:ctrlPr>
+                        </m:sSubSupPr>
+                        <m:e>
+                          <m:d>
+                            <m:dPr>
+                              <m:begChr m:val=""/>
+                              <m:endChr m:val="|"/>
+                              <m:ctrlPr>
+                                <a:rPr lang="de-DE" sz="2400" i="1">
+                                  <a:latin typeface="Cambria Math" panose="02040503050406030204" pitchFamily="18" charset="0"/>
+                                </a:rPr>
+                              </m:ctrlPr>
+                            </m:dPr>
+                            <m:e>
+                              <m:f>
+                                <m:fPr>
+                                  <m:ctrlPr>
+                                    <a:rPr lang="de-DE" sz="2400" i="1">
+                                      <a:latin typeface="Cambria Math" panose="02040503050406030204" pitchFamily="18" charset="0"/>
+                                    </a:rPr>
+                                  </m:ctrlPr>
+                                </m:fPr>
+                                <m:num>
+                                  <m:r>
+                                    <a:rPr lang="de-DE" sz="2400" i="1">
+                                      <a:latin typeface="Cambria Math" panose="02040503050406030204" pitchFamily="18" charset="0"/>
+                                    </a:rPr>
+                                    <m:t>1</m:t>
+                                  </m:r>
+                                </m:num>
+                                <m:den>
+                                  <m:r>
+                                    <a:rPr lang="de-DE" sz="2400" i="1">
+                                      <a:latin typeface="Cambria Math" panose="02040503050406030204" pitchFamily="18" charset="0"/>
+                                    </a:rPr>
+                                    <m:t>2</m:t>
+                                  </m:r>
+                                </m:den>
+                              </m:f>
+                              <m:acc>
+                                <m:accPr>
+                                  <m:chr m:val="̂"/>
+                                  <m:ctrlPr>
+                                    <a:rPr lang="de-DE" sz="2400" i="1">
+                                      <a:latin typeface="Cambria Math" panose="02040503050406030204" pitchFamily="18" charset="0"/>
+                                    </a:rPr>
+                                  </m:ctrlPr>
+                                </m:accPr>
+                                <m:e>
+                                  <m:r>
+                                    <a:rPr lang="de-DE" sz="2400" i="1">
+                                      <a:latin typeface="Cambria Math" panose="02040503050406030204" pitchFamily="18" charset="0"/>
+                                    </a:rPr>
+                                    <m:t>𝑢</m:t>
+                                  </m:r>
+                                </m:e>
+                              </m:acc>
+                              <m:acc>
+                                <m:accPr>
+                                  <m:chr m:val="̂"/>
+                                  <m:ctrlPr>
+                                    <a:rPr lang="de-DE" sz="2400" i="1">
+                                      <a:latin typeface="Cambria Math" panose="02040503050406030204" pitchFamily="18" charset="0"/>
+                                    </a:rPr>
+                                  </m:ctrlPr>
+                                </m:accPr>
+                                <m:e>
+                                  <m:r>
+                                    <a:rPr lang="de-DE" sz="2400" i="1">
+                                      <a:latin typeface="Cambria Math" panose="02040503050406030204" pitchFamily="18" charset="0"/>
+                                    </a:rPr>
+                                    <m:t>𝑖</m:t>
+                                  </m:r>
+                                </m:e>
+                              </m:acc>
+                              <m:f>
+                                <m:fPr>
+                                  <m:ctrlPr>
+                                    <a:rPr lang="de-DE" sz="2400" i="1">
+                                      <a:latin typeface="Cambria Math" panose="02040503050406030204" pitchFamily="18" charset="0"/>
+                                    </a:rPr>
+                                  </m:ctrlPr>
+                                </m:fPr>
+                                <m:num>
+                                  <m:r>
+                                    <a:rPr lang="de-DE" sz="2400" i="1">
+                                      <a:latin typeface="Cambria Math" panose="02040503050406030204" pitchFamily="18" charset="0"/>
+                                    </a:rPr>
+                                    <m:t>1</m:t>
+                                  </m:r>
+                                </m:num>
+                                <m:den>
+                                  <m:r>
+                                    <a:rPr lang="de-DE" sz="2400" i="1">
+                                      <a:latin typeface="Cambria Math" panose="02040503050406030204" pitchFamily="18" charset="0"/>
+                                    </a:rPr>
+                                    <m:t>𝑇</m:t>
+                                  </m:r>
+                                </m:den>
+                              </m:f>
+                              <m:d>
+                                <m:dPr>
+                                  <m:ctrlPr>
+                                    <a:rPr lang="de-DE" sz="2400" i="1">
+                                      <a:latin typeface="Cambria Math" panose="02040503050406030204" pitchFamily="18" charset="0"/>
+                                    </a:rPr>
+                                  </m:ctrlPr>
+                                </m:dPr>
+                                <m:e>
+                                  <m:r>
+                                    <a:rPr lang="de-DE" sz="2400" i="1">
+                                      <a:latin typeface="Cambria Math" panose="02040503050406030204" pitchFamily="18" charset="0"/>
+                                    </a:rPr>
+                                    <m:t>−</m:t>
+                                  </m:r>
+                                  <m:func>
+                                    <m:funcPr>
+                                      <m:ctrlPr>
+                                        <a:rPr lang="de-DE" sz="2400" i="1">
+                                          <a:latin typeface="Cambria Math" panose="02040503050406030204" pitchFamily="18" charset="0"/>
+                                        </a:rPr>
+                                      </m:ctrlPr>
+                                    </m:funcPr>
+                                    <m:fName>
+                                      <m:f>
+                                        <m:fPr>
+                                          <m:ctrlPr>
+                                            <a:rPr lang="de-DE" sz="2400" i="1">
+                                              <a:latin typeface="Cambria Math" panose="02040503050406030204" pitchFamily="18" charset="0"/>
+                                            </a:rPr>
+                                          </m:ctrlPr>
+                                        </m:fPr>
+                                        <m:num>
+                                          <m:r>
+                                            <a:rPr lang="de-DE" sz="2400" i="1">
+                                              <a:latin typeface="Cambria Math" panose="02040503050406030204" pitchFamily="18" charset="0"/>
+                                            </a:rPr>
+                                            <m:t>1</m:t>
+                                          </m:r>
+                                        </m:num>
+                                        <m:den>
+                                          <m:r>
+                                            <a:rPr lang="de-DE" sz="2400" i="1">
+                                              <a:latin typeface="Cambria Math" panose="02040503050406030204" pitchFamily="18" charset="0"/>
+                                            </a:rPr>
+                                            <m:t>2</m:t>
+                                          </m:r>
+                                          <m:r>
+                                            <a:rPr lang="de-DE" sz="2400" i="1">
+                                              <a:latin typeface="Cambria Math" panose="02040503050406030204" pitchFamily="18" charset="0"/>
+                                            </a:rPr>
+                                            <m:t>𝜔</m:t>
+                                          </m:r>
+                                        </m:den>
+                                      </m:f>
+                                      <m:r>
+                                        <m:rPr>
+                                          <m:sty m:val="p"/>
+                                        </m:rPr>
+                                        <a:rPr lang="de-DE" sz="2400">
+                                          <a:latin typeface="Cambria Math" panose="02040503050406030204" pitchFamily="18" charset="0"/>
+                                        </a:rPr>
+                                        <m:t>cos</m:t>
+                                      </m:r>
+                                    </m:fName>
+                                    <m:e>
+                                      <m:r>
+                                        <a:rPr lang="de-DE" sz="2400" i="1">
+                                          <a:latin typeface="Cambria Math" panose="02040503050406030204" pitchFamily="18" charset="0"/>
+                                        </a:rPr>
+                                        <m:t>2</m:t>
+                                      </m:r>
+                                      <m:r>
+                                        <a:rPr lang="de-DE" sz="2400" i="1">
+                                          <a:latin typeface="Cambria Math" panose="02040503050406030204" pitchFamily="18" charset="0"/>
+                                        </a:rPr>
+                                        <m:t>𝜔</m:t>
+                                      </m:r>
+                                      <m:r>
+                                        <a:rPr lang="de-DE" sz="2400" i="1">
+                                          <a:latin typeface="Cambria Math" panose="02040503050406030204" pitchFamily="18" charset="0"/>
+                                        </a:rPr>
+                                        <m:t>𝑡</m:t>
+                                      </m:r>
+                                    </m:e>
+                                  </m:func>
+                                </m:e>
+                              </m:d>
+                            </m:e>
+                          </m:d>
+                        </m:e>
+                        <m:sub>
+                          <m:r>
+                            <a:rPr lang="de-DE" sz="2400" i="1">
+                              <a:latin typeface="Cambria Math" panose="02040503050406030204" pitchFamily="18" charset="0"/>
+                            </a:rPr>
+                            <m:t>0</m:t>
+                          </m:r>
+                        </m:sub>
+                        <m:sup>
+                          <m:r>
+                            <a:rPr lang="de-DE" sz="2400" i="1">
+                              <a:latin typeface="Cambria Math" panose="02040503050406030204" pitchFamily="18" charset="0"/>
+                            </a:rPr>
+                            <m:t>𝑇</m:t>
+                          </m:r>
+                        </m:sup>
+                      </m:sSubSup>
+                    </m:oMath>
+                  </m:oMathPara>
+                </a14:m>
+                <a:endParaRPr lang="de-DE" sz="2400" i="1" dirty="0">
+                  <a:latin typeface="Cambria Math" panose="02040503050406030204" pitchFamily="18" charset="0"/>
+                </a:endParaRPr>
+              </a:p>
+              <a:p>
+                <a:pPr marL="0" indent="0">
+                  <a:buNone/>
+                </a:pPr>
+                <a:endParaRPr lang="de-DE" sz="2400" i="1" dirty="0">
+                  <a:latin typeface="Cambria Math" panose="02040503050406030204" pitchFamily="18" charset="0"/>
+                </a:endParaRPr>
+              </a:p>
+              <a:p>
+                <a:pPr marL="0" indent="0">
+                  <a:buNone/>
+                </a:pPr>
+                <a14:m>
+                  <m:oMathPara xmlns:m="http://schemas.openxmlformats.org/officeDocument/2006/math">
+                    <m:oMathParaPr>
+                      <m:jc m:val="centerGroup"/>
+                    </m:oMathParaPr>
+                    <m:oMath xmlns:m="http://schemas.openxmlformats.org/officeDocument/2006/math">
+                      <m:r>
+                        <a:rPr lang="de-DE" sz="2400" i="1">
+                          <a:latin typeface="Cambria Math" panose="02040503050406030204" pitchFamily="18" charset="0"/>
+                        </a:rPr>
+                        <m:t>=</m:t>
+                      </m:r>
+                      <m:f>
+                        <m:fPr>
+                          <m:ctrlPr>
+                            <a:rPr lang="de-DE" sz="2400" i="1">
+                              <a:latin typeface="Cambria Math" panose="02040503050406030204" pitchFamily="18" charset="0"/>
+                            </a:rPr>
+                          </m:ctrlPr>
+                        </m:fPr>
+                        <m:num>
+                          <m:r>
+                            <a:rPr lang="de-DE" sz="2400" i="1">
+                              <a:latin typeface="Cambria Math" panose="02040503050406030204" pitchFamily="18" charset="0"/>
+                            </a:rPr>
+                            <m:t>1</m:t>
+                          </m:r>
+                        </m:num>
+                        <m:den>
+                          <m:r>
+                            <a:rPr lang="de-DE" sz="2400" i="1">
+                              <a:latin typeface="Cambria Math" panose="02040503050406030204" pitchFamily="18" charset="0"/>
+                            </a:rPr>
+                            <m:t>2</m:t>
+                          </m:r>
+                        </m:den>
+                      </m:f>
+                      <m:acc>
+                        <m:accPr>
+                          <m:chr m:val="̂"/>
+                          <m:ctrlPr>
+                            <a:rPr lang="de-DE" sz="2400" i="1">
+                              <a:latin typeface="Cambria Math" panose="02040503050406030204" pitchFamily="18" charset="0"/>
+                            </a:rPr>
+                          </m:ctrlPr>
+                        </m:accPr>
+                        <m:e>
+                          <m:r>
+                            <a:rPr lang="de-DE" sz="2400" i="1">
+                              <a:latin typeface="Cambria Math" panose="02040503050406030204" pitchFamily="18" charset="0"/>
+                            </a:rPr>
+                            <m:t>𝑢</m:t>
+                          </m:r>
+                        </m:e>
+                      </m:acc>
+                      <m:acc>
+                        <m:accPr>
+                          <m:chr m:val="̂"/>
+                          <m:ctrlPr>
+                            <a:rPr lang="de-DE" sz="2400" i="1">
+                              <a:latin typeface="Cambria Math" panose="02040503050406030204" pitchFamily="18" charset="0"/>
+                            </a:rPr>
+                          </m:ctrlPr>
+                        </m:accPr>
+                        <m:e>
+                          <m:r>
+                            <a:rPr lang="de-DE" sz="2400" i="1">
+                              <a:latin typeface="Cambria Math" panose="02040503050406030204" pitchFamily="18" charset="0"/>
+                            </a:rPr>
+                            <m:t>𝑖</m:t>
+                          </m:r>
+                        </m:e>
+                      </m:acc>
+                      <m:f>
+                        <m:fPr>
+                          <m:ctrlPr>
+                            <a:rPr lang="de-DE" sz="2400" i="1">
+                              <a:latin typeface="Cambria Math" panose="02040503050406030204" pitchFamily="18" charset="0"/>
+                            </a:rPr>
+                          </m:ctrlPr>
+                        </m:fPr>
+                        <m:num>
+                          <m:r>
+                            <a:rPr lang="de-DE" sz="2400" i="1">
+                              <a:latin typeface="Cambria Math" panose="02040503050406030204" pitchFamily="18" charset="0"/>
+                            </a:rPr>
+                            <m:t>1</m:t>
+                          </m:r>
+                        </m:num>
+                        <m:den>
+                          <m:r>
+                            <a:rPr lang="de-DE" sz="2400" i="1">
+                              <a:latin typeface="Cambria Math" panose="02040503050406030204" pitchFamily="18" charset="0"/>
+                            </a:rPr>
+                            <m:t>𝑇</m:t>
+                          </m:r>
+                        </m:den>
+                      </m:f>
+                      <m:d>
+                        <m:dPr>
+                          <m:ctrlPr>
+                            <a:rPr lang="de-DE" sz="2400" i="1">
+                              <a:latin typeface="Cambria Math" panose="02040503050406030204" pitchFamily="18" charset="0"/>
+                            </a:rPr>
+                          </m:ctrlPr>
+                        </m:dPr>
+                        <m:e>
+                          <m:r>
+                            <a:rPr lang="de-DE" sz="2400" i="1">
+                              <a:latin typeface="Cambria Math" panose="02040503050406030204" pitchFamily="18" charset="0"/>
+                            </a:rPr>
+                            <m:t>−</m:t>
+                          </m:r>
+                          <m:func>
+                            <m:funcPr>
+                              <m:ctrlPr>
+                                <a:rPr lang="de-DE" sz="2400" i="1">
+                                  <a:latin typeface="Cambria Math" panose="02040503050406030204" pitchFamily="18" charset="0"/>
+                                </a:rPr>
+                              </m:ctrlPr>
+                            </m:funcPr>
+                            <m:fName>
+                              <m:f>
+                                <m:fPr>
+                                  <m:ctrlPr>
+                                    <a:rPr lang="de-DE" sz="2400" i="1">
+                                      <a:latin typeface="Cambria Math" panose="02040503050406030204" pitchFamily="18" charset="0"/>
+                                    </a:rPr>
+                                  </m:ctrlPr>
+                                </m:fPr>
+                                <m:num>
+                                  <m:r>
+                                    <a:rPr lang="de-DE" sz="2400" i="1">
+                                      <a:latin typeface="Cambria Math" panose="02040503050406030204" pitchFamily="18" charset="0"/>
+                                    </a:rPr>
+                                    <m:t>1</m:t>
+                                  </m:r>
+                                </m:num>
+                                <m:den>
+                                  <m:r>
+                                    <a:rPr lang="de-DE" sz="2400" i="1">
+                                      <a:latin typeface="Cambria Math" panose="02040503050406030204" pitchFamily="18" charset="0"/>
+                                    </a:rPr>
+                                    <m:t>2</m:t>
+                                  </m:r>
+                                  <m:r>
+                                    <a:rPr lang="de-DE" sz="2400" i="1">
+                                      <a:latin typeface="Cambria Math" panose="02040503050406030204" pitchFamily="18" charset="0"/>
+                                    </a:rPr>
+                                    <m:t>𝜔</m:t>
+                                  </m:r>
+                                </m:den>
+                              </m:f>
+                              <m:r>
+                                <a:rPr lang="de-DE" sz="2400">
+                                  <a:latin typeface="Cambria Math" panose="02040503050406030204" pitchFamily="18" charset="0"/>
+                                </a:rPr>
+                                <m:t>(</m:t>
+                              </m:r>
+                              <m:r>
+                                <m:rPr>
+                                  <m:sty m:val="p"/>
+                                </m:rPr>
+                                <a:rPr lang="de-DE" sz="2400">
+                                  <a:latin typeface="Cambria Math" panose="02040503050406030204" pitchFamily="18" charset="0"/>
+                                </a:rPr>
+                                <m:t>cos</m:t>
+                              </m:r>
+                            </m:fName>
+                            <m:e>
+                              <m:r>
+                                <a:rPr lang="de-DE" sz="2400" i="1">
+                                  <a:latin typeface="Cambria Math" panose="02040503050406030204" pitchFamily="18" charset="0"/>
+                                </a:rPr>
+                                <m:t>2</m:t>
+                              </m:r>
+                              <m:r>
+                                <a:rPr lang="de-DE" sz="2400" i="1">
+                                  <a:latin typeface="Cambria Math" panose="02040503050406030204" pitchFamily="18" charset="0"/>
+                                </a:rPr>
+                                <m:t>𝜔</m:t>
+                              </m:r>
+                              <m:r>
+                                <a:rPr lang="de-DE" sz="2400" i="1">
+                                  <a:latin typeface="Cambria Math" panose="02040503050406030204" pitchFamily="18" charset="0"/>
+                                </a:rPr>
+                                <m:t>𝑇</m:t>
+                              </m:r>
+                            </m:e>
+                          </m:func>
+                          <m:r>
+                            <a:rPr lang="de-DE" sz="2400" i="1">
+                              <a:latin typeface="Cambria Math" panose="02040503050406030204" pitchFamily="18" charset="0"/>
+                            </a:rPr>
+                            <m:t>+1)</m:t>
+                          </m:r>
+                        </m:e>
+                      </m:d>
+                      <m:r>
+                        <a:rPr lang="de-DE" sz="2400" i="1">
+                          <a:latin typeface="Cambria Math" panose="02040503050406030204" pitchFamily="18" charset="0"/>
+                        </a:rPr>
+                        <m:t>=</m:t>
+                      </m:r>
+                      <m:f>
+                        <m:fPr>
+                          <m:ctrlPr>
+                            <a:rPr lang="de-DE" sz="2400" i="1">
+                              <a:latin typeface="Cambria Math" panose="02040503050406030204" pitchFamily="18" charset="0"/>
+                            </a:rPr>
+                          </m:ctrlPr>
+                        </m:fPr>
+                        <m:num>
+                          <m:r>
+                            <a:rPr lang="de-DE" sz="2400" i="1">
+                              <a:latin typeface="Cambria Math" panose="02040503050406030204" pitchFamily="18" charset="0"/>
+                            </a:rPr>
+                            <m:t>1</m:t>
+                          </m:r>
+                        </m:num>
+                        <m:den>
+                          <m:r>
+                            <a:rPr lang="de-DE" sz="2400" i="1">
+                              <a:latin typeface="Cambria Math" panose="02040503050406030204" pitchFamily="18" charset="0"/>
+                            </a:rPr>
+                            <m:t>2</m:t>
+                          </m:r>
+                        </m:den>
+                      </m:f>
+                      <m:acc>
+                        <m:accPr>
+                          <m:chr m:val="̂"/>
+                          <m:ctrlPr>
+                            <a:rPr lang="de-DE" sz="2400" i="1">
+                              <a:latin typeface="Cambria Math" panose="02040503050406030204" pitchFamily="18" charset="0"/>
+                            </a:rPr>
+                          </m:ctrlPr>
+                        </m:accPr>
+                        <m:e>
+                          <m:r>
+                            <a:rPr lang="de-DE" sz="2400" i="1">
+                              <a:latin typeface="Cambria Math" panose="02040503050406030204" pitchFamily="18" charset="0"/>
+                            </a:rPr>
+                            <m:t>𝑢</m:t>
+                          </m:r>
+                        </m:e>
+                      </m:acc>
+                      <m:acc>
+                        <m:accPr>
+                          <m:chr m:val="̂"/>
+                          <m:ctrlPr>
+                            <a:rPr lang="de-DE" sz="2400" i="1">
+                              <a:latin typeface="Cambria Math" panose="02040503050406030204" pitchFamily="18" charset="0"/>
+                            </a:rPr>
+                          </m:ctrlPr>
+                        </m:accPr>
+                        <m:e>
+                          <m:r>
+                            <a:rPr lang="de-DE" sz="2400" i="1">
+                              <a:latin typeface="Cambria Math" panose="02040503050406030204" pitchFamily="18" charset="0"/>
+                            </a:rPr>
+                            <m:t>𝑖</m:t>
+                          </m:r>
+                        </m:e>
+                      </m:acc>
+                      <m:f>
+                        <m:fPr>
+                          <m:ctrlPr>
+                            <a:rPr lang="de-DE" sz="2400" i="1">
+                              <a:latin typeface="Cambria Math" panose="02040503050406030204" pitchFamily="18" charset="0"/>
+                            </a:rPr>
+                          </m:ctrlPr>
+                        </m:fPr>
+                        <m:num>
+                          <m:r>
+                            <a:rPr lang="de-DE" sz="2400" i="1">
+                              <a:latin typeface="Cambria Math" panose="02040503050406030204" pitchFamily="18" charset="0"/>
+                            </a:rPr>
+                            <m:t>1</m:t>
+                          </m:r>
+                        </m:num>
+                        <m:den>
+                          <m:r>
+                            <a:rPr lang="de-DE" sz="2400" i="1">
+                              <a:latin typeface="Cambria Math" panose="02040503050406030204" pitchFamily="18" charset="0"/>
+                            </a:rPr>
+                            <m:t>𝑇</m:t>
+                          </m:r>
+                        </m:den>
+                      </m:f>
+                      <m:d>
+                        <m:dPr>
+                          <m:ctrlPr>
+                            <a:rPr lang="de-DE" sz="2400" i="1">
+                              <a:latin typeface="Cambria Math" panose="02040503050406030204" pitchFamily="18" charset="0"/>
+                            </a:rPr>
+                          </m:ctrlPr>
+                        </m:dPr>
+                        <m:e>
+                          <m:r>
+                            <a:rPr lang="de-DE" sz="2400" i="1">
+                              <a:latin typeface="Cambria Math" panose="02040503050406030204" pitchFamily="18" charset="0"/>
+                            </a:rPr>
+                            <m:t>−</m:t>
+                          </m:r>
+                          <m:func>
+                            <m:funcPr>
+                              <m:ctrlPr>
+                                <a:rPr lang="de-DE" sz="2400" i="1">
+                                  <a:latin typeface="Cambria Math" panose="02040503050406030204" pitchFamily="18" charset="0"/>
+                                </a:rPr>
+                              </m:ctrlPr>
+                            </m:funcPr>
+                            <m:fName>
+                              <m:f>
+                                <m:fPr>
+                                  <m:ctrlPr>
+                                    <a:rPr lang="de-DE" sz="2400" i="1">
+                                      <a:latin typeface="Cambria Math" panose="02040503050406030204" pitchFamily="18" charset="0"/>
+                                    </a:rPr>
+                                  </m:ctrlPr>
+                                </m:fPr>
+                                <m:num>
+                                  <m:r>
+                                    <a:rPr lang="de-DE" sz="2400" i="1">
+                                      <a:latin typeface="Cambria Math" panose="02040503050406030204" pitchFamily="18" charset="0"/>
+                                    </a:rPr>
+                                    <m:t>1</m:t>
+                                  </m:r>
+                                </m:num>
+                                <m:den>
+                                  <m:r>
+                                    <a:rPr lang="de-DE" sz="2400" i="1">
+                                      <a:latin typeface="Cambria Math" panose="02040503050406030204" pitchFamily="18" charset="0"/>
+                                    </a:rPr>
+                                    <m:t>2</m:t>
+                                  </m:r>
+                                  <m:r>
+                                    <a:rPr lang="de-DE" sz="2400" i="1">
+                                      <a:latin typeface="Cambria Math" panose="02040503050406030204" pitchFamily="18" charset="0"/>
+                                    </a:rPr>
+                                    <m:t>𝜔</m:t>
+                                  </m:r>
+                                </m:den>
+                              </m:f>
+                              <m:r>
+                                <a:rPr lang="de-DE" sz="2400">
+                                  <a:latin typeface="Cambria Math" panose="02040503050406030204" pitchFamily="18" charset="0"/>
+                                </a:rPr>
+                                <m:t>(</m:t>
+                              </m:r>
+                              <m:r>
+                                <m:rPr>
+                                  <m:sty m:val="p"/>
+                                </m:rPr>
+                                <a:rPr lang="de-DE" sz="2400">
+                                  <a:latin typeface="Cambria Math" panose="02040503050406030204" pitchFamily="18" charset="0"/>
+                                </a:rPr>
+                                <m:t>cos</m:t>
+                              </m:r>
+                            </m:fName>
+                            <m:e>
+                              <m:r>
+                                <a:rPr lang="de-DE" sz="2400" i="1">
+                                  <a:latin typeface="Cambria Math" panose="02040503050406030204" pitchFamily="18" charset="0"/>
+                                </a:rPr>
+                                <m:t>4</m:t>
+                              </m:r>
+                              <m:r>
+                                <a:rPr lang="de-DE" sz="2400" i="1">
+                                  <a:latin typeface="Cambria Math" panose="02040503050406030204" pitchFamily="18" charset="0"/>
+                                </a:rPr>
+                                <m:t>𝜋</m:t>
+                              </m:r>
+                            </m:e>
+                          </m:func>
+                          <m:r>
+                            <a:rPr lang="de-DE" sz="2400" i="1">
+                              <a:latin typeface="Cambria Math" panose="02040503050406030204" pitchFamily="18" charset="0"/>
+                            </a:rPr>
+                            <m:t>+1)</m:t>
+                          </m:r>
+                        </m:e>
+                      </m:d>
+                      <m:r>
+                        <a:rPr lang="de-DE" sz="2400" i="1">
+                          <a:latin typeface="Cambria Math" panose="02040503050406030204" pitchFamily="18" charset="0"/>
+                        </a:rPr>
+                        <m:t>=0</m:t>
+                      </m:r>
+                    </m:oMath>
+                  </m:oMathPara>
+                </a14:m>
+                <a:endParaRPr lang="de-DE" sz="2400" dirty="0"/>
+              </a:p>
+              <a:p>
+                <a:pPr marL="0" indent="0">
+                  <a:buNone/>
+                </a:pPr>
+                <a:endParaRPr lang="de-DE" sz="2400" dirty="0"/>
+              </a:p>
+              <a:p>
+                <a:pPr marL="0" indent="0">
+                  <a:buNone/>
+                </a:pPr>
+                <a:r>
+                  <a:rPr lang="de-DE" sz="2400" dirty="0">
+                    <a:sym typeface="Wingdings" pitchFamily="2" charset="2"/>
+                  </a:rPr>
+                  <a:t> not </a:t>
+                </a:r>
+                <a:r>
+                  <a:rPr lang="de-DE" sz="2400" dirty="0" err="1">
+                    <a:sym typeface="Wingdings" pitchFamily="2" charset="2"/>
+                  </a:rPr>
+                  <a:t>converted</a:t>
+                </a:r>
+                <a:r>
+                  <a:rPr lang="de-DE" sz="2400" dirty="0">
+                    <a:sym typeface="Wingdings" pitchFamily="2" charset="2"/>
+                  </a:rPr>
+                  <a:t> </a:t>
+                </a:r>
+                <a:r>
+                  <a:rPr lang="de-DE" sz="2400" dirty="0" err="1">
+                    <a:sym typeface="Wingdings" pitchFamily="2" charset="2"/>
+                  </a:rPr>
+                  <a:t>into</a:t>
+                </a:r>
+                <a:r>
+                  <a:rPr lang="de-DE" sz="2400" dirty="0">
+                    <a:sym typeface="Wingdings" pitchFamily="2" charset="2"/>
+                  </a:rPr>
+                  <a:t> </a:t>
+                </a:r>
+                <a:r>
+                  <a:rPr lang="de-DE" sz="2400" dirty="0" err="1">
+                    <a:sym typeface="Wingdings" pitchFamily="2" charset="2"/>
+                  </a:rPr>
+                  <a:t>heat</a:t>
+                </a:r>
+                <a:r>
+                  <a:rPr lang="de-DE" sz="2400" dirty="0">
+                    <a:sym typeface="Wingdings" pitchFamily="2" charset="2"/>
+                  </a:rPr>
+                  <a:t> </a:t>
+                </a:r>
+                <a:r>
+                  <a:rPr lang="de-DE" sz="2400" dirty="0" err="1">
+                    <a:sym typeface="Wingdings" pitchFamily="2" charset="2"/>
+                  </a:rPr>
+                  <a:t>or</a:t>
+                </a:r>
+                <a:r>
+                  <a:rPr lang="de-DE" sz="2400" dirty="0">
+                    <a:sym typeface="Wingdings" pitchFamily="2" charset="2"/>
+                  </a:rPr>
+                  <a:t> </a:t>
+                </a:r>
+                <a:r>
+                  <a:rPr lang="de-DE" sz="2400" dirty="0" err="1">
+                    <a:sym typeface="Wingdings" pitchFamily="2" charset="2"/>
+                  </a:rPr>
+                  <a:t>useful</a:t>
+                </a:r>
+                <a:r>
+                  <a:rPr lang="de-DE" sz="2400" dirty="0">
+                    <a:sym typeface="Wingdings" pitchFamily="2" charset="2"/>
+                  </a:rPr>
+                  <a:t> </a:t>
+                </a:r>
+                <a:r>
+                  <a:rPr lang="de-DE" sz="2400" dirty="0" err="1">
+                    <a:sym typeface="Wingdings" pitchFamily="2" charset="2"/>
+                  </a:rPr>
+                  <a:t>work</a:t>
+                </a:r>
+                <a:endParaRPr lang="de-DE" sz="2400" dirty="0"/>
+              </a:p>
+              <a:p>
+                <a:pPr marL="0" indent="0">
+                  <a:buNone/>
+                </a:pPr>
+                <a:endParaRPr lang="de-DE" dirty="0"/>
+              </a:p>
+            </p:txBody>
+          </p:sp>
+        </mc:Choice>
+        <mc:Fallback>
+          <p:sp>
+            <p:nvSpPr>
+              <p:cNvPr id="3" name="Inhaltsplatzhalter 2">
+                <a:extLst>
+                  <a:ext uri="{FF2B5EF4-FFF2-40B4-BE49-F238E27FC236}">
+                    <a16:creationId xmlns:a16="http://schemas.microsoft.com/office/drawing/2014/main" id="{36268B7E-1C26-2D5E-B458-F01E42CD9751}"/>
+                  </a:ext>
+                </a:extLst>
+              </p:cNvPr>
+              <p:cNvSpPr>
+                <a:spLocks noGrp="1" noRot="1" noChangeAspect="1" noMove="1" noResize="1" noEditPoints="1" noAdjustHandles="1" noChangeArrowheads="1" noChangeShapeType="1" noTextEdit="1"/>
+              </p:cNvSpPr>
+              <p:nvPr>
+                <p:ph idx="1"/>
+              </p:nvPr>
+            </p:nvSpPr>
+            <p:spPr>
+              <a:xfrm>
+                <a:off x="838200" y="1825625"/>
+                <a:ext cx="10515600" cy="4895850"/>
+              </a:xfrm>
+              <a:blipFill>
+                <a:blip r:embed="rId2"/>
+                <a:stretch>
+                  <a:fillRect l="-965" t="-775" r="-3257" b="-13437"/>
+                </a:stretch>
+              </a:blipFill>
+            </p:spPr>
+            <p:txBody>
+              <a:bodyPr/>
+              <a:lstStyle/>
+              <a:p>
+                <a:r>
+                  <a:rPr lang="de-DE">
+                    <a:noFill/>
+                  </a:rPr>
+                  <a:t> </a:t>
+                </a:r>
+              </a:p>
+            </p:txBody>
+          </p:sp>
+        </mc:Fallback>
+      </mc:AlternateContent>
+      <p:sp>
+        <p:nvSpPr>
+          <p:cNvPr id="4" name="Foliennummernplatzhalter 3">
+            <a:extLst>
+              <a:ext uri="{FF2B5EF4-FFF2-40B4-BE49-F238E27FC236}">
+                <a16:creationId xmlns:a16="http://schemas.microsoft.com/office/drawing/2014/main" id="{B9283519-9A86-D6F6-4EC2-7E2DB9765F76}"/>
+              </a:ext>
+            </a:extLst>
+          </p:cNvPr>
+          <p:cNvSpPr>
+            <a:spLocks noGrp="1"/>
+          </p:cNvSpPr>
+          <p:nvPr>
+            <p:ph type="sldNum" sz="quarter" idx="12"/>
+          </p:nvPr>
+        </p:nvSpPr>
+        <p:spPr/>
+        <p:txBody>
+          <a:bodyPr/>
+          <a:lstStyle/>
+          <a:p>
+            <a:fld id="{C3D1D914-B947-8E44-8E93-2211406D860E}" type="slidenum">
+              <a:rPr lang="de-DE" smtClean="0"/>
+              <a:t>24</a:t>
+            </a:fld>
+            <a:endParaRPr lang="de-DE"/>
+          </a:p>
+        </p:txBody>
+      </p:sp>
+      <p:cxnSp>
+        <p:nvCxnSpPr>
+          <p:cNvPr id="6" name="Gerade Verbindung mit Pfeil 5">
+            <a:extLst>
+              <a:ext uri="{FF2B5EF4-FFF2-40B4-BE49-F238E27FC236}">
+                <a16:creationId xmlns:a16="http://schemas.microsoft.com/office/drawing/2014/main" id="{B8FE188E-7F36-9557-2136-C5E42E90BF12}"/>
+              </a:ext>
+            </a:extLst>
+          </p:cNvPr>
+          <p:cNvCxnSpPr/>
+          <p:nvPr/>
+        </p:nvCxnSpPr>
+        <p:spPr>
+          <a:xfrm>
+            <a:off x="3420094" y="2256312"/>
+            <a:ext cx="1033153" cy="724394"/>
+          </a:xfrm>
+          <a:prstGeom prst="straightConnector1">
+            <a:avLst/>
+          </a:prstGeom>
+          <a:ln>
+            <a:tailEnd type="triangle"/>
+          </a:ln>
+        </p:spPr>
+        <p:style>
+          <a:lnRef idx="2">
+            <a:schemeClr val="accent1"/>
+          </a:lnRef>
+          <a:fillRef idx="0">
+            <a:schemeClr val="accent1"/>
+          </a:fillRef>
+          <a:effectRef idx="1">
+            <a:schemeClr val="accent1"/>
+          </a:effectRef>
+          <a:fontRef idx="minor">
+            <a:schemeClr val="tx1"/>
+          </a:fontRef>
+        </p:style>
+      </p:cxnSp>
+    </p:spTree>
+    <p:extLst>
+      <p:ext uri="{BB962C8B-B14F-4D97-AF65-F5344CB8AC3E}">
+        <p14:creationId xmlns:p14="http://schemas.microsoft.com/office/powerpoint/2010/main" val="2553085934"/>
+      </p:ext>
+    </p:extLst>
+  </p:cSld>
+  <p:clrMapOvr>
+    <a:masterClrMapping/>
+  </p:clrMapOvr>
+</p:sld>
+</file>
+
+<file path=ppt/slides/slide25.xml><?xml version="1.0" encoding="utf-8"?>
+<p:sld xmlns:a="http://schemas.openxmlformats.org/drawingml/2006/main" xmlns:r="http://schemas.openxmlformats.org/officeDocument/2006/relationships" xmlns:p="http://schemas.openxmlformats.org/presentationml/2006/main">
+  <p:cSld>
+    <p:spTree>
+      <p:nvGrpSpPr>
+        <p:cNvPr id="1" name=""/>
+        <p:cNvGrpSpPr/>
+        <p:nvPr/>
+      </p:nvGrpSpPr>
+      <p:grpSpPr>
+        <a:xfrm>
+          <a:off x="0" y="0"/>
+          <a:ext cx="0" cy="0"/>
+          <a:chOff x="0" y="0"/>
+          <a:chExt cx="0" cy="0"/>
+        </a:xfrm>
+      </p:grpSpPr>
+      <p:sp>
+        <p:nvSpPr>
+          <p:cNvPr id="2" name="Titel 1">
+            <a:extLst>
+              <a:ext uri="{FF2B5EF4-FFF2-40B4-BE49-F238E27FC236}">
+                <a16:creationId xmlns:a16="http://schemas.microsoft.com/office/drawing/2014/main" id="{8D144FB1-B5BB-FA86-3E5F-B88F5443131F}"/>
+              </a:ext>
+            </a:extLst>
+          </p:cNvPr>
+          <p:cNvSpPr>
+            <a:spLocks noGrp="1"/>
+          </p:cNvSpPr>
+          <p:nvPr>
+            <p:ph type="title"/>
+          </p:nvPr>
+        </p:nvSpPr>
+        <p:spPr/>
+        <p:txBody>
+          <a:bodyPr/>
+          <a:lstStyle/>
+          <a:p>
+            <a:r>
+              <a:rPr lang="de-DE" dirty="0"/>
+              <a:t>Apparent Power</a:t>
+            </a:r>
+          </a:p>
+        </p:txBody>
+      </p:sp>
+      <mc:AlternateContent xmlns:mc="http://schemas.openxmlformats.org/markup-compatibility/2006">
+        <mc:Choice xmlns:a14="http://schemas.microsoft.com/office/drawing/2010/main" Requires="a14">
+          <p:sp>
+            <p:nvSpPr>
+              <p:cNvPr id="3" name="Inhaltsplatzhalter 2">
+                <a:extLst>
+                  <a:ext uri="{FF2B5EF4-FFF2-40B4-BE49-F238E27FC236}">
+                    <a16:creationId xmlns:a16="http://schemas.microsoft.com/office/drawing/2014/main" id="{6B9F6663-83FC-1090-5E41-79339626F248}"/>
+                  </a:ext>
+                </a:extLst>
+              </p:cNvPr>
+              <p:cNvSpPr>
+                <a:spLocks noGrp="1"/>
+              </p:cNvSpPr>
+              <p:nvPr>
+                <p:ph idx="1"/>
+              </p:nvPr>
+            </p:nvSpPr>
+            <p:spPr>
+              <a:xfrm>
+                <a:off x="838200" y="1690688"/>
+                <a:ext cx="10515600" cy="5030787"/>
+              </a:xfrm>
+            </p:spPr>
+            <p:txBody>
+              <a:bodyPr>
+                <a:normAutofit fontScale="85000" lnSpcReduction="20000"/>
+              </a:bodyPr>
+              <a:lstStyle/>
+              <a:p>
+                <a:pPr marL="0" indent="0">
+                  <a:buNone/>
+                </a:pPr>
+                <a:r>
+                  <a:rPr lang="de-DE" dirty="0"/>
+                  <a:t>mixed </a:t>
+                </a:r>
+                <a:r>
+                  <a:rPr lang="de-DE" dirty="0" err="1"/>
+                  <a:t>case</a:t>
+                </a:r>
+                <a:r>
+                  <a:rPr lang="de-DE" dirty="0"/>
+                  <a:t> </a:t>
+                </a:r>
+                <a:r>
+                  <a:rPr lang="de-DE" dirty="0" err="1"/>
+                  <a:t>for</a:t>
+                </a:r>
+                <a:r>
+                  <a:rPr lang="de-DE" dirty="0"/>
+                  <a:t>  resistive-</a:t>
+                </a:r>
+                <a:r>
+                  <a:rPr lang="de-DE" dirty="0" err="1"/>
+                  <a:t>capacitive</a:t>
+                </a:r>
+                <a:r>
+                  <a:rPr lang="de-DE" dirty="0"/>
+                  <a:t> </a:t>
+                </a:r>
+                <a:r>
+                  <a:rPr lang="de-DE" dirty="0" err="1"/>
+                  <a:t>or</a:t>
+                </a:r>
+                <a:r>
+                  <a:rPr lang="de-DE" dirty="0"/>
+                  <a:t> resistive-</a:t>
+                </a:r>
+                <a:r>
+                  <a:rPr lang="de-DE" dirty="0" err="1"/>
+                  <a:t>inductive</a:t>
+                </a:r>
+                <a:r>
+                  <a:rPr lang="de-DE" dirty="0"/>
+                  <a:t> </a:t>
+                </a:r>
+                <a:r>
+                  <a:rPr lang="de-DE" dirty="0" err="1"/>
+                  <a:t>load</a:t>
+                </a:r>
+                <a:r>
+                  <a:rPr lang="de-DE" dirty="0"/>
+                  <a:t>:</a:t>
+                </a:r>
+              </a:p>
+              <a:p>
+                <a:pPr marL="0" indent="0">
+                  <a:buNone/>
+                </a:pPr>
+                <a:endParaRPr lang="de-DE" i="1" dirty="0">
+                  <a:latin typeface="Cambria Math" panose="02040503050406030204" pitchFamily="18" charset="0"/>
+                </a:endParaRPr>
+              </a:p>
+              <a:p>
+                <a:pPr marL="0" indent="0">
+                  <a:buNone/>
+                </a:pPr>
+                <a14:m>
+                  <m:oMathPara xmlns:m="http://schemas.openxmlformats.org/officeDocument/2006/math">
+                    <m:oMathParaPr>
+                      <m:jc m:val="centerGroup"/>
+                    </m:oMathParaPr>
+                    <m:oMath xmlns:m="http://schemas.openxmlformats.org/officeDocument/2006/math">
+                      <m:r>
+                        <a:rPr lang="de-DE" i="1">
+                          <a:latin typeface="Cambria Math" panose="02040503050406030204" pitchFamily="18" charset="0"/>
+                        </a:rPr>
+                        <m:t>𝑝</m:t>
+                      </m:r>
+                      <m:d>
+                        <m:dPr>
+                          <m:ctrlPr>
+                            <a:rPr lang="de-DE" i="1">
+                              <a:latin typeface="Cambria Math" panose="02040503050406030204" pitchFamily="18" charset="0"/>
+                            </a:rPr>
+                          </m:ctrlPr>
+                        </m:dPr>
+                        <m:e>
+                          <m:r>
+                            <a:rPr lang="de-DE" i="1">
+                              <a:latin typeface="Cambria Math" panose="02040503050406030204" pitchFamily="18" charset="0"/>
+                            </a:rPr>
+                            <m:t>𝑡</m:t>
+                          </m:r>
+                        </m:e>
+                      </m:d>
+                      <m:r>
+                        <a:rPr lang="de-DE" i="1">
+                          <a:latin typeface="Cambria Math" panose="02040503050406030204" pitchFamily="18" charset="0"/>
+                        </a:rPr>
+                        <m:t>=</m:t>
+                      </m:r>
+                      <m:r>
+                        <a:rPr lang="de-DE" i="1">
+                          <a:latin typeface="Cambria Math" panose="02040503050406030204" pitchFamily="18" charset="0"/>
+                        </a:rPr>
+                        <m:t>𝑈𝐼</m:t>
+                      </m:r>
+                      <m:r>
+                        <a:rPr lang="de-DE" i="1">
+                          <a:latin typeface="Cambria Math" panose="02040503050406030204" pitchFamily="18" charset="0"/>
+                        </a:rPr>
+                        <m:t>∙</m:t>
+                      </m:r>
+                      <m:func>
+                        <m:funcPr>
+                          <m:ctrlPr>
+                            <a:rPr lang="de-DE" i="1">
+                              <a:latin typeface="Cambria Math" panose="02040503050406030204" pitchFamily="18" charset="0"/>
+                            </a:rPr>
+                          </m:ctrlPr>
+                        </m:funcPr>
+                        <m:fName>
+                          <m:r>
+                            <m:rPr>
+                              <m:sty m:val="p"/>
+                            </m:rPr>
+                            <a:rPr lang="de-DE">
+                              <a:latin typeface="Cambria Math" panose="02040503050406030204" pitchFamily="18" charset="0"/>
+                            </a:rPr>
+                            <m:t>cos</m:t>
+                          </m:r>
+                        </m:fName>
+                        <m:e>
+                          <m:r>
+                            <a:rPr lang="de-DE" i="1">
+                              <a:latin typeface="Cambria Math" panose="02040503050406030204" pitchFamily="18" charset="0"/>
+                            </a:rPr>
+                            <m:t>𝜑</m:t>
+                          </m:r>
+                        </m:e>
+                      </m:func>
+                      <m:r>
+                        <a:rPr lang="de-DE" i="1">
+                          <a:latin typeface="Cambria Math" panose="02040503050406030204" pitchFamily="18" charset="0"/>
+                        </a:rPr>
+                        <m:t>∙</m:t>
+                      </m:r>
+                      <m:d>
+                        <m:dPr>
+                          <m:ctrlPr>
+                            <a:rPr lang="de-DE" i="1">
+                              <a:latin typeface="Cambria Math" panose="02040503050406030204" pitchFamily="18" charset="0"/>
+                            </a:rPr>
+                          </m:ctrlPr>
+                        </m:dPr>
+                        <m:e>
+                          <m:r>
+                            <a:rPr lang="de-DE" i="1">
+                              <a:latin typeface="Cambria Math" panose="02040503050406030204" pitchFamily="18" charset="0"/>
+                            </a:rPr>
+                            <m:t>1−</m:t>
+                          </m:r>
+                          <m:func>
+                            <m:funcPr>
+                              <m:ctrlPr>
+                                <a:rPr lang="de-DE" i="1">
+                                  <a:latin typeface="Cambria Math" panose="02040503050406030204" pitchFamily="18" charset="0"/>
+                                </a:rPr>
+                              </m:ctrlPr>
+                            </m:funcPr>
+                            <m:fName>
+                              <m:r>
+                                <m:rPr>
+                                  <m:sty m:val="p"/>
+                                </m:rPr>
+                                <a:rPr lang="de-DE">
+                                  <a:latin typeface="Cambria Math" panose="02040503050406030204" pitchFamily="18" charset="0"/>
+                                </a:rPr>
+                                <m:t>cos</m:t>
+                              </m:r>
+                            </m:fName>
+                            <m:e>
+                              <m:r>
+                                <a:rPr lang="de-DE" i="1">
+                                  <a:latin typeface="Cambria Math" panose="02040503050406030204" pitchFamily="18" charset="0"/>
+                                </a:rPr>
+                                <m:t>2</m:t>
+                              </m:r>
+                              <m:r>
+                                <a:rPr lang="de-DE" i="1">
+                                  <a:latin typeface="Cambria Math" panose="02040503050406030204" pitchFamily="18" charset="0"/>
+                                </a:rPr>
+                                <m:t>𝜔</m:t>
+                              </m:r>
+                              <m:r>
+                                <a:rPr lang="de-DE" i="1">
+                                  <a:latin typeface="Cambria Math" panose="02040503050406030204" pitchFamily="18" charset="0"/>
+                                </a:rPr>
+                                <m:t>𝑡</m:t>
+                              </m:r>
+                            </m:e>
+                          </m:func>
+                        </m:e>
+                      </m:d>
+                      <m:r>
+                        <a:rPr lang="de-DE" i="1">
+                          <a:latin typeface="Cambria Math" panose="02040503050406030204" pitchFamily="18" charset="0"/>
+                        </a:rPr>
+                        <m:t>−</m:t>
+                      </m:r>
+                      <m:r>
+                        <a:rPr lang="de-DE" i="1">
+                          <a:latin typeface="Cambria Math" panose="02040503050406030204" pitchFamily="18" charset="0"/>
+                        </a:rPr>
+                        <m:t>𝑈𝐼</m:t>
+                      </m:r>
+                      <m:r>
+                        <a:rPr lang="de-DE" i="1">
+                          <a:latin typeface="Cambria Math" panose="02040503050406030204" pitchFamily="18" charset="0"/>
+                        </a:rPr>
+                        <m:t>∙</m:t>
+                      </m:r>
+                      <m:func>
+                        <m:funcPr>
+                          <m:ctrlPr>
+                            <a:rPr lang="de-DE" i="1">
+                              <a:latin typeface="Cambria Math" panose="02040503050406030204" pitchFamily="18" charset="0"/>
+                            </a:rPr>
+                          </m:ctrlPr>
+                        </m:funcPr>
+                        <m:fName>
+                          <m:r>
+                            <m:rPr>
+                              <m:sty m:val="p"/>
+                            </m:rPr>
+                            <a:rPr lang="de-DE">
+                              <a:latin typeface="Cambria Math" panose="02040503050406030204" pitchFamily="18" charset="0"/>
+                            </a:rPr>
+                            <m:t>sin</m:t>
+                          </m:r>
+                        </m:fName>
+                        <m:e>
+                          <m:r>
+                            <a:rPr lang="de-DE" i="1">
+                              <a:latin typeface="Cambria Math" panose="02040503050406030204" pitchFamily="18" charset="0"/>
+                            </a:rPr>
+                            <m:t>𝜑</m:t>
+                          </m:r>
+                          <m:func>
+                            <m:funcPr>
+                              <m:ctrlPr>
+                                <a:rPr lang="de-DE" i="1">
+                                  <a:latin typeface="Cambria Math" panose="02040503050406030204" pitchFamily="18" charset="0"/>
+                                </a:rPr>
+                              </m:ctrlPr>
+                            </m:funcPr>
+                            <m:fName>
+                              <m:r>
+                                <m:rPr>
+                                  <m:sty m:val="p"/>
+                                </m:rPr>
+                                <a:rPr lang="de-DE">
+                                  <a:latin typeface="Cambria Math" panose="02040503050406030204" pitchFamily="18" charset="0"/>
+                                </a:rPr>
+                                <m:t>sin</m:t>
+                              </m:r>
+                            </m:fName>
+                            <m:e>
+                              <m:r>
+                                <a:rPr lang="de-DE" i="1">
+                                  <a:latin typeface="Cambria Math" panose="02040503050406030204" pitchFamily="18" charset="0"/>
+                                </a:rPr>
+                                <m:t>2</m:t>
+                              </m:r>
+                              <m:r>
+                                <a:rPr lang="de-DE" i="1">
+                                  <a:latin typeface="Cambria Math" panose="02040503050406030204" pitchFamily="18" charset="0"/>
+                                </a:rPr>
+                                <m:t>𝜔</m:t>
+                              </m:r>
+                              <m:r>
+                                <a:rPr lang="de-DE" i="1">
+                                  <a:latin typeface="Cambria Math" panose="02040503050406030204" pitchFamily="18" charset="0"/>
+                                </a:rPr>
+                                <m:t>𝑡</m:t>
+                              </m:r>
+                            </m:e>
+                          </m:func>
+                        </m:e>
+                      </m:func>
+                    </m:oMath>
+                  </m:oMathPara>
+                </a14:m>
+                <a:endParaRPr lang="de-DE" dirty="0"/>
+              </a:p>
+              <a:p>
+                <a:pPr marL="0" indent="0">
+                  <a:buNone/>
+                </a:pPr>
+                <a:endParaRPr lang="de-DE" dirty="0"/>
+              </a:p>
+              <a:p>
+                <a:r>
+                  <a:rPr lang="de-DE" dirty="0" err="1"/>
+                  <a:t>purely</a:t>
+                </a:r>
+                <a:r>
+                  <a:rPr lang="de-DE" dirty="0"/>
+                  <a:t> </a:t>
+                </a:r>
+                <a:r>
+                  <a:rPr lang="de-DE" dirty="0" err="1"/>
+                  <a:t>active</a:t>
+                </a:r>
+                <a:r>
+                  <a:rPr lang="de-DE" dirty="0"/>
+                  <a:t> </a:t>
+                </a:r>
+                <a:r>
+                  <a:rPr lang="de-DE" dirty="0" err="1"/>
+                  <a:t>for</a:t>
+                </a:r>
+                <a:r>
+                  <a:rPr lang="de-DE" dirty="0"/>
+                  <a:t> 	</a:t>
+                </a:r>
+                <a14:m>
+                  <m:oMath xmlns:m="http://schemas.openxmlformats.org/officeDocument/2006/math">
+                    <m:r>
+                      <a:rPr lang="de-DE" i="1">
+                        <a:latin typeface="Cambria Math" panose="02040503050406030204" pitchFamily="18" charset="0"/>
+                      </a:rPr>
+                      <m:t>𝜑</m:t>
+                    </m:r>
+                    <m:r>
+                      <a:rPr lang="de-DE" b="0" i="1" smtClean="0">
+                        <a:latin typeface="Cambria Math" panose="02040503050406030204" pitchFamily="18" charset="0"/>
+                      </a:rPr>
+                      <m:t>=0</m:t>
+                    </m:r>
+                  </m:oMath>
+                </a14:m>
+                <a:endParaRPr lang="de-DE" dirty="0"/>
+              </a:p>
+              <a:p>
+                <a:r>
+                  <a:rPr lang="de-DE" dirty="0" err="1"/>
+                  <a:t>purely</a:t>
+                </a:r>
+                <a:r>
+                  <a:rPr lang="de-DE" dirty="0"/>
+                  <a:t> </a:t>
+                </a:r>
+                <a:r>
+                  <a:rPr lang="de-DE" dirty="0" err="1"/>
+                  <a:t>reactive</a:t>
+                </a:r>
+                <a:r>
+                  <a:rPr lang="de-DE" dirty="0"/>
+                  <a:t> </a:t>
+                </a:r>
+                <a:r>
+                  <a:rPr lang="de-DE" dirty="0" err="1"/>
+                  <a:t>for</a:t>
+                </a:r>
+                <a:r>
+                  <a:rPr lang="de-DE" dirty="0"/>
+                  <a:t>	</a:t>
+                </a:r>
+                <a14:m>
+                  <m:oMath xmlns:m="http://schemas.openxmlformats.org/officeDocument/2006/math">
+                    <m:r>
+                      <a:rPr lang="de-DE" i="1">
+                        <a:latin typeface="Cambria Math" panose="02040503050406030204" pitchFamily="18" charset="0"/>
+                      </a:rPr>
+                      <m:t>𝜑</m:t>
+                    </m:r>
+                    <m:r>
+                      <a:rPr lang="de-DE" i="1">
+                        <a:latin typeface="Cambria Math" panose="02040503050406030204" pitchFamily="18" charset="0"/>
+                      </a:rPr>
+                      <m:t>=</m:t>
+                    </m:r>
+                    <m:f>
+                      <m:fPr>
+                        <m:ctrlPr>
+                          <a:rPr lang="de-DE" i="1">
+                            <a:latin typeface="Cambria Math" panose="02040503050406030204" pitchFamily="18" charset="0"/>
+                          </a:rPr>
+                        </m:ctrlPr>
+                      </m:fPr>
+                      <m:num>
+                        <m:r>
+                          <a:rPr lang="de-DE" i="1">
+                            <a:latin typeface="Cambria Math" panose="02040503050406030204" pitchFamily="18" charset="0"/>
+                          </a:rPr>
+                          <m:t>𝜋</m:t>
+                        </m:r>
+                      </m:num>
+                      <m:den>
+                        <m:r>
+                          <a:rPr lang="de-DE" i="1">
+                            <a:latin typeface="Cambria Math" panose="02040503050406030204" pitchFamily="18" charset="0"/>
+                          </a:rPr>
+                          <m:t>2</m:t>
+                        </m:r>
+                      </m:den>
+                    </m:f>
+                  </m:oMath>
+                </a14:m>
+                <a:r>
+                  <a:rPr lang="de-DE" dirty="0"/>
+                  <a:t> or </a:t>
+                </a:r>
+                <a14:m>
+                  <m:oMath xmlns:m="http://schemas.openxmlformats.org/officeDocument/2006/math">
+                    <m:r>
+                      <a:rPr lang="de-DE" i="1">
+                        <a:latin typeface="Cambria Math" panose="02040503050406030204" pitchFamily="18" charset="0"/>
+                      </a:rPr>
+                      <m:t>𝜑</m:t>
+                    </m:r>
+                    <m:r>
+                      <a:rPr lang="de-DE" i="1">
+                        <a:latin typeface="Cambria Math" panose="02040503050406030204" pitchFamily="18" charset="0"/>
+                      </a:rPr>
+                      <m:t>=−</m:t>
+                    </m:r>
+                    <m:f>
+                      <m:fPr>
+                        <m:ctrlPr>
+                          <a:rPr lang="de-DE" i="1">
+                            <a:latin typeface="Cambria Math" panose="02040503050406030204" pitchFamily="18" charset="0"/>
+                          </a:rPr>
+                        </m:ctrlPr>
+                      </m:fPr>
+                      <m:num>
+                        <m:r>
+                          <a:rPr lang="de-DE" i="1">
+                            <a:latin typeface="Cambria Math" panose="02040503050406030204" pitchFamily="18" charset="0"/>
+                          </a:rPr>
+                          <m:t>𝜋</m:t>
+                        </m:r>
+                      </m:num>
+                      <m:den>
+                        <m:r>
+                          <a:rPr lang="de-DE" i="1">
+                            <a:latin typeface="Cambria Math" panose="02040503050406030204" pitchFamily="18" charset="0"/>
+                          </a:rPr>
+                          <m:t>2</m:t>
+                        </m:r>
+                      </m:den>
+                    </m:f>
+                  </m:oMath>
+                </a14:m>
+                <a:endParaRPr lang="de-DE" dirty="0"/>
+              </a:p>
+              <a:p>
+                <a:pPr marL="0" indent="0">
+                  <a:buNone/>
+                </a:pPr>
+                <a:endParaRPr lang="de-DE" dirty="0"/>
+              </a:p>
+              <a:p>
+                <a:pPr marL="0" indent="0">
+                  <a:buNone/>
+                </a:pPr>
+                <a:r>
+                  <a:rPr lang="de-DE" dirty="0" err="1"/>
+                  <a:t>average</a:t>
+                </a:r>
+                <a:r>
+                  <a:rPr lang="de-DE" dirty="0"/>
+                  <a:t> power:			</a:t>
+                </a:r>
+                <a14:m>
+                  <m:oMath xmlns:m="http://schemas.openxmlformats.org/officeDocument/2006/math">
+                    <m:r>
+                      <a:rPr lang="de-DE" i="1">
+                        <a:latin typeface="Cambria Math" panose="02040503050406030204" pitchFamily="18" charset="0"/>
+                      </a:rPr>
+                      <m:t>𝑃</m:t>
+                    </m:r>
+                    <m:r>
+                      <a:rPr lang="de-DE" i="1">
+                        <a:latin typeface="Cambria Math" panose="02040503050406030204" pitchFamily="18" charset="0"/>
+                      </a:rPr>
+                      <m:t>=</m:t>
+                    </m:r>
+                    <m:r>
+                      <a:rPr lang="de-DE" i="1">
+                        <a:latin typeface="Cambria Math" panose="02040503050406030204" pitchFamily="18" charset="0"/>
+                      </a:rPr>
+                      <m:t>𝑈𝐼</m:t>
+                    </m:r>
+                    <m:r>
+                      <a:rPr lang="de-DE" i="1">
+                        <a:latin typeface="Cambria Math" panose="02040503050406030204" pitchFamily="18" charset="0"/>
+                      </a:rPr>
+                      <m:t>∙</m:t>
+                    </m:r>
+                    <m:func>
+                      <m:funcPr>
+                        <m:ctrlPr>
+                          <a:rPr lang="de-DE" i="1">
+                            <a:latin typeface="Cambria Math" panose="02040503050406030204" pitchFamily="18" charset="0"/>
+                          </a:rPr>
+                        </m:ctrlPr>
+                      </m:funcPr>
+                      <m:fName>
+                        <m:r>
+                          <m:rPr>
+                            <m:sty m:val="p"/>
+                          </m:rPr>
+                          <a:rPr lang="de-DE">
+                            <a:latin typeface="Cambria Math" panose="02040503050406030204" pitchFamily="18" charset="0"/>
+                          </a:rPr>
+                          <m:t>cos</m:t>
+                        </m:r>
+                      </m:fName>
+                      <m:e>
+                        <m:r>
+                          <a:rPr lang="de-DE" i="1">
+                            <a:latin typeface="Cambria Math" panose="02040503050406030204" pitchFamily="18" charset="0"/>
+                          </a:rPr>
+                          <m:t>𝜑</m:t>
+                        </m:r>
+                      </m:e>
+                    </m:func>
+                  </m:oMath>
+                </a14:m>
+                <a:endParaRPr lang="de-DE" dirty="0"/>
+              </a:p>
+              <a:p>
+                <a:pPr marL="0" indent="0">
+                  <a:buNone/>
+                </a:pPr>
+                <a:endParaRPr lang="de-DE" dirty="0"/>
+              </a:p>
+              <a:p>
+                <a:pPr marL="0" indent="0">
+                  <a:buNone/>
+                </a:pPr>
+                <a:r>
+                  <a:rPr lang="de-DE" dirty="0"/>
+                  <a:t>apparent power:			</a:t>
+                </a:r>
+                <a14:m>
+                  <m:oMath xmlns:m="http://schemas.openxmlformats.org/officeDocument/2006/math">
+                    <m:r>
+                      <a:rPr lang="de-DE" i="1">
+                        <a:latin typeface="Cambria Math" panose="02040503050406030204" pitchFamily="18" charset="0"/>
+                      </a:rPr>
+                      <m:t>𝑆</m:t>
+                    </m:r>
+                    <m:r>
+                      <a:rPr lang="de-DE" i="1">
+                        <a:latin typeface="Cambria Math" panose="02040503050406030204" pitchFamily="18" charset="0"/>
+                      </a:rPr>
+                      <m:t>=</m:t>
+                    </m:r>
+                    <m:r>
+                      <a:rPr lang="de-DE" i="1">
+                        <a:latin typeface="Cambria Math" panose="02040503050406030204" pitchFamily="18" charset="0"/>
+                      </a:rPr>
+                      <m:t>𝑈</m:t>
+                    </m:r>
+                    <m:r>
+                      <a:rPr lang="de-DE" i="1">
+                        <a:latin typeface="Cambria Math" panose="02040503050406030204" pitchFamily="18" charset="0"/>
+                      </a:rPr>
+                      <m:t>∙</m:t>
+                    </m:r>
+                    <m:r>
+                      <a:rPr lang="de-DE" i="1">
+                        <a:latin typeface="Cambria Math" panose="02040503050406030204" pitchFamily="18" charset="0"/>
+                      </a:rPr>
+                      <m:t>𝐼</m:t>
+                    </m:r>
+                  </m:oMath>
+                </a14:m>
+                <a:endParaRPr lang="de-DE" dirty="0"/>
+              </a:p>
+              <a:p>
+                <a:pPr marL="0" indent="0">
+                  <a:buNone/>
+                </a:pPr>
+                <a14:m>
+                  <m:oMathPara xmlns:m="http://schemas.openxmlformats.org/officeDocument/2006/math">
+                    <m:oMathParaPr>
+                      <m:jc m:val="centerGroup"/>
+                    </m:oMathParaPr>
+                    <m:oMath xmlns:m="http://schemas.openxmlformats.org/officeDocument/2006/math">
+                      <m:d>
+                        <m:dPr>
+                          <m:begChr m:val="["/>
+                          <m:endChr m:val="]"/>
+                          <m:ctrlPr>
+                            <a:rPr lang="de-DE" i="1">
+                              <a:latin typeface="Cambria Math" panose="02040503050406030204" pitchFamily="18" charset="0"/>
+                            </a:rPr>
+                          </m:ctrlPr>
+                        </m:dPr>
+                        <m:e>
+                          <m:r>
+                            <a:rPr lang="de-DE" i="1">
+                              <a:latin typeface="Cambria Math" panose="02040503050406030204" pitchFamily="18" charset="0"/>
+                            </a:rPr>
+                            <m:t>𝑆</m:t>
+                          </m:r>
+                        </m:e>
+                      </m:d>
+                      <m:r>
+                        <a:rPr lang="de-DE" i="1">
+                          <a:latin typeface="Cambria Math" panose="02040503050406030204" pitchFamily="18" charset="0"/>
+                        </a:rPr>
+                        <m:t>=1</m:t>
+                      </m:r>
+                      <m:r>
+                        <a:rPr lang="de-DE" b="0" i="0" smtClean="0">
+                          <a:latin typeface="Cambria Math" panose="02040503050406030204" pitchFamily="18" charset="0"/>
+                        </a:rPr>
+                        <m:t> </m:t>
+                      </m:r>
+                      <m:r>
+                        <m:rPr>
+                          <m:sty m:val="p"/>
+                        </m:rPr>
+                        <a:rPr lang="de-DE" i="0">
+                          <a:latin typeface="Cambria Math" panose="02040503050406030204" pitchFamily="18" charset="0"/>
+                        </a:rPr>
+                        <m:t>VA</m:t>
+                      </m:r>
+                    </m:oMath>
+                  </m:oMathPara>
+                </a14:m>
+                <a:endParaRPr lang="de-DE" dirty="0"/>
+              </a:p>
+              <a:p>
+                <a:pPr marL="0" indent="0">
+                  <a:buNone/>
+                </a:pPr>
+                <a:endParaRPr lang="de-DE" dirty="0"/>
+              </a:p>
+              <a:p>
+                <a:pPr marL="0" indent="0">
+                  <a:buNone/>
+                </a:pPr>
+                <a:r>
+                  <a:rPr lang="de-DE" dirty="0" err="1"/>
+                  <a:t>electrical</a:t>
+                </a:r>
+                <a:r>
+                  <a:rPr lang="de-DE" dirty="0"/>
+                  <a:t> </a:t>
+                </a:r>
+                <a:r>
+                  <a:rPr lang="de-DE" dirty="0" err="1"/>
+                  <a:t>devices</a:t>
+                </a:r>
+                <a:r>
+                  <a:rPr lang="de-DE" dirty="0"/>
+                  <a:t> </a:t>
+                </a:r>
+                <a:r>
+                  <a:rPr lang="de-DE" dirty="0" err="1"/>
+                  <a:t>must</a:t>
+                </a:r>
+                <a:r>
+                  <a:rPr lang="de-DE" dirty="0"/>
+                  <a:t> </a:t>
+                </a:r>
+                <a:r>
+                  <a:rPr lang="de-DE" dirty="0" err="1"/>
+                  <a:t>be</a:t>
+                </a:r>
+                <a:r>
+                  <a:rPr lang="de-DE" dirty="0"/>
+                  <a:t> </a:t>
+                </a:r>
+                <a:r>
+                  <a:rPr lang="de-DE" dirty="0" err="1"/>
+                  <a:t>designed</a:t>
+                </a:r>
+                <a:r>
+                  <a:rPr lang="de-DE" dirty="0"/>
+                  <a:t> </a:t>
+                </a:r>
+                <a:r>
+                  <a:rPr lang="de-DE" dirty="0" err="1"/>
+                  <a:t>for</a:t>
+                </a:r>
+                <a:r>
+                  <a:rPr lang="de-DE" dirty="0"/>
+                  <a:t> </a:t>
+                </a:r>
+                <a:r>
+                  <a:rPr lang="de-DE" dirty="0" err="1"/>
+                  <a:t>the</a:t>
+                </a:r>
+                <a:r>
+                  <a:rPr lang="de-DE" dirty="0"/>
+                  <a:t> apparent power </a:t>
+                </a:r>
+                <a:r>
+                  <a:rPr lang="de-DE" dirty="0" err="1"/>
+                  <a:t>to</a:t>
+                </a:r>
+                <a:r>
+                  <a:rPr lang="de-DE" dirty="0"/>
+                  <a:t> </a:t>
+                </a:r>
+                <a:r>
+                  <a:rPr lang="de-DE" dirty="0" err="1"/>
+                  <a:t>be</a:t>
+                </a:r>
+                <a:r>
+                  <a:rPr lang="de-DE" dirty="0"/>
+                  <a:t> </a:t>
+                </a:r>
+                <a:r>
+                  <a:rPr lang="de-DE" dirty="0" err="1"/>
+                  <a:t>transmitted</a:t>
+                </a:r>
+                <a:endParaRPr lang="de-DE" dirty="0"/>
+              </a:p>
+            </p:txBody>
+          </p:sp>
+        </mc:Choice>
+        <mc:Fallback>
+          <p:sp>
+            <p:nvSpPr>
+              <p:cNvPr id="3" name="Inhaltsplatzhalter 2">
+                <a:extLst>
+                  <a:ext uri="{FF2B5EF4-FFF2-40B4-BE49-F238E27FC236}">
+                    <a16:creationId xmlns:a16="http://schemas.microsoft.com/office/drawing/2014/main" id="{6B9F6663-83FC-1090-5E41-79339626F248}"/>
+                  </a:ext>
+                </a:extLst>
+              </p:cNvPr>
+              <p:cNvSpPr>
+                <a:spLocks noGrp="1" noRot="1" noChangeAspect="1" noMove="1" noResize="1" noEditPoints="1" noAdjustHandles="1" noChangeArrowheads="1" noChangeShapeType="1" noTextEdit="1"/>
+              </p:cNvSpPr>
+              <p:nvPr>
+                <p:ph idx="1"/>
+              </p:nvPr>
+            </p:nvSpPr>
+            <p:spPr>
+              <a:xfrm>
+                <a:off x="838200" y="1690688"/>
+                <a:ext cx="10515600" cy="5030787"/>
+              </a:xfrm>
+              <a:blipFill>
+                <a:blip r:embed="rId2"/>
+                <a:stretch>
+                  <a:fillRect l="-965" t="-2513" b="-1005"/>
+                </a:stretch>
+              </a:blipFill>
+            </p:spPr>
+            <p:txBody>
+              <a:bodyPr/>
+              <a:lstStyle/>
+              <a:p>
+                <a:r>
+                  <a:rPr lang="de-DE">
+                    <a:noFill/>
+                  </a:rPr>
+                  <a:t> </a:t>
+                </a:r>
+              </a:p>
+            </p:txBody>
+          </p:sp>
+        </mc:Fallback>
+      </mc:AlternateContent>
+      <p:sp>
+        <p:nvSpPr>
+          <p:cNvPr id="4" name="Foliennummernplatzhalter 3">
+            <a:extLst>
+              <a:ext uri="{FF2B5EF4-FFF2-40B4-BE49-F238E27FC236}">
+                <a16:creationId xmlns:a16="http://schemas.microsoft.com/office/drawing/2014/main" id="{BAD6BB31-1D64-B5A9-AF37-6722C4E7CA52}"/>
+              </a:ext>
+            </a:extLst>
+          </p:cNvPr>
+          <p:cNvSpPr>
+            <a:spLocks noGrp="1"/>
+          </p:cNvSpPr>
+          <p:nvPr>
+            <p:ph type="sldNum" sz="quarter" idx="12"/>
+          </p:nvPr>
+        </p:nvSpPr>
+        <p:spPr/>
+        <p:txBody>
+          <a:bodyPr/>
+          <a:lstStyle/>
+          <a:p>
+            <a:fld id="{C3D1D914-B947-8E44-8E93-2211406D860E}" type="slidenum">
+              <a:rPr lang="de-DE" smtClean="0"/>
+              <a:t>25</a:t>
+            </a:fld>
+            <a:endParaRPr lang="de-DE"/>
+          </a:p>
+        </p:txBody>
+      </p:sp>
+    </p:spTree>
+    <p:extLst>
+      <p:ext uri="{BB962C8B-B14F-4D97-AF65-F5344CB8AC3E}">
+        <p14:creationId xmlns:p14="http://schemas.microsoft.com/office/powerpoint/2010/main" val="4080946711"/>
+      </p:ext>
+    </p:extLst>
+  </p:cSld>
+  <p:clrMapOvr>
+    <a:masterClrMapping/>
+  </p:clrMapOvr>
+</p:sld>
+</file>
+
+<file path=ppt/slides/slide26.xml><?xml version="1.0" encoding="utf-8"?>
+<p:sld xmlns:a="http://schemas.openxmlformats.org/drawingml/2006/main" xmlns:r="http://schemas.openxmlformats.org/officeDocument/2006/relationships" xmlns:p="http://schemas.openxmlformats.org/presentationml/2006/main">
+  <p:cSld>
+    <p:spTree>
+      <p:nvGrpSpPr>
+        <p:cNvPr id="1" name=""/>
+        <p:cNvGrpSpPr/>
+        <p:nvPr/>
+      </p:nvGrpSpPr>
+      <p:grpSpPr>
+        <a:xfrm>
+          <a:off x="0" y="0"/>
+          <a:ext cx="0" cy="0"/>
+          <a:chOff x="0" y="0"/>
+          <a:chExt cx="0" cy="0"/>
+        </a:xfrm>
+      </p:grpSpPr>
+      <p:sp>
+        <p:nvSpPr>
+          <p:cNvPr id="2" name="Titel 1">
+            <a:extLst>
+              <a:ext uri="{FF2B5EF4-FFF2-40B4-BE49-F238E27FC236}">
+                <a16:creationId xmlns:a16="http://schemas.microsoft.com/office/drawing/2014/main" id="{DBFDA4CA-0F63-5395-EC4C-2EE886109C1D}"/>
+              </a:ext>
+            </a:extLst>
+          </p:cNvPr>
+          <p:cNvSpPr>
+            <a:spLocks noGrp="1"/>
+          </p:cNvSpPr>
+          <p:nvPr>
+            <p:ph type="title"/>
+          </p:nvPr>
+        </p:nvSpPr>
+        <p:spPr/>
+        <p:txBody>
+          <a:bodyPr/>
+          <a:lstStyle/>
+          <a:p>
+            <a:r>
+              <a:rPr lang="de-DE" dirty="0" err="1"/>
+              <a:t>Complex</a:t>
+            </a:r>
+            <a:r>
+              <a:rPr lang="de-DE" dirty="0"/>
+              <a:t> Power</a:t>
+            </a:r>
+          </a:p>
+        </p:txBody>
+      </p:sp>
+      <mc:AlternateContent xmlns:mc="http://schemas.openxmlformats.org/markup-compatibility/2006">
+        <mc:Choice xmlns:a14="http://schemas.microsoft.com/office/drawing/2010/main" Requires="a14">
+          <p:sp>
+            <p:nvSpPr>
+              <p:cNvPr id="3" name="Inhaltsplatzhalter 2">
+                <a:extLst>
+                  <a:ext uri="{FF2B5EF4-FFF2-40B4-BE49-F238E27FC236}">
+                    <a16:creationId xmlns:a16="http://schemas.microsoft.com/office/drawing/2014/main" id="{FF484A80-9141-98FA-CF26-0B56B2ADA72B}"/>
+                  </a:ext>
+                </a:extLst>
+              </p:cNvPr>
+              <p:cNvSpPr>
+                <a:spLocks noGrp="1"/>
+              </p:cNvSpPr>
+              <p:nvPr>
+                <p:ph idx="1"/>
+              </p:nvPr>
+            </p:nvSpPr>
+            <p:spPr/>
+            <p:txBody>
+              <a:bodyPr>
+                <a:normAutofit/>
+              </a:bodyPr>
+              <a:lstStyle/>
+              <a:p>
+                <a:pPr marL="0" indent="0" algn="ctr">
+                  <a:buNone/>
+                </a:pPr>
+                <a14:m>
+                  <m:oMathPara xmlns:m="http://schemas.openxmlformats.org/officeDocument/2006/math">
+                    <m:oMathParaPr>
+                      <m:jc m:val="left"/>
+                    </m:oMathParaPr>
+                    <m:oMath xmlns:m="http://schemas.openxmlformats.org/officeDocument/2006/math">
+                      <m:bar>
+                        <m:barPr>
+                          <m:ctrlPr>
+                            <a:rPr lang="de-DE" sz="2600" i="1" smtClean="0">
+                              <a:latin typeface="Cambria Math" panose="02040503050406030204" pitchFamily="18" charset="0"/>
+                            </a:rPr>
+                          </m:ctrlPr>
+                        </m:barPr>
+                        <m:e>
+                          <m:r>
+                            <a:rPr lang="de-DE" sz="2600" i="1">
+                              <a:latin typeface="Cambria Math" panose="02040503050406030204" pitchFamily="18" charset="0"/>
+                            </a:rPr>
+                            <m:t>𝑆</m:t>
+                          </m:r>
+                        </m:e>
+                      </m:bar>
+                      <m:r>
+                        <a:rPr lang="de-DE" sz="2600" i="1">
+                          <a:latin typeface="Cambria Math" panose="02040503050406030204" pitchFamily="18" charset="0"/>
+                        </a:rPr>
+                        <m:t>=</m:t>
+                      </m:r>
+                      <m:bar>
+                        <m:barPr>
+                          <m:ctrlPr>
+                            <a:rPr lang="de-DE" sz="2600" i="1">
+                              <a:latin typeface="Cambria Math" panose="02040503050406030204" pitchFamily="18" charset="0"/>
+                            </a:rPr>
+                          </m:ctrlPr>
+                        </m:barPr>
+                        <m:e>
+                          <m:r>
+                            <a:rPr lang="de-DE" sz="2600" i="1">
+                              <a:latin typeface="Cambria Math" panose="02040503050406030204" pitchFamily="18" charset="0"/>
+                            </a:rPr>
+                            <m:t>𝑈</m:t>
+                          </m:r>
+                        </m:e>
+                      </m:bar>
+                      <m:r>
+                        <a:rPr lang="de-DE" sz="2600" i="1">
+                          <a:latin typeface="Cambria Math" panose="02040503050406030204" pitchFamily="18" charset="0"/>
+                        </a:rPr>
+                        <m:t>∙</m:t>
+                      </m:r>
+                      <m:sSup>
+                        <m:sSupPr>
+                          <m:ctrlPr>
+                            <a:rPr lang="de-DE" sz="2600" i="1">
+                              <a:latin typeface="Cambria Math" panose="02040503050406030204" pitchFamily="18" charset="0"/>
+                            </a:rPr>
+                          </m:ctrlPr>
+                        </m:sSupPr>
+                        <m:e>
+                          <m:bar>
+                            <m:barPr>
+                              <m:ctrlPr>
+                                <a:rPr lang="de-DE" sz="2600" i="1">
+                                  <a:latin typeface="Cambria Math" panose="02040503050406030204" pitchFamily="18" charset="0"/>
+                                </a:rPr>
+                              </m:ctrlPr>
+                            </m:barPr>
+                            <m:e>
+                              <m:r>
+                                <a:rPr lang="de-DE" sz="2600" i="1">
+                                  <a:latin typeface="Cambria Math" panose="02040503050406030204" pitchFamily="18" charset="0"/>
+                                </a:rPr>
+                                <m:t>𝐼</m:t>
+                              </m:r>
+                            </m:e>
+                          </m:bar>
+                        </m:e>
+                        <m:sup>
+                          <m:r>
+                            <a:rPr lang="de-DE" sz="2600" i="1">
+                              <a:latin typeface="Cambria Math" panose="02040503050406030204" pitchFamily="18" charset="0"/>
+                            </a:rPr>
+                            <m:t>∗</m:t>
+                          </m:r>
+                        </m:sup>
+                      </m:sSup>
+                      <m:r>
+                        <a:rPr lang="de-DE" sz="2600" i="1">
+                          <a:latin typeface="Cambria Math" panose="02040503050406030204" pitchFamily="18" charset="0"/>
+                        </a:rPr>
+                        <m:t>=</m:t>
+                      </m:r>
+                      <m:r>
+                        <a:rPr lang="de-DE" sz="2600" i="1">
+                          <a:latin typeface="Cambria Math" panose="02040503050406030204" pitchFamily="18" charset="0"/>
+                        </a:rPr>
+                        <m:t>𝑈</m:t>
+                      </m:r>
+                      <m:sSup>
+                        <m:sSupPr>
+                          <m:ctrlPr>
+                            <a:rPr lang="de-DE" sz="2600" i="1">
+                              <a:latin typeface="Cambria Math" panose="02040503050406030204" pitchFamily="18" charset="0"/>
+                            </a:rPr>
+                          </m:ctrlPr>
+                        </m:sSupPr>
+                        <m:e>
+                          <m:r>
+                            <a:rPr lang="de-DE" sz="2600" i="1">
+                              <a:latin typeface="Cambria Math" panose="02040503050406030204" pitchFamily="18" charset="0"/>
+                            </a:rPr>
+                            <m:t>𝑒</m:t>
+                          </m:r>
+                        </m:e>
+                        <m:sup>
+                          <m:r>
+                            <a:rPr lang="de-DE" sz="2600" i="1">
+                              <a:latin typeface="Cambria Math" panose="02040503050406030204" pitchFamily="18" charset="0"/>
+                            </a:rPr>
+                            <m:t>𝑗</m:t>
+                          </m:r>
+                          <m:sSub>
+                            <m:sSubPr>
+                              <m:ctrlPr>
+                                <a:rPr lang="de-DE" sz="2600" i="1">
+                                  <a:latin typeface="Cambria Math" panose="02040503050406030204" pitchFamily="18" charset="0"/>
+                                </a:rPr>
+                              </m:ctrlPr>
+                            </m:sSubPr>
+                            <m:e>
+                              <m:r>
+                                <a:rPr lang="de-DE" sz="2600" i="1">
+                                  <a:latin typeface="Cambria Math" panose="02040503050406030204" pitchFamily="18" charset="0"/>
+                                </a:rPr>
+                                <m:t>𝜑</m:t>
+                              </m:r>
+                            </m:e>
+                            <m:sub>
+                              <m:r>
+                                <a:rPr lang="de-DE" sz="2600" i="1">
+                                  <a:latin typeface="Cambria Math" panose="02040503050406030204" pitchFamily="18" charset="0"/>
+                                </a:rPr>
+                                <m:t>𝑢</m:t>
+                              </m:r>
+                            </m:sub>
+                          </m:sSub>
+                        </m:sup>
+                      </m:sSup>
+                      <m:r>
+                        <a:rPr lang="de-DE" sz="2600" i="1">
+                          <a:latin typeface="Cambria Math" panose="02040503050406030204" pitchFamily="18" charset="0"/>
+                        </a:rPr>
+                        <m:t>𝐼</m:t>
+                      </m:r>
+                      <m:sSup>
+                        <m:sSupPr>
+                          <m:ctrlPr>
+                            <a:rPr lang="de-DE" sz="2600" i="1">
+                              <a:latin typeface="Cambria Math" panose="02040503050406030204" pitchFamily="18" charset="0"/>
+                            </a:rPr>
+                          </m:ctrlPr>
+                        </m:sSupPr>
+                        <m:e>
+                          <m:r>
+                            <a:rPr lang="de-DE" sz="2600" i="1">
+                              <a:latin typeface="Cambria Math" panose="02040503050406030204" pitchFamily="18" charset="0"/>
+                            </a:rPr>
+                            <m:t>𝑒</m:t>
+                          </m:r>
+                        </m:e>
+                        <m:sup>
+                          <m:sSub>
+                            <m:sSubPr>
+                              <m:ctrlPr>
+                                <a:rPr lang="de-DE" sz="2600" i="1">
+                                  <a:latin typeface="Cambria Math" panose="02040503050406030204" pitchFamily="18" charset="0"/>
+                                </a:rPr>
+                              </m:ctrlPr>
+                            </m:sSubPr>
+                            <m:e>
+                              <m:r>
+                                <a:rPr lang="de-DE" sz="2600" i="1">
+                                  <a:latin typeface="Cambria Math" panose="02040503050406030204" pitchFamily="18" charset="0"/>
+                                </a:rPr>
+                                <m:t>−</m:t>
+                              </m:r>
+                              <m:r>
+                                <a:rPr lang="de-DE" sz="2600" i="1">
+                                  <a:latin typeface="Cambria Math" panose="02040503050406030204" pitchFamily="18" charset="0"/>
+                                </a:rPr>
+                                <m:t>𝑗</m:t>
+                              </m:r>
+                              <m:r>
+                                <a:rPr lang="de-DE" sz="2600" i="1">
+                                  <a:latin typeface="Cambria Math" panose="02040503050406030204" pitchFamily="18" charset="0"/>
+                                </a:rPr>
+                                <m:t>𝜑</m:t>
+                              </m:r>
+                            </m:e>
+                            <m:sub>
+                              <m:r>
+                                <a:rPr lang="de-DE" sz="2600" i="1">
+                                  <a:latin typeface="Cambria Math" panose="02040503050406030204" pitchFamily="18" charset="0"/>
+                                </a:rPr>
+                                <m:t>𝑖</m:t>
+                              </m:r>
+                            </m:sub>
+                          </m:sSub>
+                        </m:sup>
+                      </m:sSup>
+                      <m:r>
+                        <a:rPr lang="de-DE" sz="2600" i="1">
+                          <a:latin typeface="Cambria Math" panose="02040503050406030204" pitchFamily="18" charset="0"/>
+                        </a:rPr>
+                        <m:t>=</m:t>
+                      </m:r>
+                      <m:r>
+                        <a:rPr lang="de-DE" sz="2600" i="1">
+                          <a:latin typeface="Cambria Math" panose="02040503050406030204" pitchFamily="18" charset="0"/>
+                        </a:rPr>
+                        <m:t>𝑆</m:t>
+                      </m:r>
+                      <m:sSup>
+                        <m:sSupPr>
+                          <m:ctrlPr>
+                            <a:rPr lang="de-DE" sz="2600" i="1">
+                              <a:latin typeface="Cambria Math" panose="02040503050406030204" pitchFamily="18" charset="0"/>
+                            </a:rPr>
+                          </m:ctrlPr>
+                        </m:sSupPr>
+                        <m:e>
+                          <m:r>
+                            <a:rPr lang="de-DE" sz="2600" i="1">
+                              <a:latin typeface="Cambria Math" panose="02040503050406030204" pitchFamily="18" charset="0"/>
+                            </a:rPr>
+                            <m:t>𝑒</m:t>
+                          </m:r>
+                        </m:e>
+                        <m:sup>
+                          <m:r>
+                            <a:rPr lang="de-DE" sz="2600" i="1">
+                              <a:latin typeface="Cambria Math" panose="02040503050406030204" pitchFamily="18" charset="0"/>
+                            </a:rPr>
+                            <m:t>𝑗</m:t>
+                          </m:r>
+                          <m:d>
+                            <m:dPr>
+                              <m:ctrlPr>
+                                <a:rPr lang="de-DE" sz="2600" i="1">
+                                  <a:latin typeface="Cambria Math" panose="02040503050406030204" pitchFamily="18" charset="0"/>
+                                </a:rPr>
+                              </m:ctrlPr>
+                            </m:dPr>
+                            <m:e>
+                              <m:sSub>
+                                <m:sSubPr>
+                                  <m:ctrlPr>
+                                    <a:rPr lang="de-DE" sz="2600" i="1">
+                                      <a:latin typeface="Cambria Math" panose="02040503050406030204" pitchFamily="18" charset="0"/>
+                                    </a:rPr>
+                                  </m:ctrlPr>
+                                </m:sSubPr>
+                                <m:e>
+                                  <m:r>
+                                    <a:rPr lang="de-DE" sz="2600" i="1">
+                                      <a:latin typeface="Cambria Math" panose="02040503050406030204" pitchFamily="18" charset="0"/>
+                                    </a:rPr>
+                                    <m:t>𝜑</m:t>
+                                  </m:r>
+                                </m:e>
+                                <m:sub>
+                                  <m:r>
+                                    <a:rPr lang="de-DE" sz="2600" i="1">
+                                      <a:latin typeface="Cambria Math" panose="02040503050406030204" pitchFamily="18" charset="0"/>
+                                    </a:rPr>
+                                    <m:t>𝑢</m:t>
+                                  </m:r>
+                                </m:sub>
+                              </m:sSub>
+                              <m:r>
+                                <a:rPr lang="de-DE" sz="2600" i="1">
+                                  <a:latin typeface="Cambria Math" panose="02040503050406030204" pitchFamily="18" charset="0"/>
+                                </a:rPr>
+                                <m:t>−</m:t>
+                              </m:r>
+                              <m:sSub>
+                                <m:sSubPr>
+                                  <m:ctrlPr>
+                                    <a:rPr lang="de-DE" sz="2600" i="1">
+                                      <a:latin typeface="Cambria Math" panose="02040503050406030204" pitchFamily="18" charset="0"/>
+                                    </a:rPr>
+                                  </m:ctrlPr>
+                                </m:sSubPr>
+                                <m:e>
+                                  <m:r>
+                                    <a:rPr lang="de-DE" sz="2600" i="1">
+                                      <a:latin typeface="Cambria Math" panose="02040503050406030204" pitchFamily="18" charset="0"/>
+                                    </a:rPr>
+                                    <m:t>𝜑</m:t>
+                                  </m:r>
+                                </m:e>
+                                <m:sub>
+                                  <m:r>
+                                    <a:rPr lang="de-DE" sz="2600" i="1">
+                                      <a:latin typeface="Cambria Math" panose="02040503050406030204" pitchFamily="18" charset="0"/>
+                                    </a:rPr>
+                                    <m:t>𝑖</m:t>
+                                  </m:r>
+                                </m:sub>
+                              </m:sSub>
+                            </m:e>
+                          </m:d>
+                        </m:sup>
+                      </m:sSup>
+                    </m:oMath>
+                  </m:oMathPara>
+                </a14:m>
+                <a:endParaRPr lang="de-DE" sz="2600" dirty="0"/>
+              </a:p>
+              <a:p>
+                <a:pPr marL="0" indent="0" algn="ctr">
+                  <a:buNone/>
+                </a:pPr>
+                <a:endParaRPr lang="de-DE" sz="2600" dirty="0"/>
+              </a:p>
+              <a:p>
+                <a:pPr marL="0" indent="0" algn="ctr">
+                  <a:buNone/>
+                </a:pPr>
+                <a14:m>
+                  <m:oMathPara xmlns:m="http://schemas.openxmlformats.org/officeDocument/2006/math">
+                    <m:oMathParaPr>
+                      <m:jc m:val="left"/>
+                    </m:oMathParaPr>
+                    <m:oMath xmlns:m="http://schemas.openxmlformats.org/officeDocument/2006/math">
+                      <m:bar>
+                        <m:barPr>
+                          <m:ctrlPr>
+                            <a:rPr lang="de-DE" sz="2600" i="1" smtClean="0">
+                              <a:latin typeface="Cambria Math" panose="02040503050406030204" pitchFamily="18" charset="0"/>
+                            </a:rPr>
+                          </m:ctrlPr>
+                        </m:barPr>
+                        <m:e>
+                          <m:r>
+                            <a:rPr lang="de-DE" sz="2600" i="1">
+                              <a:latin typeface="Cambria Math" panose="02040503050406030204" pitchFamily="18" charset="0"/>
+                            </a:rPr>
+                            <m:t>𝑆</m:t>
+                          </m:r>
+                        </m:e>
+                      </m:bar>
+                      <m:r>
+                        <a:rPr lang="de-DE" sz="2600" i="1">
+                          <a:latin typeface="Cambria Math" panose="02040503050406030204" pitchFamily="18" charset="0"/>
+                        </a:rPr>
+                        <m:t>=</m:t>
+                      </m:r>
+                      <m:bar>
+                        <m:barPr>
+                          <m:ctrlPr>
+                            <a:rPr lang="de-DE" sz="2600" i="1">
+                              <a:latin typeface="Cambria Math" panose="02040503050406030204" pitchFamily="18" charset="0"/>
+                            </a:rPr>
+                          </m:ctrlPr>
+                        </m:barPr>
+                        <m:e>
+                          <m:r>
+                            <a:rPr lang="de-DE" sz="2600" i="1">
+                              <a:latin typeface="Cambria Math" panose="02040503050406030204" pitchFamily="18" charset="0"/>
+                            </a:rPr>
+                            <m:t>𝑈</m:t>
+                          </m:r>
+                        </m:e>
+                      </m:bar>
+                      <m:sSup>
+                        <m:sSupPr>
+                          <m:ctrlPr>
+                            <a:rPr lang="de-DE" sz="2600" i="1">
+                              <a:latin typeface="Cambria Math" panose="02040503050406030204" pitchFamily="18" charset="0"/>
+                            </a:rPr>
+                          </m:ctrlPr>
+                        </m:sSupPr>
+                        <m:e>
+                          <m:d>
+                            <m:dPr>
+                              <m:ctrlPr>
+                                <a:rPr lang="de-DE" sz="2600" i="1">
+                                  <a:latin typeface="Cambria Math" panose="02040503050406030204" pitchFamily="18" charset="0"/>
+                                </a:rPr>
+                              </m:ctrlPr>
+                            </m:dPr>
+                            <m:e>
+                              <m:f>
+                                <m:fPr>
+                                  <m:ctrlPr>
+                                    <a:rPr lang="de-DE" sz="2600" i="1">
+                                      <a:latin typeface="Cambria Math" panose="02040503050406030204" pitchFamily="18" charset="0"/>
+                                    </a:rPr>
+                                  </m:ctrlPr>
+                                </m:fPr>
+                                <m:num>
+                                  <m:bar>
+                                    <m:barPr>
+                                      <m:ctrlPr>
+                                        <a:rPr lang="de-DE" sz="2600" i="1">
+                                          <a:latin typeface="Cambria Math" panose="02040503050406030204" pitchFamily="18" charset="0"/>
+                                        </a:rPr>
+                                      </m:ctrlPr>
+                                    </m:barPr>
+                                    <m:e>
+                                      <m:r>
+                                        <a:rPr lang="de-DE" sz="2600" i="1">
+                                          <a:latin typeface="Cambria Math" panose="02040503050406030204" pitchFamily="18" charset="0"/>
+                                        </a:rPr>
+                                        <m:t>𝑈</m:t>
+                                      </m:r>
+                                    </m:e>
+                                  </m:bar>
+                                </m:num>
+                                <m:den>
+                                  <m:bar>
+                                    <m:barPr>
+                                      <m:ctrlPr>
+                                        <a:rPr lang="de-DE" sz="2600" i="1">
+                                          <a:latin typeface="Cambria Math" panose="02040503050406030204" pitchFamily="18" charset="0"/>
+                                        </a:rPr>
+                                      </m:ctrlPr>
+                                    </m:barPr>
+                                    <m:e>
+                                      <m:r>
+                                        <a:rPr lang="de-DE" sz="2600" i="1">
+                                          <a:latin typeface="Cambria Math" panose="02040503050406030204" pitchFamily="18" charset="0"/>
+                                        </a:rPr>
+                                        <m:t>𝑍</m:t>
+                                      </m:r>
+                                    </m:e>
+                                  </m:bar>
+                                </m:den>
+                              </m:f>
+                            </m:e>
+                          </m:d>
+                        </m:e>
+                        <m:sup>
+                          <m:r>
+                            <a:rPr lang="de-DE" sz="2600" i="1">
+                              <a:latin typeface="Cambria Math" panose="02040503050406030204" pitchFamily="18" charset="0"/>
+                            </a:rPr>
+                            <m:t>∗</m:t>
+                          </m:r>
+                        </m:sup>
+                      </m:sSup>
+                      <m:r>
+                        <a:rPr lang="de-DE" sz="2600" i="1">
+                          <a:latin typeface="Cambria Math" panose="02040503050406030204" pitchFamily="18" charset="0"/>
+                        </a:rPr>
+                        <m:t>=</m:t>
+                      </m:r>
+                      <m:bar>
+                        <m:barPr>
+                          <m:ctrlPr>
+                            <a:rPr lang="de-DE" sz="2600" i="1">
+                              <a:latin typeface="Cambria Math" panose="02040503050406030204" pitchFamily="18" charset="0"/>
+                            </a:rPr>
+                          </m:ctrlPr>
+                        </m:barPr>
+                        <m:e>
+                          <m:r>
+                            <a:rPr lang="de-DE" sz="2600" i="1">
+                              <a:latin typeface="Cambria Math" panose="02040503050406030204" pitchFamily="18" charset="0"/>
+                            </a:rPr>
+                            <m:t>𝑈</m:t>
+                          </m:r>
+                        </m:e>
+                      </m:bar>
+                      <m:r>
+                        <a:rPr lang="de-DE" sz="2600" i="1">
+                          <a:latin typeface="Cambria Math" panose="02040503050406030204" pitchFamily="18" charset="0"/>
+                        </a:rPr>
+                        <m:t>∙</m:t>
+                      </m:r>
+                      <m:sSup>
+                        <m:sSupPr>
+                          <m:ctrlPr>
+                            <a:rPr lang="de-DE" sz="2600" i="1">
+                              <a:latin typeface="Cambria Math" panose="02040503050406030204" pitchFamily="18" charset="0"/>
+                            </a:rPr>
+                          </m:ctrlPr>
+                        </m:sSupPr>
+                        <m:e>
+                          <m:bar>
+                            <m:barPr>
+                              <m:ctrlPr>
+                                <a:rPr lang="de-DE" sz="2600" i="1">
+                                  <a:latin typeface="Cambria Math" panose="02040503050406030204" pitchFamily="18" charset="0"/>
+                                </a:rPr>
+                              </m:ctrlPr>
+                            </m:barPr>
+                            <m:e>
+                              <m:r>
+                                <a:rPr lang="de-DE" sz="2600" i="1">
+                                  <a:latin typeface="Cambria Math" panose="02040503050406030204" pitchFamily="18" charset="0"/>
+                                </a:rPr>
+                                <m:t>𝑈</m:t>
+                              </m:r>
+                            </m:e>
+                          </m:bar>
+                        </m:e>
+                        <m:sup>
+                          <m:r>
+                            <a:rPr lang="de-DE" sz="2600" i="1">
+                              <a:latin typeface="Cambria Math" panose="02040503050406030204" pitchFamily="18" charset="0"/>
+                            </a:rPr>
+                            <m:t>∗</m:t>
+                          </m:r>
+                        </m:sup>
+                      </m:sSup>
+                      <m:f>
+                        <m:fPr>
+                          <m:ctrlPr>
+                            <a:rPr lang="de-DE" sz="2600" i="1">
+                              <a:latin typeface="Cambria Math" panose="02040503050406030204" pitchFamily="18" charset="0"/>
+                            </a:rPr>
+                          </m:ctrlPr>
+                        </m:fPr>
+                        <m:num>
+                          <m:r>
+                            <a:rPr lang="de-DE" sz="2600" i="1">
+                              <a:latin typeface="Cambria Math" panose="02040503050406030204" pitchFamily="18" charset="0"/>
+                            </a:rPr>
+                            <m:t>1</m:t>
+                          </m:r>
+                        </m:num>
+                        <m:den>
+                          <m:sSup>
+                            <m:sSupPr>
+                              <m:ctrlPr>
+                                <a:rPr lang="de-DE" sz="2600" i="1">
+                                  <a:latin typeface="Cambria Math" panose="02040503050406030204" pitchFamily="18" charset="0"/>
+                                </a:rPr>
+                              </m:ctrlPr>
+                            </m:sSupPr>
+                            <m:e>
+                              <m:bar>
+                                <m:barPr>
+                                  <m:ctrlPr>
+                                    <a:rPr lang="de-DE" sz="2600" i="1">
+                                      <a:latin typeface="Cambria Math" panose="02040503050406030204" pitchFamily="18" charset="0"/>
+                                    </a:rPr>
+                                  </m:ctrlPr>
+                                </m:barPr>
+                                <m:e>
+                                  <m:r>
+                                    <a:rPr lang="de-DE" sz="2600" i="1">
+                                      <a:latin typeface="Cambria Math" panose="02040503050406030204" pitchFamily="18" charset="0"/>
+                                    </a:rPr>
+                                    <m:t>𝑍</m:t>
+                                  </m:r>
+                                </m:e>
+                              </m:bar>
+                            </m:e>
+                            <m:sup>
+                              <m:r>
+                                <a:rPr lang="de-DE" sz="2600" i="1">
+                                  <a:latin typeface="Cambria Math" panose="02040503050406030204" pitchFamily="18" charset="0"/>
+                                </a:rPr>
+                                <m:t>∗</m:t>
+                              </m:r>
+                            </m:sup>
+                          </m:sSup>
+                        </m:den>
+                      </m:f>
+                      <m:r>
+                        <a:rPr lang="de-DE" sz="2600" i="1">
+                          <a:latin typeface="Cambria Math" panose="02040503050406030204" pitchFamily="18" charset="0"/>
+                        </a:rPr>
+                        <m:t>=</m:t>
+                      </m:r>
+                      <m:f>
+                        <m:fPr>
+                          <m:ctrlPr>
+                            <a:rPr lang="de-DE" sz="2600" i="1">
+                              <a:latin typeface="Cambria Math" panose="02040503050406030204" pitchFamily="18" charset="0"/>
+                            </a:rPr>
+                          </m:ctrlPr>
+                        </m:fPr>
+                        <m:num>
+                          <m:sSup>
+                            <m:sSupPr>
+                              <m:ctrlPr>
+                                <a:rPr lang="de-DE" sz="2600" i="1">
+                                  <a:latin typeface="Cambria Math" panose="02040503050406030204" pitchFamily="18" charset="0"/>
+                                </a:rPr>
+                              </m:ctrlPr>
+                            </m:sSupPr>
+                            <m:e>
+                              <m:r>
+                                <a:rPr lang="de-DE" sz="2600" i="1">
+                                  <a:latin typeface="Cambria Math" panose="02040503050406030204" pitchFamily="18" charset="0"/>
+                                </a:rPr>
+                                <m:t>𝑈</m:t>
+                              </m:r>
+                            </m:e>
+                            <m:sup>
+                              <m:r>
+                                <a:rPr lang="de-DE" sz="2600" i="1">
+                                  <a:latin typeface="Cambria Math" panose="02040503050406030204" pitchFamily="18" charset="0"/>
+                                </a:rPr>
+                                <m:t>2</m:t>
+                              </m:r>
+                            </m:sup>
+                          </m:sSup>
+                        </m:num>
+                        <m:den>
+                          <m:sSup>
+                            <m:sSupPr>
+                              <m:ctrlPr>
+                                <a:rPr lang="de-DE" sz="2600" i="1">
+                                  <a:latin typeface="Cambria Math" panose="02040503050406030204" pitchFamily="18" charset="0"/>
+                                </a:rPr>
+                              </m:ctrlPr>
+                            </m:sSupPr>
+                            <m:e>
+                              <m:bar>
+                                <m:barPr>
+                                  <m:ctrlPr>
+                                    <a:rPr lang="de-DE" sz="2600" i="1">
+                                      <a:latin typeface="Cambria Math" panose="02040503050406030204" pitchFamily="18" charset="0"/>
+                                    </a:rPr>
+                                  </m:ctrlPr>
+                                </m:barPr>
+                                <m:e>
+                                  <m:r>
+                                    <a:rPr lang="de-DE" sz="2600" i="1">
+                                      <a:latin typeface="Cambria Math" panose="02040503050406030204" pitchFamily="18" charset="0"/>
+                                    </a:rPr>
+                                    <m:t>𝑍</m:t>
+                                  </m:r>
+                                </m:e>
+                              </m:bar>
+                            </m:e>
+                            <m:sup>
+                              <m:r>
+                                <a:rPr lang="de-DE" sz="2600" i="1">
+                                  <a:latin typeface="Cambria Math" panose="02040503050406030204" pitchFamily="18" charset="0"/>
+                                </a:rPr>
+                                <m:t>∗</m:t>
+                              </m:r>
+                            </m:sup>
+                          </m:sSup>
+                        </m:den>
+                      </m:f>
+                    </m:oMath>
+                  </m:oMathPara>
+                </a14:m>
+                <a:endParaRPr lang="de-DE" sz="2600" dirty="0"/>
+              </a:p>
+              <a:p>
+                <a:pPr marL="0" indent="0">
+                  <a:buNone/>
+                </a:pPr>
+                <a:endParaRPr lang="de-DE" sz="2600" dirty="0"/>
+              </a:p>
+              <a:p>
+                <a:pPr marL="0" indent="0">
+                  <a:buNone/>
+                </a:pPr>
+                <a14:m>
+                  <m:oMathPara xmlns:m="http://schemas.openxmlformats.org/officeDocument/2006/math">
+                    <m:oMathParaPr>
+                      <m:jc m:val="left"/>
+                    </m:oMathParaPr>
+                    <m:oMath xmlns:m="http://schemas.openxmlformats.org/officeDocument/2006/math">
+                      <m:bar>
+                        <m:barPr>
+                          <m:ctrlPr>
+                            <a:rPr lang="de-DE" sz="2600" i="1">
+                              <a:latin typeface="Cambria Math" panose="02040503050406030204" pitchFamily="18" charset="0"/>
+                            </a:rPr>
+                          </m:ctrlPr>
+                        </m:barPr>
+                        <m:e>
+                          <m:r>
+                            <a:rPr lang="de-DE" sz="2600" i="1">
+                              <a:latin typeface="Cambria Math" panose="02040503050406030204" pitchFamily="18" charset="0"/>
+                            </a:rPr>
+                            <m:t>𝑆</m:t>
+                          </m:r>
+                        </m:e>
+                      </m:bar>
+                      <m:r>
+                        <a:rPr lang="de-DE" sz="2600" i="1">
+                          <a:latin typeface="Cambria Math" panose="02040503050406030204" pitchFamily="18" charset="0"/>
+                        </a:rPr>
+                        <m:t>=</m:t>
+                      </m:r>
+                      <m:f>
+                        <m:fPr>
+                          <m:ctrlPr>
+                            <a:rPr lang="de-DE" sz="2600" i="1">
+                              <a:latin typeface="Cambria Math" panose="02040503050406030204" pitchFamily="18" charset="0"/>
+                            </a:rPr>
+                          </m:ctrlPr>
+                        </m:fPr>
+                        <m:num>
+                          <m:r>
+                            <a:rPr lang="de-DE" sz="2600" i="1">
+                              <a:latin typeface="Cambria Math" panose="02040503050406030204" pitchFamily="18" charset="0"/>
+                            </a:rPr>
+                            <m:t>1</m:t>
+                          </m:r>
+                        </m:num>
+                        <m:den>
+                          <m:r>
+                            <a:rPr lang="de-DE" sz="2600" i="1">
+                              <a:latin typeface="Cambria Math" panose="02040503050406030204" pitchFamily="18" charset="0"/>
+                            </a:rPr>
+                            <m:t>2</m:t>
+                          </m:r>
+                        </m:den>
+                      </m:f>
+                      <m:bar>
+                        <m:barPr>
+                          <m:ctrlPr>
+                            <a:rPr lang="de-DE" sz="2600" i="1">
+                              <a:latin typeface="Cambria Math" panose="02040503050406030204" pitchFamily="18" charset="0"/>
+                            </a:rPr>
+                          </m:ctrlPr>
+                        </m:barPr>
+                        <m:e>
+                          <m:acc>
+                            <m:accPr>
+                              <m:chr m:val="̂"/>
+                              <m:ctrlPr>
+                                <a:rPr lang="de-DE" sz="2600" i="1">
+                                  <a:latin typeface="Cambria Math" panose="02040503050406030204" pitchFamily="18" charset="0"/>
+                                </a:rPr>
+                              </m:ctrlPr>
+                            </m:accPr>
+                            <m:e>
+                              <m:r>
+                                <a:rPr lang="de-DE" sz="2600" i="1">
+                                  <a:latin typeface="Cambria Math" panose="02040503050406030204" pitchFamily="18" charset="0"/>
+                                </a:rPr>
+                                <m:t>𝑢</m:t>
+                              </m:r>
+                              <m:r>
+                                <a:rPr lang="de-DE" sz="2600" i="1">
+                                  <a:latin typeface="Cambria Math" panose="02040503050406030204" pitchFamily="18" charset="0"/>
+                                </a:rPr>
+                                <m:t> </m:t>
+                              </m:r>
+                            </m:e>
+                          </m:acc>
+                        </m:e>
+                      </m:bar>
+                      <m:r>
+                        <a:rPr lang="de-DE" sz="2600" i="1">
+                          <a:latin typeface="Cambria Math" panose="02040503050406030204" pitchFamily="18" charset="0"/>
+                        </a:rPr>
+                        <m:t>∙</m:t>
+                      </m:r>
+                      <m:bar>
+                        <m:barPr>
+                          <m:ctrlPr>
+                            <a:rPr lang="de-DE" sz="2600" i="1">
+                              <a:latin typeface="Cambria Math" panose="02040503050406030204" pitchFamily="18" charset="0"/>
+                            </a:rPr>
+                          </m:ctrlPr>
+                        </m:barPr>
+                        <m:e>
+                          <m:sSup>
+                            <m:sSupPr>
+                              <m:ctrlPr>
+                                <a:rPr lang="de-DE" sz="2600" i="1">
+                                  <a:latin typeface="Cambria Math" panose="02040503050406030204" pitchFamily="18" charset="0"/>
+                                </a:rPr>
+                              </m:ctrlPr>
+                            </m:sSupPr>
+                            <m:e>
+                              <m:acc>
+                                <m:accPr>
+                                  <m:chr m:val="̂"/>
+                                  <m:ctrlPr>
+                                    <a:rPr lang="de-DE" sz="2600" i="1">
+                                      <a:latin typeface="Cambria Math" panose="02040503050406030204" pitchFamily="18" charset="0"/>
+                                    </a:rPr>
+                                  </m:ctrlPr>
+                                </m:accPr>
+                                <m:e>
+                                  <m:r>
+                                    <a:rPr lang="de-DE" sz="2600" i="1">
+                                      <a:latin typeface="Cambria Math" panose="02040503050406030204" pitchFamily="18" charset="0"/>
+                                    </a:rPr>
+                                    <m:t>𝑖</m:t>
+                                  </m:r>
+                                </m:e>
+                              </m:acc>
+                            </m:e>
+                            <m:sup>
+                              <m:r>
+                                <a:rPr lang="de-DE" sz="2600" i="1">
+                                  <a:latin typeface="Cambria Math" panose="02040503050406030204" pitchFamily="18" charset="0"/>
+                                </a:rPr>
+                                <m:t>∗</m:t>
+                              </m:r>
+                            </m:sup>
+                          </m:sSup>
+                        </m:e>
+                      </m:bar>
+                      <m:r>
+                        <a:rPr lang="de-DE" sz="2600" i="1">
+                          <a:latin typeface="Cambria Math" panose="02040503050406030204" pitchFamily="18" charset="0"/>
+                        </a:rPr>
+                        <m:t>=</m:t>
+                      </m:r>
+                      <m:r>
+                        <a:rPr lang="de-DE" sz="2600" i="1">
+                          <a:latin typeface="Cambria Math" panose="02040503050406030204" pitchFamily="18" charset="0"/>
+                        </a:rPr>
+                        <m:t>𝑃</m:t>
+                      </m:r>
+                      <m:r>
+                        <a:rPr lang="de-DE" sz="2600" i="1">
+                          <a:latin typeface="Cambria Math" panose="02040503050406030204" pitchFamily="18" charset="0"/>
+                        </a:rPr>
+                        <m:t>+</m:t>
+                      </m:r>
+                      <m:r>
+                        <a:rPr lang="de-DE" sz="2600" i="1">
+                          <a:latin typeface="Cambria Math" panose="02040503050406030204" pitchFamily="18" charset="0"/>
+                        </a:rPr>
+                        <m:t>𝑗𝑄</m:t>
+                      </m:r>
+                    </m:oMath>
+                  </m:oMathPara>
+                </a14:m>
+                <a:endParaRPr lang="de-DE" sz="2600" dirty="0"/>
+              </a:p>
+              <a:p>
+                <a:pPr marL="0" indent="0">
+                  <a:buNone/>
+                </a:pPr>
+                <a:endParaRPr lang="de-DE" sz="2600" dirty="0"/>
+              </a:p>
+              <a:p>
+                <a:pPr marL="0" indent="0">
+                  <a:buNone/>
+                </a:pPr>
+                <a:r>
+                  <a:rPr lang="de-DE" sz="2600" dirty="0" err="1"/>
+                  <a:t>with</a:t>
+                </a:r>
+                <a:r>
+                  <a:rPr lang="de-DE" sz="2600" dirty="0"/>
+                  <a:t>     </a:t>
+                </a:r>
+                <a14:m>
+                  <m:oMath xmlns:m="http://schemas.openxmlformats.org/officeDocument/2006/math">
+                    <m:r>
+                      <a:rPr lang="de-DE" sz="2600" i="1">
+                        <a:latin typeface="Cambria Math" panose="02040503050406030204" pitchFamily="18" charset="0"/>
+                      </a:rPr>
+                      <m:t>𝑆</m:t>
+                    </m:r>
+                    <m:r>
+                      <a:rPr lang="de-DE" sz="2600" i="1">
+                        <a:latin typeface="Cambria Math" panose="02040503050406030204" pitchFamily="18" charset="0"/>
+                      </a:rPr>
+                      <m:t>=</m:t>
+                    </m:r>
+                    <m:rad>
+                      <m:radPr>
+                        <m:degHide m:val="on"/>
+                        <m:ctrlPr>
+                          <a:rPr lang="de-DE" sz="2600" i="1">
+                            <a:latin typeface="Cambria Math" panose="02040503050406030204" pitchFamily="18" charset="0"/>
+                          </a:rPr>
+                        </m:ctrlPr>
+                      </m:radPr>
+                      <m:deg/>
+                      <m:e>
+                        <m:sSup>
+                          <m:sSupPr>
+                            <m:ctrlPr>
+                              <a:rPr lang="de-DE" sz="2600" i="1">
+                                <a:latin typeface="Cambria Math" panose="02040503050406030204" pitchFamily="18" charset="0"/>
+                              </a:rPr>
+                            </m:ctrlPr>
+                          </m:sSupPr>
+                          <m:e>
+                            <m:r>
+                              <a:rPr lang="de-DE" sz="2600" i="1">
+                                <a:latin typeface="Cambria Math" panose="02040503050406030204" pitchFamily="18" charset="0"/>
+                              </a:rPr>
+                              <m:t>𝑃</m:t>
+                            </m:r>
+                          </m:e>
+                          <m:sup>
+                            <m:r>
+                              <a:rPr lang="de-DE" sz="2600" i="1">
+                                <a:latin typeface="Cambria Math" panose="02040503050406030204" pitchFamily="18" charset="0"/>
+                              </a:rPr>
+                              <m:t>2</m:t>
+                            </m:r>
+                          </m:sup>
+                        </m:sSup>
+                        <m:r>
+                          <a:rPr lang="de-DE" sz="2600" i="1">
+                            <a:latin typeface="Cambria Math" panose="02040503050406030204" pitchFamily="18" charset="0"/>
+                          </a:rPr>
+                          <m:t>+</m:t>
+                        </m:r>
+                        <m:sSup>
+                          <m:sSupPr>
+                            <m:ctrlPr>
+                              <a:rPr lang="de-DE" sz="2600" i="1">
+                                <a:latin typeface="Cambria Math" panose="02040503050406030204" pitchFamily="18" charset="0"/>
+                              </a:rPr>
+                            </m:ctrlPr>
+                          </m:sSupPr>
+                          <m:e>
+                            <m:r>
+                              <a:rPr lang="de-DE" sz="2600" i="1">
+                                <a:latin typeface="Cambria Math" panose="02040503050406030204" pitchFamily="18" charset="0"/>
+                              </a:rPr>
+                              <m:t>𝑄</m:t>
+                            </m:r>
+                          </m:e>
+                          <m:sup>
+                            <m:r>
+                              <a:rPr lang="de-DE" sz="2600" i="1">
+                                <a:latin typeface="Cambria Math" panose="02040503050406030204" pitchFamily="18" charset="0"/>
+                              </a:rPr>
+                              <m:t>2</m:t>
+                            </m:r>
+                          </m:sup>
+                        </m:sSup>
+                      </m:e>
+                    </m:rad>
+                    <m:r>
+                      <a:rPr lang="de-DE" sz="2600" i="1">
+                        <a:latin typeface="Cambria Math" panose="02040503050406030204" pitchFamily="18" charset="0"/>
+                      </a:rPr>
+                      <m:t>=</m:t>
+                    </m:r>
+                    <m:r>
+                      <a:rPr lang="de-DE" sz="2600" i="1">
+                        <a:latin typeface="Cambria Math" panose="02040503050406030204" pitchFamily="18" charset="0"/>
+                      </a:rPr>
+                      <m:t>𝑈</m:t>
+                    </m:r>
+                    <m:r>
+                      <a:rPr lang="de-DE" sz="2600" i="1">
+                        <a:latin typeface="Cambria Math" panose="02040503050406030204" pitchFamily="18" charset="0"/>
+                      </a:rPr>
+                      <m:t>∙</m:t>
+                    </m:r>
+                    <m:r>
+                      <a:rPr lang="de-DE" sz="2600" i="1">
+                        <a:latin typeface="Cambria Math" panose="02040503050406030204" pitchFamily="18" charset="0"/>
+                      </a:rPr>
+                      <m:t>𝐼</m:t>
+                    </m:r>
+                  </m:oMath>
+                </a14:m>
+                <a:endParaRPr lang="de-DE" sz="2600" dirty="0"/>
+              </a:p>
+            </p:txBody>
+          </p:sp>
+        </mc:Choice>
+        <mc:Fallback>
+          <p:sp>
+            <p:nvSpPr>
+              <p:cNvPr id="3" name="Inhaltsplatzhalter 2">
+                <a:extLst>
+                  <a:ext uri="{FF2B5EF4-FFF2-40B4-BE49-F238E27FC236}">
+                    <a16:creationId xmlns:a16="http://schemas.microsoft.com/office/drawing/2014/main" id="{FF484A80-9141-98FA-CF26-0B56B2ADA72B}"/>
+                  </a:ext>
+                </a:extLst>
+              </p:cNvPr>
+              <p:cNvSpPr>
+                <a:spLocks noGrp="1" noRot="1" noChangeAspect="1" noMove="1" noResize="1" noEditPoints="1" noAdjustHandles="1" noChangeArrowheads="1" noChangeShapeType="1" noTextEdit="1"/>
+              </p:cNvSpPr>
+              <p:nvPr>
+                <p:ph idx="1"/>
+              </p:nvPr>
+            </p:nvSpPr>
+            <p:spPr>
+              <a:blipFill>
+                <a:blip r:embed="rId2"/>
+                <a:stretch>
+                  <a:fillRect l="-1086"/>
+                </a:stretch>
+              </a:blipFill>
+            </p:spPr>
+            <p:txBody>
+              <a:bodyPr/>
+              <a:lstStyle/>
+              <a:p>
+                <a:r>
+                  <a:rPr lang="de-DE">
+                    <a:noFill/>
+                  </a:rPr>
+                  <a:t> </a:t>
+                </a:r>
+              </a:p>
+            </p:txBody>
+          </p:sp>
+        </mc:Fallback>
+      </mc:AlternateContent>
+      <p:sp>
+        <p:nvSpPr>
+          <p:cNvPr id="4" name="Foliennummernplatzhalter 3">
+            <a:extLst>
+              <a:ext uri="{FF2B5EF4-FFF2-40B4-BE49-F238E27FC236}">
+                <a16:creationId xmlns:a16="http://schemas.microsoft.com/office/drawing/2014/main" id="{28A2380C-D290-5DE0-EF9D-8AFD7BD2743F}"/>
+              </a:ext>
+            </a:extLst>
+          </p:cNvPr>
+          <p:cNvSpPr>
+            <a:spLocks noGrp="1"/>
+          </p:cNvSpPr>
+          <p:nvPr>
+            <p:ph type="sldNum" sz="quarter" idx="12"/>
+          </p:nvPr>
+        </p:nvSpPr>
+        <p:spPr/>
+        <p:txBody>
+          <a:bodyPr/>
+          <a:lstStyle/>
+          <a:p>
+            <a:fld id="{C3D1D914-B947-8E44-8E93-2211406D860E}" type="slidenum">
+              <a:rPr lang="de-DE" smtClean="0"/>
+              <a:t>26</a:t>
+            </a:fld>
+            <a:endParaRPr lang="de-DE"/>
+          </a:p>
+        </p:txBody>
+      </p:sp>
+      <p:pic>
+        <p:nvPicPr>
+          <p:cNvPr id="5" name="Inhaltsplatzhalter 7">
+            <a:extLst>
+              <a:ext uri="{FF2B5EF4-FFF2-40B4-BE49-F238E27FC236}">
+                <a16:creationId xmlns:a16="http://schemas.microsoft.com/office/drawing/2014/main" id="{3004E3E4-B6FF-4C48-6FA2-5B27248A5847}"/>
+              </a:ext>
+            </a:extLst>
+          </p:cNvPr>
+          <p:cNvPicPr>
+            <a:picLocks noChangeAspect="1"/>
+          </p:cNvPicPr>
+          <p:nvPr/>
+        </p:nvPicPr>
+        <p:blipFill>
+          <a:blip r:embed="rId3" cstate="print">
+            <a:extLst>
+              <a:ext uri="{28A0092B-C50C-407E-A947-70E740481C1C}">
+                <a14:useLocalDpi xmlns:a14="http://schemas.microsoft.com/office/drawing/2010/main" val="0"/>
+              </a:ext>
+            </a:extLst>
+          </a:blip>
+          <a:stretch>
+            <a:fillRect/>
+          </a:stretch>
+        </p:blipFill>
+        <p:spPr>
+          <a:xfrm>
+            <a:off x="7223771" y="1380445"/>
+            <a:ext cx="4130029" cy="3636222"/>
+          </a:xfrm>
+          <a:prstGeom prst="rect">
+            <a:avLst/>
+          </a:prstGeom>
+        </p:spPr>
+      </p:pic>
+      <mc:AlternateContent xmlns:mc="http://schemas.openxmlformats.org/markup-compatibility/2006">
+        <mc:Choice xmlns:a14="http://schemas.microsoft.com/office/drawing/2010/main" Requires="a14">
+          <p:sp>
+            <p:nvSpPr>
+              <p:cNvPr id="7" name="Textfeld 6">
+                <a:extLst>
+                  <a:ext uri="{FF2B5EF4-FFF2-40B4-BE49-F238E27FC236}">
+                    <a16:creationId xmlns:a16="http://schemas.microsoft.com/office/drawing/2014/main" id="{F0402CE5-5326-3B4C-BF16-99096AA4AA13}"/>
+                  </a:ext>
+                </a:extLst>
+              </p:cNvPr>
+              <p:cNvSpPr txBox="1"/>
+              <p:nvPr/>
+            </p:nvSpPr>
+            <p:spPr>
+              <a:xfrm>
+                <a:off x="6645442" y="5151604"/>
+                <a:ext cx="5546558" cy="844270"/>
+              </a:xfrm>
+              <a:prstGeom prst="rect">
+                <a:avLst/>
+              </a:prstGeom>
+              <a:noFill/>
+            </p:spPr>
+            <p:txBody>
+              <a:bodyPr wrap="square">
+                <a:spAutoFit/>
+              </a:bodyPr>
+              <a:lstStyle/>
+              <a:p>
+                <a:pPr marL="0" indent="0">
+                  <a:buNone/>
+                </a:pPr>
+                <a14:m>
+                  <m:oMathPara xmlns:m="http://schemas.openxmlformats.org/officeDocument/2006/math">
+                    <m:oMathParaPr>
+                      <m:jc m:val="left"/>
+                    </m:oMathParaPr>
+                    <m:oMath xmlns:m="http://schemas.openxmlformats.org/officeDocument/2006/math">
+                      <m:r>
+                        <a:rPr lang="de-DE" sz="2600" i="1" smtClean="0">
+                          <a:latin typeface="Cambria Math" panose="02040503050406030204" pitchFamily="18" charset="0"/>
+                        </a:rPr>
+                        <m:t>𝜑</m:t>
+                      </m:r>
+                      <m:r>
+                        <a:rPr lang="de-DE" sz="2600" i="1" smtClean="0">
+                          <a:latin typeface="Cambria Math" panose="02040503050406030204" pitchFamily="18" charset="0"/>
+                        </a:rPr>
+                        <m:t>=</m:t>
+                      </m:r>
+                      <m:func>
+                        <m:funcPr>
+                          <m:ctrlPr>
+                            <a:rPr lang="de-DE" sz="2600" i="1">
+                              <a:latin typeface="Cambria Math" panose="02040503050406030204" pitchFamily="18" charset="0"/>
+                            </a:rPr>
+                          </m:ctrlPr>
+                        </m:funcPr>
+                        <m:fName>
+                          <m:sSup>
+                            <m:sSupPr>
+                              <m:ctrlPr>
+                                <a:rPr lang="de-DE" sz="2600" i="1">
+                                  <a:latin typeface="Cambria Math" panose="02040503050406030204" pitchFamily="18" charset="0"/>
+                                </a:rPr>
+                              </m:ctrlPr>
+                            </m:sSupPr>
+                            <m:e>
+                              <m:r>
+                                <m:rPr>
+                                  <m:sty m:val="p"/>
+                                </m:rPr>
+                                <a:rPr lang="de-DE" sz="2600">
+                                  <a:latin typeface="Cambria Math" panose="02040503050406030204" pitchFamily="18" charset="0"/>
+                                </a:rPr>
+                                <m:t>tan</m:t>
+                              </m:r>
+                            </m:e>
+                            <m:sup>
+                              <m:r>
+                                <a:rPr lang="de-DE" sz="2600" i="1">
+                                  <a:latin typeface="Cambria Math" panose="02040503050406030204" pitchFamily="18" charset="0"/>
+                                </a:rPr>
+                                <m:t>−1</m:t>
+                              </m:r>
+                            </m:sup>
+                          </m:sSup>
+                        </m:fName>
+                        <m:e>
+                          <m:f>
+                            <m:fPr>
+                              <m:ctrlPr>
+                                <a:rPr lang="de-DE" sz="2600" i="1">
+                                  <a:latin typeface="Cambria Math" panose="02040503050406030204" pitchFamily="18" charset="0"/>
+                                </a:rPr>
+                              </m:ctrlPr>
+                            </m:fPr>
+                            <m:num>
+                              <m:r>
+                                <a:rPr lang="de-DE" sz="2600" i="1">
+                                  <a:latin typeface="Cambria Math" panose="02040503050406030204" pitchFamily="18" charset="0"/>
+                                </a:rPr>
+                                <m:t>𝑄</m:t>
+                              </m:r>
+                            </m:num>
+                            <m:den>
+                              <m:r>
+                                <a:rPr lang="de-DE" sz="2600" i="1">
+                                  <a:latin typeface="Cambria Math" panose="02040503050406030204" pitchFamily="18" charset="0"/>
+                                </a:rPr>
+                                <m:t>𝑃</m:t>
+                              </m:r>
+                            </m:den>
+                          </m:f>
+                        </m:e>
+                      </m:func>
+                      <m:r>
+                        <a:rPr lang="de-DE" sz="2600" b="0" i="1" smtClean="0">
+                          <a:latin typeface="Cambria Math" panose="02040503050406030204" pitchFamily="18" charset="0"/>
+                        </a:rPr>
+                        <m:t>;   </m:t>
+                      </m:r>
+                      <m:func>
+                        <m:funcPr>
+                          <m:ctrlPr>
+                            <a:rPr lang="de-DE" sz="2600" i="1">
+                              <a:latin typeface="Cambria Math" panose="02040503050406030204" pitchFamily="18" charset="0"/>
+                            </a:rPr>
+                          </m:ctrlPr>
+                        </m:funcPr>
+                        <m:fName>
+                          <m:r>
+                            <m:rPr>
+                              <m:sty m:val="p"/>
+                            </m:rPr>
+                            <a:rPr lang="de-DE" sz="2600">
+                              <a:latin typeface="Cambria Math" panose="02040503050406030204" pitchFamily="18" charset="0"/>
+                            </a:rPr>
+                            <m:t>cos</m:t>
+                          </m:r>
+                        </m:fName>
+                        <m:e>
+                          <m:r>
+                            <a:rPr lang="de-DE" sz="2600" i="1">
+                              <a:latin typeface="Cambria Math" panose="02040503050406030204" pitchFamily="18" charset="0"/>
+                            </a:rPr>
+                            <m:t>𝜑</m:t>
+                          </m:r>
+                        </m:e>
+                      </m:func>
+                      <m:r>
+                        <a:rPr lang="de-DE" sz="2600" i="1">
+                          <a:latin typeface="Cambria Math" panose="02040503050406030204" pitchFamily="18" charset="0"/>
+                        </a:rPr>
+                        <m:t>=</m:t>
+                      </m:r>
+                      <m:f>
+                        <m:fPr>
+                          <m:ctrlPr>
+                            <a:rPr lang="de-DE" sz="2600" i="1">
+                              <a:latin typeface="Cambria Math" panose="02040503050406030204" pitchFamily="18" charset="0"/>
+                            </a:rPr>
+                          </m:ctrlPr>
+                        </m:fPr>
+                        <m:num>
+                          <m:r>
+                            <a:rPr lang="de-DE" sz="2600" i="1">
+                              <a:latin typeface="Cambria Math" panose="02040503050406030204" pitchFamily="18" charset="0"/>
+                            </a:rPr>
+                            <m:t>𝑃</m:t>
+                          </m:r>
+                        </m:num>
+                        <m:den>
+                          <m:r>
+                            <a:rPr lang="de-DE" sz="2600" i="1">
+                              <a:latin typeface="Cambria Math" panose="02040503050406030204" pitchFamily="18" charset="0"/>
+                            </a:rPr>
+                            <m:t>𝑆</m:t>
+                          </m:r>
+                        </m:den>
+                      </m:f>
+                      <m:r>
+                        <a:rPr lang="de-DE" sz="2600" i="1">
+                          <a:latin typeface="Cambria Math" panose="02040503050406030204" pitchFamily="18" charset="0"/>
+                        </a:rPr>
+                        <m:t>;   </m:t>
+                      </m:r>
+                      <m:func>
+                        <m:funcPr>
+                          <m:ctrlPr>
+                            <a:rPr lang="de-DE" sz="2600" i="1">
+                              <a:latin typeface="Cambria Math" panose="02040503050406030204" pitchFamily="18" charset="0"/>
+                            </a:rPr>
+                          </m:ctrlPr>
+                        </m:funcPr>
+                        <m:fName>
+                          <m:r>
+                            <m:rPr>
+                              <m:sty m:val="p"/>
+                            </m:rPr>
+                            <a:rPr lang="de-DE" sz="2600">
+                              <a:latin typeface="Cambria Math" panose="02040503050406030204" pitchFamily="18" charset="0"/>
+                            </a:rPr>
+                            <m:t>sin</m:t>
+                          </m:r>
+                        </m:fName>
+                        <m:e>
+                          <m:r>
+                            <a:rPr lang="de-DE" sz="2600" i="1">
+                              <a:latin typeface="Cambria Math" panose="02040503050406030204" pitchFamily="18" charset="0"/>
+                            </a:rPr>
+                            <m:t>𝜑</m:t>
+                          </m:r>
+                        </m:e>
+                      </m:func>
+                      <m:r>
+                        <a:rPr lang="de-DE" sz="2600" i="1">
+                          <a:latin typeface="Cambria Math" panose="02040503050406030204" pitchFamily="18" charset="0"/>
+                        </a:rPr>
+                        <m:t>=</m:t>
+                      </m:r>
+                      <m:f>
+                        <m:fPr>
+                          <m:ctrlPr>
+                            <a:rPr lang="de-DE" sz="2600" i="1">
+                              <a:latin typeface="Cambria Math" panose="02040503050406030204" pitchFamily="18" charset="0"/>
+                            </a:rPr>
+                          </m:ctrlPr>
+                        </m:fPr>
+                        <m:num>
+                          <m:r>
+                            <a:rPr lang="de-DE" sz="2600" i="1">
+                              <a:latin typeface="Cambria Math" panose="02040503050406030204" pitchFamily="18" charset="0"/>
+                            </a:rPr>
+                            <m:t>𝑄</m:t>
+                          </m:r>
+                        </m:num>
+                        <m:den>
+                          <m:r>
+                            <a:rPr lang="de-DE" sz="2600" i="1">
+                              <a:latin typeface="Cambria Math" panose="02040503050406030204" pitchFamily="18" charset="0"/>
+                            </a:rPr>
+                            <m:t>𝑆</m:t>
+                          </m:r>
+                        </m:den>
+                      </m:f>
+                    </m:oMath>
+                  </m:oMathPara>
+                </a14:m>
+                <a:endParaRPr lang="de-DE" sz="2600" dirty="0"/>
+              </a:p>
+            </p:txBody>
+          </p:sp>
+        </mc:Choice>
+        <mc:Fallback>
+          <p:sp>
+            <p:nvSpPr>
+              <p:cNvPr id="7" name="Textfeld 6">
+                <a:extLst>
+                  <a:ext uri="{FF2B5EF4-FFF2-40B4-BE49-F238E27FC236}">
+                    <a16:creationId xmlns:a16="http://schemas.microsoft.com/office/drawing/2014/main" id="{F0402CE5-5326-3B4C-BF16-99096AA4AA13}"/>
+                  </a:ext>
+                </a:extLst>
+              </p:cNvPr>
+              <p:cNvSpPr txBox="1">
+                <a:spLocks noRot="1" noChangeAspect="1" noMove="1" noResize="1" noEditPoints="1" noAdjustHandles="1" noChangeArrowheads="1" noChangeShapeType="1" noTextEdit="1"/>
+              </p:cNvSpPr>
+              <p:nvPr/>
+            </p:nvSpPr>
+            <p:spPr>
+              <a:xfrm>
+                <a:off x="6645442" y="5151604"/>
+                <a:ext cx="5546558" cy="844270"/>
+              </a:xfrm>
+              <a:prstGeom prst="rect">
+                <a:avLst/>
+              </a:prstGeom>
+              <a:blipFill>
+                <a:blip r:embed="rId4"/>
+                <a:stretch>
+                  <a:fillRect l="-457" b="-5882"/>
+                </a:stretch>
+              </a:blipFill>
+            </p:spPr>
+            <p:txBody>
+              <a:bodyPr/>
+              <a:lstStyle/>
+              <a:p>
+                <a:r>
+                  <a:rPr lang="de-DE">
+                    <a:noFill/>
+                  </a:rPr>
+                  <a:t> </a:t>
+                </a:r>
+              </a:p>
+            </p:txBody>
+          </p:sp>
+        </mc:Fallback>
+      </mc:AlternateContent>
+      <p:sp>
+        <p:nvSpPr>
+          <p:cNvPr id="8" name="Textfeld 7">
+            <a:extLst>
+              <a:ext uri="{FF2B5EF4-FFF2-40B4-BE49-F238E27FC236}">
+                <a16:creationId xmlns:a16="http://schemas.microsoft.com/office/drawing/2014/main" id="{FC5C4776-CD1D-9A0E-01EB-A2F39D5990CE}"/>
+              </a:ext>
+            </a:extLst>
+          </p:cNvPr>
+          <p:cNvSpPr txBox="1"/>
+          <p:nvPr/>
+        </p:nvSpPr>
+        <p:spPr>
+          <a:xfrm>
+            <a:off x="4535905" y="3816628"/>
+            <a:ext cx="1447512" cy="369332"/>
+          </a:xfrm>
+          <a:prstGeom prst="rect">
+            <a:avLst/>
+          </a:prstGeom>
+          <a:noFill/>
+        </p:spPr>
+        <p:txBody>
+          <a:bodyPr wrap="none" rtlCol="0">
+            <a:spAutoFit/>
+          </a:bodyPr>
+          <a:lstStyle/>
+          <a:p>
+            <a:r>
+              <a:rPr lang="de-DE" dirty="0" err="1"/>
+              <a:t>active</a:t>
+            </a:r>
+            <a:r>
+              <a:rPr lang="de-DE" dirty="0"/>
+              <a:t> power</a:t>
+            </a:r>
+          </a:p>
+        </p:txBody>
+      </p:sp>
+      <p:sp>
+        <p:nvSpPr>
+          <p:cNvPr id="9" name="Textfeld 8">
+            <a:extLst>
+              <a:ext uri="{FF2B5EF4-FFF2-40B4-BE49-F238E27FC236}">
+                <a16:creationId xmlns:a16="http://schemas.microsoft.com/office/drawing/2014/main" id="{A2985537-E854-AF38-D0E2-6EF05247F31C}"/>
+              </a:ext>
+            </a:extLst>
+          </p:cNvPr>
+          <p:cNvSpPr txBox="1"/>
+          <p:nvPr/>
+        </p:nvSpPr>
+        <p:spPr>
+          <a:xfrm>
+            <a:off x="4535905" y="4627463"/>
+            <a:ext cx="1643142" cy="369332"/>
+          </a:xfrm>
+          <a:prstGeom prst="rect">
+            <a:avLst/>
+          </a:prstGeom>
+          <a:noFill/>
+        </p:spPr>
+        <p:txBody>
+          <a:bodyPr wrap="none" rtlCol="0">
+            <a:spAutoFit/>
+          </a:bodyPr>
+          <a:lstStyle/>
+          <a:p>
+            <a:r>
+              <a:rPr lang="de-DE" dirty="0" err="1"/>
+              <a:t>reactive</a:t>
+            </a:r>
+            <a:r>
+              <a:rPr lang="de-DE" dirty="0"/>
+              <a:t> power</a:t>
+            </a:r>
+          </a:p>
+        </p:txBody>
+      </p:sp>
+      <p:cxnSp>
+        <p:nvCxnSpPr>
+          <p:cNvPr id="11" name="Gerade Verbindung mit Pfeil 10">
+            <a:extLst>
+              <a:ext uri="{FF2B5EF4-FFF2-40B4-BE49-F238E27FC236}">
+                <a16:creationId xmlns:a16="http://schemas.microsoft.com/office/drawing/2014/main" id="{BC00A056-137D-E1E7-08F0-3756DB33A7E6}"/>
+              </a:ext>
+            </a:extLst>
+          </p:cNvPr>
+          <p:cNvCxnSpPr>
+            <a:stCxn id="8" idx="1"/>
+          </p:cNvCxnSpPr>
+          <p:nvPr/>
+        </p:nvCxnSpPr>
+        <p:spPr>
+          <a:xfrm flipH="1">
+            <a:off x="3188368" y="4001294"/>
+            <a:ext cx="1347537" cy="330074"/>
+          </a:xfrm>
+          <a:prstGeom prst="straightConnector1">
+            <a:avLst/>
+          </a:prstGeom>
+          <a:ln>
+            <a:tailEnd type="triangle"/>
+          </a:ln>
+        </p:spPr>
+        <p:style>
+          <a:lnRef idx="2">
+            <a:schemeClr val="accent1"/>
+          </a:lnRef>
+          <a:fillRef idx="0">
+            <a:schemeClr val="accent1"/>
+          </a:fillRef>
+          <a:effectRef idx="1">
+            <a:schemeClr val="accent1"/>
+          </a:effectRef>
+          <a:fontRef idx="minor">
+            <a:schemeClr val="tx1"/>
+          </a:fontRef>
+        </p:style>
+      </p:cxnSp>
+      <p:cxnSp>
+        <p:nvCxnSpPr>
+          <p:cNvPr id="13" name="Gerade Verbindung mit Pfeil 12">
+            <a:extLst>
+              <a:ext uri="{FF2B5EF4-FFF2-40B4-BE49-F238E27FC236}">
+                <a16:creationId xmlns:a16="http://schemas.microsoft.com/office/drawing/2014/main" id="{919419DE-3D2B-666D-BEB9-95E4C9D4176B}"/>
+              </a:ext>
+            </a:extLst>
+          </p:cNvPr>
+          <p:cNvCxnSpPr>
+            <a:stCxn id="9" idx="1"/>
+          </p:cNvCxnSpPr>
+          <p:nvPr/>
+        </p:nvCxnSpPr>
+        <p:spPr>
+          <a:xfrm flipH="1" flipV="1">
+            <a:off x="3946358" y="4511842"/>
+            <a:ext cx="589547" cy="300287"/>
+          </a:xfrm>
+          <a:prstGeom prst="straightConnector1">
+            <a:avLst/>
+          </a:prstGeom>
+          <a:ln>
+            <a:tailEnd type="triangle"/>
+          </a:ln>
+        </p:spPr>
+        <p:style>
+          <a:lnRef idx="2">
+            <a:schemeClr val="accent1"/>
+          </a:lnRef>
+          <a:fillRef idx="0">
+            <a:schemeClr val="accent1"/>
+          </a:fillRef>
+          <a:effectRef idx="1">
+            <a:schemeClr val="accent1"/>
+          </a:effectRef>
+          <a:fontRef idx="minor">
+            <a:schemeClr val="tx1"/>
+          </a:fontRef>
+        </p:style>
+      </p:cxnSp>
+      <p:sp>
+        <p:nvSpPr>
+          <p:cNvPr id="14" name="Textfeld 13">
+            <a:extLst>
+              <a:ext uri="{FF2B5EF4-FFF2-40B4-BE49-F238E27FC236}">
+                <a16:creationId xmlns:a16="http://schemas.microsoft.com/office/drawing/2014/main" id="{70A02E6A-1161-7C2D-DEDE-5E9FC104ED6B}"/>
+              </a:ext>
+            </a:extLst>
+          </p:cNvPr>
+          <p:cNvSpPr txBox="1"/>
+          <p:nvPr/>
+        </p:nvSpPr>
+        <p:spPr>
+          <a:xfrm>
+            <a:off x="1054768" y="6127234"/>
+            <a:ext cx="1752788" cy="369332"/>
+          </a:xfrm>
+          <a:prstGeom prst="rect">
+            <a:avLst/>
+          </a:prstGeom>
+          <a:noFill/>
+        </p:spPr>
+        <p:txBody>
+          <a:bodyPr wrap="none" rtlCol="0">
+            <a:spAutoFit/>
+          </a:bodyPr>
+          <a:lstStyle/>
+          <a:p>
+            <a:r>
+              <a:rPr lang="de-DE" dirty="0"/>
+              <a:t>apparent power</a:t>
+            </a:r>
+          </a:p>
+        </p:txBody>
+      </p:sp>
+      <p:cxnSp>
+        <p:nvCxnSpPr>
+          <p:cNvPr id="16" name="Gerade Verbindung mit Pfeil 15">
+            <a:extLst>
+              <a:ext uri="{FF2B5EF4-FFF2-40B4-BE49-F238E27FC236}">
+                <a16:creationId xmlns:a16="http://schemas.microsoft.com/office/drawing/2014/main" id="{9033FB23-FEEF-A889-0A11-42D40AFB2A71}"/>
+              </a:ext>
+            </a:extLst>
+          </p:cNvPr>
+          <p:cNvCxnSpPr>
+            <a:stCxn id="14" idx="0"/>
+          </p:cNvCxnSpPr>
+          <p:nvPr/>
+        </p:nvCxnSpPr>
+        <p:spPr>
+          <a:xfrm flipH="1" flipV="1">
+            <a:off x="1925053" y="5775158"/>
+            <a:ext cx="6109" cy="352076"/>
+          </a:xfrm>
+          <a:prstGeom prst="straightConnector1">
+            <a:avLst/>
+          </a:prstGeom>
+          <a:ln>
+            <a:tailEnd type="triangle"/>
+          </a:ln>
+        </p:spPr>
+        <p:style>
+          <a:lnRef idx="2">
+            <a:schemeClr val="accent1"/>
+          </a:lnRef>
+          <a:fillRef idx="0">
+            <a:schemeClr val="accent1"/>
+          </a:fillRef>
+          <a:effectRef idx="1">
+            <a:schemeClr val="accent1"/>
+          </a:effectRef>
+          <a:fontRef idx="minor">
+            <a:schemeClr val="tx1"/>
+          </a:fontRef>
+        </p:style>
+      </p:cxnSp>
+      <mc:AlternateContent xmlns:mc="http://schemas.openxmlformats.org/markup-compatibility/2006">
+        <mc:Choice xmlns:a14="http://schemas.microsoft.com/office/drawing/2010/main" Requires="a14">
+          <p:sp>
+            <p:nvSpPr>
+              <p:cNvPr id="18" name="Textfeld 17">
+                <a:extLst>
+                  <a:ext uri="{FF2B5EF4-FFF2-40B4-BE49-F238E27FC236}">
+                    <a16:creationId xmlns:a16="http://schemas.microsoft.com/office/drawing/2014/main" id="{37333303-6210-7D2F-B9E0-959A81B16575}"/>
+                  </a:ext>
+                </a:extLst>
+              </p:cNvPr>
+              <p:cNvSpPr txBox="1"/>
+              <p:nvPr/>
+            </p:nvSpPr>
+            <p:spPr>
+              <a:xfrm>
+                <a:off x="5644816" y="1321356"/>
+                <a:ext cx="451184" cy="369332"/>
+              </a:xfrm>
+              <a:prstGeom prst="rect">
+                <a:avLst/>
+              </a:prstGeom>
+              <a:noFill/>
+            </p:spPr>
+            <p:txBody>
+              <a:bodyPr wrap="square">
+                <a:spAutoFit/>
+              </a:bodyPr>
+              <a:lstStyle/>
+              <a:p>
+                <a:pPr/>
+                <a14:m>
+                  <m:oMathPara xmlns:m="http://schemas.openxmlformats.org/officeDocument/2006/math">
+                    <m:oMathParaPr>
+                      <m:jc m:val="centerGroup"/>
+                    </m:oMathParaPr>
+                    <m:oMath xmlns:m="http://schemas.openxmlformats.org/officeDocument/2006/math">
+                      <m:r>
+                        <a:rPr lang="de-DE" sz="1800" i="1" smtClean="0">
+                          <a:latin typeface="Cambria Math" panose="02040503050406030204" pitchFamily="18" charset="0"/>
+                        </a:rPr>
+                        <m:t>𝜑</m:t>
+                      </m:r>
+                    </m:oMath>
+                  </m:oMathPara>
+                </a14:m>
+                <a:endParaRPr lang="de-DE" dirty="0"/>
+              </a:p>
+            </p:txBody>
+          </p:sp>
+        </mc:Choice>
+        <mc:Fallback>
+          <p:sp>
+            <p:nvSpPr>
+              <p:cNvPr id="18" name="Textfeld 17">
+                <a:extLst>
+                  <a:ext uri="{FF2B5EF4-FFF2-40B4-BE49-F238E27FC236}">
+                    <a16:creationId xmlns:a16="http://schemas.microsoft.com/office/drawing/2014/main" id="{37333303-6210-7D2F-B9E0-959A81B16575}"/>
+                  </a:ext>
+                </a:extLst>
+              </p:cNvPr>
+              <p:cNvSpPr txBox="1">
+                <a:spLocks noRot="1" noChangeAspect="1" noMove="1" noResize="1" noEditPoints="1" noAdjustHandles="1" noChangeArrowheads="1" noChangeShapeType="1" noTextEdit="1"/>
+              </p:cNvSpPr>
+              <p:nvPr/>
+            </p:nvSpPr>
+            <p:spPr>
+              <a:xfrm>
+                <a:off x="5644816" y="1321356"/>
+                <a:ext cx="451184" cy="369332"/>
+              </a:xfrm>
+              <a:prstGeom prst="rect">
+                <a:avLst/>
+              </a:prstGeom>
+              <a:blipFill>
+                <a:blip r:embed="rId5"/>
+                <a:stretch>
+                  <a:fillRect b="-10345"/>
+                </a:stretch>
+              </a:blipFill>
+            </p:spPr>
+            <p:txBody>
+              <a:bodyPr/>
+              <a:lstStyle/>
+              <a:p>
+                <a:r>
+                  <a:rPr lang="de-DE">
+                    <a:noFill/>
+                  </a:rPr>
+                  <a:t> </a:t>
+                </a:r>
+              </a:p>
+            </p:txBody>
+          </p:sp>
+        </mc:Fallback>
+      </mc:AlternateContent>
+      <p:sp>
+        <p:nvSpPr>
+          <p:cNvPr id="19" name="Geschweifte Klammer links 18">
+            <a:extLst>
+              <a:ext uri="{FF2B5EF4-FFF2-40B4-BE49-F238E27FC236}">
+                <a16:creationId xmlns:a16="http://schemas.microsoft.com/office/drawing/2014/main" id="{080A2C50-B184-3934-8437-940F3DE5BA68}"/>
+              </a:ext>
+            </a:extLst>
+          </p:cNvPr>
+          <p:cNvSpPr/>
+          <p:nvPr/>
+        </p:nvSpPr>
+        <p:spPr>
+          <a:xfrm rot="5400000">
+            <a:off x="5797216" y="1342356"/>
+            <a:ext cx="145192" cy="821345"/>
+          </a:xfrm>
+          <a:prstGeom prst="leftBrace">
+            <a:avLst/>
+          </a:prstGeom>
+        </p:spPr>
+        <p:style>
+          <a:lnRef idx="2">
+            <a:schemeClr val="accent1"/>
+          </a:lnRef>
+          <a:fillRef idx="0">
+            <a:schemeClr val="accent1"/>
+          </a:fillRef>
+          <a:effectRef idx="1">
+            <a:schemeClr val="accent1"/>
+          </a:effectRef>
+          <a:fontRef idx="minor">
+            <a:schemeClr val="tx1"/>
+          </a:fontRef>
+        </p:style>
+        <p:txBody>
+          <a:bodyPr rtlCol="0" anchor="ctr"/>
+          <a:lstStyle/>
+          <a:p>
+            <a:pPr algn="ctr"/>
+            <a:endParaRPr lang="de-DE"/>
+          </a:p>
+        </p:txBody>
+      </p:sp>
+    </p:spTree>
+    <p:extLst>
+      <p:ext uri="{BB962C8B-B14F-4D97-AF65-F5344CB8AC3E}">
+        <p14:creationId xmlns:p14="http://schemas.microsoft.com/office/powerpoint/2010/main" val="4172765025"/>
+      </p:ext>
+    </p:extLst>
+  </p:cSld>
+  <p:clrMapOvr>
+    <a:masterClrMapping/>
+  </p:clrMapOvr>
+</p:sld>
+</file>
+
+<file path=ppt/slides/slide27.xml><?xml version="1.0" encoding="utf-8"?>
+<p:sld xmlns:a="http://schemas.openxmlformats.org/drawingml/2006/main" xmlns:r="http://schemas.openxmlformats.org/officeDocument/2006/relationships" xmlns:p="http://schemas.openxmlformats.org/presentationml/2006/main">
+  <p:cSld>
+    <p:spTree>
+      <p:nvGrpSpPr>
+        <p:cNvPr id="1" name=""/>
+        <p:cNvGrpSpPr/>
+        <p:nvPr/>
+      </p:nvGrpSpPr>
+      <p:grpSpPr>
+        <a:xfrm>
+          <a:off x="0" y="0"/>
+          <a:ext cx="0" cy="0"/>
+          <a:chOff x="0" y="0"/>
+          <a:chExt cx="0" cy="0"/>
+        </a:xfrm>
+      </p:grpSpPr>
+      <p:sp>
+        <p:nvSpPr>
+          <p:cNvPr id="2" name="Titel 1">
+            <a:extLst>
+              <a:ext uri="{FF2B5EF4-FFF2-40B4-BE49-F238E27FC236}">
+                <a16:creationId xmlns:a16="http://schemas.microsoft.com/office/drawing/2014/main" id="{4AAB97E9-0C02-C1BB-0747-2B559F792A36}"/>
+              </a:ext>
+            </a:extLst>
+          </p:cNvPr>
+          <p:cNvSpPr>
+            <a:spLocks noGrp="1"/>
+          </p:cNvSpPr>
+          <p:nvPr>
+            <p:ph type="title"/>
+          </p:nvPr>
+        </p:nvSpPr>
+        <p:spPr/>
+        <p:txBody>
+          <a:bodyPr/>
+          <a:lstStyle/>
+          <a:p>
+            <a:r>
+              <a:rPr lang="de-DE" dirty="0" err="1"/>
+              <a:t>Reactive</a:t>
+            </a:r>
+            <a:r>
+              <a:rPr lang="de-DE" dirty="0"/>
+              <a:t> Power </a:t>
+            </a:r>
+            <a:r>
+              <a:rPr lang="de-DE" dirty="0" err="1"/>
+              <a:t>Compensation</a:t>
+            </a:r>
+            <a:endParaRPr lang="de-DE" dirty="0"/>
+          </a:p>
+        </p:txBody>
+      </p:sp>
+      <mc:AlternateContent xmlns:mc="http://schemas.openxmlformats.org/markup-compatibility/2006">
+        <mc:Choice xmlns:a14="http://schemas.microsoft.com/office/drawing/2010/main" Requires="a14">
+          <p:sp>
+            <p:nvSpPr>
+              <p:cNvPr id="3" name="Inhaltsplatzhalter 2">
+                <a:extLst>
+                  <a:ext uri="{FF2B5EF4-FFF2-40B4-BE49-F238E27FC236}">
+                    <a16:creationId xmlns:a16="http://schemas.microsoft.com/office/drawing/2014/main" id="{56779BE7-7094-1BD9-5AA2-38CDD857880F}"/>
+                  </a:ext>
+                </a:extLst>
+              </p:cNvPr>
+              <p:cNvSpPr>
+                <a:spLocks noGrp="1"/>
+              </p:cNvSpPr>
+              <p:nvPr>
+                <p:ph idx="1"/>
+              </p:nvPr>
+            </p:nvSpPr>
+            <p:spPr/>
+            <p:txBody>
+              <a:bodyPr>
+                <a:normAutofit/>
+              </a:bodyPr>
+              <a:lstStyle/>
+              <a:p>
+                <a:pPr marL="0" indent="0">
+                  <a:buNone/>
+                </a:pPr>
+                <a:r>
+                  <a:rPr lang="de-DE" sz="2600" dirty="0"/>
+                  <a:t>The </a:t>
+                </a:r>
+                <a:r>
+                  <a:rPr lang="de-DE" sz="2600" dirty="0" err="1"/>
+                  <a:t>absorption</a:t>
+                </a:r>
+                <a:r>
+                  <a:rPr lang="de-DE" sz="2600" dirty="0"/>
+                  <a:t> </a:t>
+                </a:r>
+                <a:r>
+                  <a:rPr lang="de-DE" sz="2600" dirty="0" err="1"/>
+                  <a:t>of</a:t>
+                </a:r>
+                <a:r>
+                  <a:rPr lang="de-DE" sz="2600" dirty="0"/>
+                  <a:t> </a:t>
+                </a:r>
+                <a:r>
+                  <a:rPr lang="de-DE" sz="2600" dirty="0" err="1"/>
+                  <a:t>inductive</a:t>
+                </a:r>
+                <a:r>
+                  <a:rPr lang="de-DE" sz="2600" dirty="0"/>
+                  <a:t> </a:t>
+                </a:r>
+                <a:r>
+                  <a:rPr lang="de-DE" sz="2600" dirty="0" err="1"/>
+                  <a:t>reactive</a:t>
+                </a:r>
+                <a:r>
+                  <a:rPr lang="de-DE" sz="2600" dirty="0"/>
+                  <a:t> power </a:t>
+                </a:r>
+                <a:r>
+                  <a:rPr lang="de-DE" sz="2600" dirty="0" err="1"/>
+                  <a:t>corresponds</a:t>
+                </a:r>
+                <a:r>
+                  <a:rPr lang="de-DE" sz="2600" dirty="0"/>
+                  <a:t> </a:t>
+                </a:r>
+                <a:r>
+                  <a:rPr lang="de-DE" sz="2600" dirty="0" err="1"/>
+                  <a:t>to</a:t>
+                </a:r>
+                <a:r>
+                  <a:rPr lang="de-DE" sz="2600" dirty="0"/>
+                  <a:t> </a:t>
+                </a:r>
+                <a:r>
+                  <a:rPr lang="de-DE" sz="2600" dirty="0" err="1"/>
+                  <a:t>the</a:t>
+                </a:r>
+                <a:r>
+                  <a:rPr lang="de-DE" sz="2600" dirty="0"/>
+                  <a:t> </a:t>
+                </a:r>
+                <a:r>
+                  <a:rPr lang="de-DE" sz="2600" dirty="0" err="1"/>
+                  <a:t>output</a:t>
+                </a:r>
+                <a:r>
+                  <a:rPr lang="de-DE" sz="2600" dirty="0"/>
+                  <a:t> </a:t>
+                </a:r>
+                <a:r>
+                  <a:rPr lang="de-DE" sz="2600" dirty="0" err="1"/>
+                  <a:t>of</a:t>
+                </a:r>
+                <a:r>
+                  <a:rPr lang="de-DE" sz="2600" dirty="0"/>
+                  <a:t> </a:t>
+                </a:r>
+                <a:r>
+                  <a:rPr lang="de-DE" sz="2600" dirty="0" err="1"/>
+                  <a:t>capacitive</a:t>
+                </a:r>
+                <a:r>
+                  <a:rPr lang="de-DE" sz="2600" dirty="0"/>
+                  <a:t> </a:t>
+                </a:r>
+                <a:r>
+                  <a:rPr lang="de-DE" sz="2600" dirty="0" err="1"/>
+                  <a:t>reactive</a:t>
+                </a:r>
+                <a:r>
+                  <a:rPr lang="de-DE" sz="2600" dirty="0"/>
+                  <a:t> power and vice </a:t>
+                </a:r>
+                <a:r>
+                  <a:rPr lang="de-DE" sz="2600" dirty="0" err="1"/>
+                  <a:t>versa</a:t>
+                </a:r>
+                <a:r>
+                  <a:rPr lang="de-DE" sz="2600" dirty="0"/>
+                  <a:t>: </a:t>
+                </a:r>
+                <a14:m>
+                  <m:oMath xmlns:m="http://schemas.openxmlformats.org/officeDocument/2006/math">
+                    <m:r>
+                      <a:rPr lang="de-DE" sz="2600" i="1">
+                        <a:latin typeface="Cambria Math" panose="02040503050406030204" pitchFamily="18" charset="0"/>
+                      </a:rPr>
+                      <m:t>𝜑</m:t>
+                    </m:r>
+                    <m:r>
+                      <a:rPr lang="de-DE" sz="2600" b="0" i="1" smtClean="0">
+                        <a:latin typeface="Cambria Math" panose="02040503050406030204" pitchFamily="18" charset="0"/>
+                      </a:rPr>
+                      <m:t>=</m:t>
+                    </m:r>
+                    <m:sSup>
+                      <m:sSupPr>
+                        <m:ctrlPr>
+                          <a:rPr lang="de-DE" sz="2600" b="0" i="1" smtClean="0">
+                            <a:latin typeface="Cambria Math" panose="02040503050406030204" pitchFamily="18" charset="0"/>
+                          </a:rPr>
+                        </m:ctrlPr>
+                      </m:sSupPr>
+                      <m:e>
+                        <m:r>
+                          <a:rPr lang="de-DE" sz="2600" b="0" i="1" smtClean="0">
+                            <a:latin typeface="Cambria Math" panose="02040503050406030204" pitchFamily="18" charset="0"/>
+                          </a:rPr>
+                          <m:t>180</m:t>
+                        </m:r>
+                      </m:e>
+                      <m:sup>
+                        <m:r>
+                          <a:rPr lang="de-DE" sz="2600" b="0" i="1" smtClean="0">
+                            <a:latin typeface="Cambria Math" panose="02040503050406030204" pitchFamily="18" charset="0"/>
+                            <a:ea typeface="Cambria Math" panose="02040503050406030204" pitchFamily="18" charset="0"/>
+                          </a:rPr>
+                          <m:t>∘</m:t>
+                        </m:r>
+                      </m:sup>
+                    </m:sSup>
+                  </m:oMath>
+                </a14:m>
+                <a:endParaRPr lang="de-DE" sz="2600" dirty="0"/>
+              </a:p>
+              <a:p>
+                <a:pPr marL="0" indent="0">
+                  <a:buNone/>
+                </a:pPr>
+                <a:r>
+                  <a:rPr lang="de-DE" sz="2600" dirty="0">
+                    <a:sym typeface="Wingdings" pitchFamily="2" charset="2"/>
+                  </a:rPr>
+                  <a:t> </a:t>
+                </a:r>
+                <a:r>
+                  <a:rPr lang="de-DE" sz="2600" dirty="0" err="1">
+                    <a:sym typeface="Wingdings" pitchFamily="2" charset="2"/>
+                  </a:rPr>
+                  <a:t>can</a:t>
+                </a:r>
+                <a:r>
+                  <a:rPr lang="de-DE" sz="2600" dirty="0">
+                    <a:sym typeface="Wingdings" pitchFamily="2" charset="2"/>
+                  </a:rPr>
+                  <a:t> </a:t>
+                </a:r>
+                <a:r>
+                  <a:rPr lang="de-DE" sz="2600" dirty="0" err="1">
+                    <a:sym typeface="Wingdings" pitchFamily="2" charset="2"/>
+                  </a:rPr>
+                  <a:t>compensate</a:t>
+                </a:r>
+                <a:r>
+                  <a:rPr lang="de-DE" sz="2600" dirty="0">
+                    <a:sym typeface="Wingdings" pitchFamily="2" charset="2"/>
+                  </a:rPr>
+                  <a:t> </a:t>
+                </a:r>
+                <a:r>
+                  <a:rPr lang="de-DE" sz="2600" dirty="0" err="1">
+                    <a:sym typeface="Wingdings" pitchFamily="2" charset="2"/>
+                  </a:rPr>
+                  <a:t>each</a:t>
+                </a:r>
+                <a:r>
+                  <a:rPr lang="de-DE" sz="2600" dirty="0">
+                    <a:sym typeface="Wingdings" pitchFamily="2" charset="2"/>
+                  </a:rPr>
+                  <a:t> </a:t>
+                </a:r>
+                <a:r>
+                  <a:rPr lang="de-DE" sz="2600" dirty="0" err="1">
+                    <a:sym typeface="Wingdings" pitchFamily="2" charset="2"/>
+                  </a:rPr>
+                  <a:t>other</a:t>
+                </a:r>
+                <a:r>
+                  <a:rPr lang="de-DE" sz="2600" dirty="0">
+                    <a:sym typeface="Wingdings" pitchFamily="2" charset="2"/>
+                  </a:rPr>
+                  <a:t> (</a:t>
+                </a:r>
+                <a:r>
+                  <a:rPr lang="de-DE" sz="2600" dirty="0" err="1">
+                    <a:sym typeface="Wingdings" pitchFamily="2" charset="2"/>
+                  </a:rPr>
+                  <a:t>useful</a:t>
+                </a:r>
+                <a:r>
+                  <a:rPr lang="de-DE" sz="2600" dirty="0">
+                    <a:sym typeface="Wingdings" pitchFamily="2" charset="2"/>
+                  </a:rPr>
+                  <a:t> </a:t>
+                </a:r>
+                <a:r>
+                  <a:rPr lang="de-DE" sz="2600" dirty="0" err="1">
+                    <a:sym typeface="Wingdings" pitchFamily="2" charset="2"/>
+                  </a:rPr>
+                  <a:t>to</a:t>
+                </a:r>
+                <a:r>
+                  <a:rPr lang="de-DE" sz="2600" dirty="0">
+                    <a:sym typeface="Wingdings" pitchFamily="2" charset="2"/>
+                  </a:rPr>
+                  <a:t> </a:t>
+                </a:r>
+                <a:r>
+                  <a:rPr lang="de-DE" sz="2600" dirty="0" err="1">
+                    <a:sym typeface="Wingdings" pitchFamily="2" charset="2"/>
+                  </a:rPr>
+                  <a:t>avoid</a:t>
+                </a:r>
+                <a:r>
+                  <a:rPr lang="de-DE" sz="2600" dirty="0">
+                    <a:sym typeface="Wingdings" pitchFamily="2" charset="2"/>
+                  </a:rPr>
+                  <a:t> </a:t>
+                </a:r>
+                <a:r>
+                  <a:rPr lang="de-DE" sz="2600" dirty="0" err="1">
+                    <a:sym typeface="Wingdings" pitchFamily="2" charset="2"/>
+                  </a:rPr>
+                  <a:t>transmission</a:t>
+                </a:r>
+                <a:r>
+                  <a:rPr lang="de-DE" sz="2600" dirty="0">
+                    <a:sym typeface="Wingdings" pitchFamily="2" charset="2"/>
+                  </a:rPr>
+                  <a:t> </a:t>
+                </a:r>
+                <a:r>
+                  <a:rPr lang="de-DE" sz="2600" dirty="0" err="1">
+                    <a:sym typeface="Wingdings" pitchFamily="2" charset="2"/>
+                  </a:rPr>
+                  <a:t>losses</a:t>
+                </a:r>
+                <a:r>
+                  <a:rPr lang="de-DE" sz="2600" dirty="0">
+                    <a:sym typeface="Wingdings" pitchFamily="2" charset="2"/>
+                  </a:rPr>
+                  <a:t>)</a:t>
+                </a:r>
+                <a:endParaRPr lang="de-DE" sz="2600" dirty="0"/>
+              </a:p>
+            </p:txBody>
+          </p:sp>
+        </mc:Choice>
+        <mc:Fallback>
+          <p:sp>
+            <p:nvSpPr>
+              <p:cNvPr id="3" name="Inhaltsplatzhalter 2">
+                <a:extLst>
+                  <a:ext uri="{FF2B5EF4-FFF2-40B4-BE49-F238E27FC236}">
+                    <a16:creationId xmlns:a16="http://schemas.microsoft.com/office/drawing/2014/main" id="{56779BE7-7094-1BD9-5AA2-38CDD857880F}"/>
+                  </a:ext>
+                </a:extLst>
+              </p:cNvPr>
+              <p:cNvSpPr>
+                <a:spLocks noGrp="1" noRot="1" noChangeAspect="1" noMove="1" noResize="1" noEditPoints="1" noAdjustHandles="1" noChangeArrowheads="1" noChangeShapeType="1" noTextEdit="1"/>
+              </p:cNvSpPr>
+              <p:nvPr>
+                <p:ph idx="1"/>
+              </p:nvPr>
+            </p:nvSpPr>
+            <p:spPr>
+              <a:blipFill>
+                <a:blip r:embed="rId2"/>
+                <a:stretch>
+                  <a:fillRect l="-1086" t="-2035"/>
+                </a:stretch>
+              </a:blipFill>
+            </p:spPr>
+            <p:txBody>
+              <a:bodyPr/>
+              <a:lstStyle/>
+              <a:p>
+                <a:r>
+                  <a:rPr lang="de-DE">
+                    <a:noFill/>
+                  </a:rPr>
+                  <a:t> </a:t>
+                </a:r>
+              </a:p>
+            </p:txBody>
+          </p:sp>
+        </mc:Fallback>
+      </mc:AlternateContent>
+      <p:sp>
+        <p:nvSpPr>
+          <p:cNvPr id="4" name="Foliennummernplatzhalter 3">
+            <a:extLst>
+              <a:ext uri="{FF2B5EF4-FFF2-40B4-BE49-F238E27FC236}">
+                <a16:creationId xmlns:a16="http://schemas.microsoft.com/office/drawing/2014/main" id="{3FF15613-DEBB-9296-4687-3BBC38F06F77}"/>
+              </a:ext>
+            </a:extLst>
+          </p:cNvPr>
+          <p:cNvSpPr>
+            <a:spLocks noGrp="1"/>
+          </p:cNvSpPr>
+          <p:nvPr>
+            <p:ph type="sldNum" sz="quarter" idx="12"/>
+          </p:nvPr>
+        </p:nvSpPr>
+        <p:spPr/>
+        <p:txBody>
+          <a:bodyPr/>
+          <a:lstStyle/>
+          <a:p>
+            <a:fld id="{C3D1D914-B947-8E44-8E93-2211406D860E}" type="slidenum">
+              <a:rPr lang="de-DE" smtClean="0"/>
+              <a:t>27</a:t>
+            </a:fld>
+            <a:endParaRPr lang="de-DE"/>
+          </a:p>
+        </p:txBody>
+      </p:sp>
+      <p:grpSp>
+        <p:nvGrpSpPr>
+          <p:cNvPr id="14" name="Gruppieren 13">
+            <a:extLst>
+              <a:ext uri="{FF2B5EF4-FFF2-40B4-BE49-F238E27FC236}">
+                <a16:creationId xmlns:a16="http://schemas.microsoft.com/office/drawing/2014/main" id="{9D820E90-0B29-3982-8108-2883F3523D30}"/>
+              </a:ext>
+            </a:extLst>
+          </p:cNvPr>
+          <p:cNvGrpSpPr/>
+          <p:nvPr/>
+        </p:nvGrpSpPr>
+        <p:grpSpPr>
+          <a:xfrm>
+            <a:off x="1729148" y="3380872"/>
+            <a:ext cx="8785277" cy="2975480"/>
+            <a:chOff x="1729148" y="3380872"/>
+            <a:chExt cx="8785277" cy="2975480"/>
+          </a:xfrm>
+        </p:grpSpPr>
+        <p:pic>
+          <p:nvPicPr>
+            <p:cNvPr id="5" name="Grafik 4">
+              <a:extLst>
+                <a:ext uri="{FF2B5EF4-FFF2-40B4-BE49-F238E27FC236}">
+                  <a16:creationId xmlns:a16="http://schemas.microsoft.com/office/drawing/2014/main" id="{C03D63A5-FA51-3ADC-394F-97CDE0C8B129}"/>
+                </a:ext>
+              </a:extLst>
+            </p:cNvPr>
+            <p:cNvPicPr>
+              <a:picLocks noChangeAspect="1"/>
+            </p:cNvPicPr>
+            <p:nvPr/>
+          </p:nvPicPr>
+          <p:blipFill>
+            <a:blip r:embed="rId3" cstate="print">
+              <a:extLst>
+                <a:ext uri="{28A0092B-C50C-407E-A947-70E740481C1C}">
+                  <a14:useLocalDpi xmlns:a14="http://schemas.microsoft.com/office/drawing/2010/main" val="0"/>
+                </a:ext>
+              </a:extLst>
+            </a:blip>
+            <a:stretch>
+              <a:fillRect/>
+            </a:stretch>
+          </p:blipFill>
+          <p:spPr>
+            <a:xfrm>
+              <a:off x="1729148" y="3429000"/>
+              <a:ext cx="8733703" cy="2927352"/>
+            </a:xfrm>
+            <a:prstGeom prst="rect">
+              <a:avLst/>
+            </a:prstGeom>
+          </p:spPr>
+        </p:pic>
+        <p:sp>
+          <p:nvSpPr>
+            <p:cNvPr id="7" name="Textfeld 6">
+              <a:extLst>
+                <a:ext uri="{FF2B5EF4-FFF2-40B4-BE49-F238E27FC236}">
+                  <a16:creationId xmlns:a16="http://schemas.microsoft.com/office/drawing/2014/main" id="{050F4436-5F15-8033-06E4-A91472835501}"/>
+                </a:ext>
+              </a:extLst>
+            </p:cNvPr>
+            <p:cNvSpPr txBox="1"/>
+            <p:nvPr/>
+          </p:nvSpPr>
+          <p:spPr>
+            <a:xfrm>
+              <a:off x="4277229" y="4425693"/>
+              <a:ext cx="3045995" cy="430887"/>
+            </a:xfrm>
+            <a:prstGeom prst="rect">
+              <a:avLst/>
+            </a:prstGeom>
+            <a:solidFill>
+              <a:schemeClr val="bg1"/>
+            </a:solidFill>
+          </p:spPr>
+          <p:txBody>
+            <a:bodyPr wrap="square">
+              <a:spAutoFit/>
+            </a:bodyPr>
+            <a:lstStyle/>
+            <a:p>
+              <a:r>
+                <a:rPr lang="de-DE" sz="2200" dirty="0"/>
+                <a:t>resistive-</a:t>
+              </a:r>
+              <a:r>
+                <a:rPr lang="de-DE" sz="2200" dirty="0" err="1"/>
+                <a:t>inductive</a:t>
+              </a:r>
+              <a:r>
+                <a:rPr lang="de-DE" sz="2200" dirty="0"/>
+                <a:t> </a:t>
+              </a:r>
+              <a:r>
+                <a:rPr lang="de-DE" sz="2200" dirty="0" err="1"/>
+                <a:t>load</a:t>
+              </a:r>
+              <a:endParaRPr lang="de-DE" sz="2200" dirty="0"/>
+            </a:p>
+          </p:txBody>
+        </p:sp>
+        <p:sp>
+          <p:nvSpPr>
+            <p:cNvPr id="8" name="Rechteck 7">
+              <a:extLst>
+                <a:ext uri="{FF2B5EF4-FFF2-40B4-BE49-F238E27FC236}">
+                  <a16:creationId xmlns:a16="http://schemas.microsoft.com/office/drawing/2014/main" id="{3CDAFA70-B72B-6795-80BF-39967DB7EB9A}"/>
+                </a:ext>
+              </a:extLst>
+            </p:cNvPr>
+            <p:cNvSpPr/>
+            <p:nvPr/>
+          </p:nvSpPr>
+          <p:spPr>
+            <a:xfrm>
+              <a:off x="4277229" y="4796420"/>
+              <a:ext cx="1485897" cy="461378"/>
+            </a:xfrm>
+            <a:prstGeom prst="rect">
+              <a:avLst/>
+            </a:prstGeom>
+            <a:solidFill>
+              <a:schemeClr val="bg1"/>
+            </a:solidFill>
+            <a:ln>
+              <a:noFill/>
+            </a:ln>
+          </p:spPr>
+          <p:style>
+            <a:lnRef idx="2">
+              <a:schemeClr val="accent1">
+                <a:shade val="15000"/>
+              </a:schemeClr>
+            </a:lnRef>
+            <a:fillRef idx="1">
+              <a:schemeClr val="accent1"/>
+            </a:fillRef>
+            <a:effectRef idx="0">
+              <a:schemeClr val="accent1"/>
+            </a:effectRef>
+            <a:fontRef idx="minor">
+              <a:schemeClr val="lt1"/>
+            </a:fontRef>
+          </p:style>
+          <p:txBody>
+            <a:bodyPr rtlCol="0" anchor="ctr"/>
+            <a:lstStyle/>
+            <a:p>
+              <a:pPr algn="ctr"/>
+              <a:endParaRPr lang="de-DE">
+                <a:noFill/>
+              </a:endParaRPr>
+            </a:p>
+          </p:txBody>
+        </p:sp>
+        <p:sp>
+          <p:nvSpPr>
+            <p:cNvPr id="9" name="Textfeld 8">
+              <a:extLst>
+                <a:ext uri="{FF2B5EF4-FFF2-40B4-BE49-F238E27FC236}">
+                  <a16:creationId xmlns:a16="http://schemas.microsoft.com/office/drawing/2014/main" id="{98E4AEEC-0FE8-9D0C-CBA5-92B705893F24}"/>
+                </a:ext>
+              </a:extLst>
+            </p:cNvPr>
+            <p:cNvSpPr txBox="1"/>
+            <p:nvPr/>
+          </p:nvSpPr>
+          <p:spPr>
+            <a:xfrm>
+              <a:off x="4277229" y="5257798"/>
+              <a:ext cx="3045995" cy="769441"/>
+            </a:xfrm>
+            <a:prstGeom prst="rect">
+              <a:avLst/>
+            </a:prstGeom>
+            <a:solidFill>
+              <a:schemeClr val="bg1"/>
+            </a:solidFill>
+          </p:spPr>
+          <p:txBody>
+            <a:bodyPr wrap="square">
+              <a:spAutoFit/>
+            </a:bodyPr>
+            <a:lstStyle/>
+            <a:p>
+              <a:r>
+                <a:rPr lang="de-DE" sz="2200" dirty="0" err="1"/>
+                <a:t>can</a:t>
+              </a:r>
+              <a:r>
+                <a:rPr lang="de-DE" sz="2200" dirty="0"/>
+                <a:t> </a:t>
+              </a:r>
+              <a:r>
+                <a:rPr lang="de-DE" sz="2200" dirty="0" err="1"/>
+                <a:t>be</a:t>
+              </a:r>
+              <a:r>
+                <a:rPr lang="de-DE" sz="2200" dirty="0"/>
+                <a:t> </a:t>
+              </a:r>
+              <a:r>
+                <a:rPr lang="de-DE" sz="2200" dirty="0" err="1"/>
+                <a:t>compensated</a:t>
+              </a:r>
+              <a:r>
+                <a:rPr lang="de-DE" sz="2200" dirty="0"/>
+                <a:t> </a:t>
+              </a:r>
+              <a:r>
+                <a:rPr lang="de-DE" sz="2200" dirty="0" err="1"/>
+                <a:t>by</a:t>
+              </a:r>
+              <a:r>
+                <a:rPr lang="de-DE" sz="2200" dirty="0"/>
+                <a:t> </a:t>
+              </a:r>
+              <a:r>
+                <a:rPr lang="de-DE" sz="2200" dirty="0" err="1"/>
+                <a:t>capacitor</a:t>
+              </a:r>
+              <a:endParaRPr lang="de-DE" sz="2200" dirty="0"/>
+            </a:p>
+          </p:txBody>
+        </p:sp>
+        <mc:AlternateContent xmlns:mc="http://schemas.openxmlformats.org/markup-compatibility/2006">
+          <mc:Choice xmlns:a14="http://schemas.microsoft.com/office/drawing/2010/main" Requires="a14">
+            <p:sp>
+              <p:nvSpPr>
+                <p:cNvPr id="10" name="Textfeld 9">
+                  <a:extLst>
+                    <a:ext uri="{FF2B5EF4-FFF2-40B4-BE49-F238E27FC236}">
+                      <a16:creationId xmlns:a16="http://schemas.microsoft.com/office/drawing/2014/main" id="{A5EBDAED-2C46-E7A8-A88F-F9101FD49D4E}"/>
+                    </a:ext>
+                  </a:extLst>
+                </p:cNvPr>
+                <p:cNvSpPr txBox="1"/>
+                <p:nvPr/>
+              </p:nvSpPr>
+              <p:spPr>
+                <a:xfrm>
+                  <a:off x="1852863" y="3380872"/>
+                  <a:ext cx="1016323" cy="307777"/>
+                </a:xfrm>
+                <a:prstGeom prst="rect">
+                  <a:avLst/>
+                </a:prstGeom>
+                <a:solidFill>
+                  <a:schemeClr val="bg1"/>
+                </a:solidFill>
+              </p:spPr>
+              <p:txBody>
+                <a:bodyPr wrap="square" lIns="0" tIns="0" rIns="0" bIns="0" rtlCol="0">
+                  <a:spAutoFit/>
+                </a:bodyPr>
+                <a:lstStyle/>
+                <a:p>
+                  <a14:m>
+                    <m:oMathPara xmlns:m="http://schemas.openxmlformats.org/officeDocument/2006/math">
+                      <m:oMathParaPr>
+                        <m:jc m:val="centerGroup"/>
+                      </m:oMathParaPr>
+                      <m:oMath xmlns:m="http://schemas.openxmlformats.org/officeDocument/2006/math">
+                        <m:sSub>
+                          <m:sSubPr>
+                            <m:ctrlPr>
+                              <a:rPr lang="de-DE" sz="2000" i="1" smtClean="0">
+                                <a:latin typeface="Cambria Math" panose="02040503050406030204" pitchFamily="18" charset="0"/>
+                              </a:rPr>
+                            </m:ctrlPr>
+                          </m:sSubPr>
+                          <m:e>
+                            <m:r>
+                              <a:rPr lang="de-DE" sz="2000" b="0" i="1" smtClean="0">
+                                <a:latin typeface="Cambria Math" panose="02040503050406030204" pitchFamily="18" charset="0"/>
+                              </a:rPr>
+                              <m:t>𝐼</m:t>
+                            </m:r>
+                          </m:e>
+                          <m:sub>
+                            <m:r>
+                              <a:rPr lang="de-DE" sz="2000" b="0" i="1" smtClean="0">
+                                <a:latin typeface="Cambria Math" panose="02040503050406030204" pitchFamily="18" charset="0"/>
+                              </a:rPr>
+                              <m:t>𝑎</m:t>
+                            </m:r>
+                          </m:sub>
+                        </m:sSub>
+                        <m:r>
+                          <a:rPr lang="de-DE" sz="2000" b="0" i="1" smtClean="0">
+                            <a:latin typeface="Cambria Math" panose="02040503050406030204" pitchFamily="18" charset="0"/>
+                          </a:rPr>
+                          <m:t>+</m:t>
+                        </m:r>
+                        <m:r>
+                          <a:rPr lang="de-DE" sz="2000" b="0" i="1" smtClean="0">
+                            <a:latin typeface="Cambria Math" panose="02040503050406030204" pitchFamily="18" charset="0"/>
+                          </a:rPr>
+                          <m:t>𝑗</m:t>
+                        </m:r>
+                        <m:sSub>
+                          <m:sSubPr>
+                            <m:ctrlPr>
+                              <a:rPr lang="de-DE" sz="2000" b="0" i="1" smtClean="0">
+                                <a:latin typeface="Cambria Math" panose="02040503050406030204" pitchFamily="18" charset="0"/>
+                              </a:rPr>
+                            </m:ctrlPr>
+                          </m:sSubPr>
+                          <m:e>
+                            <m:r>
+                              <a:rPr lang="de-DE" sz="2000" b="0" i="1" smtClean="0">
+                                <a:latin typeface="Cambria Math" panose="02040503050406030204" pitchFamily="18" charset="0"/>
+                              </a:rPr>
+                              <m:t>𝐼</m:t>
+                            </m:r>
+                          </m:e>
+                          <m:sub>
+                            <m:r>
+                              <a:rPr lang="de-DE" sz="2000" b="0" i="1" smtClean="0">
+                                <a:latin typeface="Cambria Math" panose="02040503050406030204" pitchFamily="18" charset="0"/>
+                              </a:rPr>
+                              <m:t>𝑟</m:t>
+                            </m:r>
+                          </m:sub>
+                        </m:sSub>
+                      </m:oMath>
+                    </m:oMathPara>
+                  </a14:m>
+                  <a:endParaRPr lang="de-DE" sz="2000" dirty="0"/>
+                </a:p>
+              </p:txBody>
+            </p:sp>
+          </mc:Choice>
+          <mc:Fallback>
+            <p:sp>
+              <p:nvSpPr>
+                <p:cNvPr id="10" name="Textfeld 9">
+                  <a:extLst>
+                    <a:ext uri="{FF2B5EF4-FFF2-40B4-BE49-F238E27FC236}">
+                      <a16:creationId xmlns:a16="http://schemas.microsoft.com/office/drawing/2014/main" id="{A5EBDAED-2C46-E7A8-A88F-F9101FD49D4E}"/>
+                    </a:ext>
+                  </a:extLst>
+                </p:cNvPr>
+                <p:cNvSpPr txBox="1">
+                  <a:spLocks noRot="1" noChangeAspect="1" noMove="1" noResize="1" noEditPoints="1" noAdjustHandles="1" noChangeArrowheads="1" noChangeShapeType="1" noTextEdit="1"/>
+                </p:cNvSpPr>
+                <p:nvPr/>
+              </p:nvSpPr>
+              <p:spPr>
+                <a:xfrm>
+                  <a:off x="1852863" y="3380872"/>
+                  <a:ext cx="1016323" cy="307777"/>
+                </a:xfrm>
+                <a:prstGeom prst="rect">
+                  <a:avLst/>
+                </a:prstGeom>
+                <a:blipFill>
+                  <a:blip r:embed="rId4"/>
+                  <a:stretch>
+                    <a:fillRect b="-32000"/>
+                  </a:stretch>
+                </a:blipFill>
+              </p:spPr>
+              <p:txBody>
+                <a:bodyPr/>
+                <a:lstStyle/>
+                <a:p>
+                  <a:r>
+                    <a:rPr lang="de-DE">
+                      <a:noFill/>
+                    </a:rPr>
+                    <a:t> </a:t>
+                  </a:r>
+                </a:p>
+              </p:txBody>
+            </p:sp>
+          </mc:Fallback>
+        </mc:AlternateContent>
+        <mc:AlternateContent xmlns:mc="http://schemas.openxmlformats.org/markup-compatibility/2006">
+          <mc:Choice xmlns:a14="http://schemas.microsoft.com/office/drawing/2010/main" Requires="a14">
+            <p:sp>
+              <p:nvSpPr>
+                <p:cNvPr id="11" name="Textfeld 10">
+                  <a:extLst>
+                    <a:ext uri="{FF2B5EF4-FFF2-40B4-BE49-F238E27FC236}">
+                      <a16:creationId xmlns:a16="http://schemas.microsoft.com/office/drawing/2014/main" id="{9764FC4C-DC14-EB48-72F4-DDD651C84C63}"/>
+                    </a:ext>
+                  </a:extLst>
+                </p:cNvPr>
+                <p:cNvSpPr txBox="1"/>
+                <p:nvPr/>
+              </p:nvSpPr>
+              <p:spPr>
+                <a:xfrm>
+                  <a:off x="9498102" y="3801805"/>
+                  <a:ext cx="1016323" cy="307777"/>
+                </a:xfrm>
+                <a:prstGeom prst="rect">
+                  <a:avLst/>
+                </a:prstGeom>
+                <a:solidFill>
+                  <a:schemeClr val="bg1"/>
+                </a:solidFill>
+              </p:spPr>
+              <p:txBody>
+                <a:bodyPr wrap="square" lIns="0" tIns="0" rIns="0" bIns="0" rtlCol="0">
+                  <a:spAutoFit/>
+                </a:bodyPr>
+                <a:lstStyle/>
+                <a:p>
+                  <a14:m>
+                    <m:oMathPara xmlns:m="http://schemas.openxmlformats.org/officeDocument/2006/math">
+                      <m:oMathParaPr>
+                        <m:jc m:val="centerGroup"/>
+                      </m:oMathParaPr>
+                      <m:oMath xmlns:m="http://schemas.openxmlformats.org/officeDocument/2006/math">
+                        <m:sSub>
+                          <m:sSubPr>
+                            <m:ctrlPr>
+                              <a:rPr lang="de-DE" sz="2000" i="1" smtClean="0">
+                                <a:latin typeface="Cambria Math" panose="02040503050406030204" pitchFamily="18" charset="0"/>
+                              </a:rPr>
+                            </m:ctrlPr>
+                          </m:sSubPr>
+                          <m:e>
+                            <m:r>
+                              <a:rPr lang="de-DE" sz="2000" b="0" i="1" smtClean="0">
+                                <a:latin typeface="Cambria Math" panose="02040503050406030204" pitchFamily="18" charset="0"/>
+                              </a:rPr>
+                              <m:t>𝐼</m:t>
+                            </m:r>
+                          </m:e>
+                          <m:sub>
+                            <m:r>
+                              <a:rPr lang="de-DE" sz="2000" b="0" i="1" smtClean="0">
+                                <a:latin typeface="Cambria Math" panose="02040503050406030204" pitchFamily="18" charset="0"/>
+                              </a:rPr>
+                              <m:t>𝑎</m:t>
+                            </m:r>
+                          </m:sub>
+                        </m:sSub>
+                        <m:r>
+                          <a:rPr lang="de-DE" sz="2000" b="0" i="1" smtClean="0">
+                            <a:latin typeface="Cambria Math" panose="02040503050406030204" pitchFamily="18" charset="0"/>
+                          </a:rPr>
+                          <m:t>+</m:t>
+                        </m:r>
+                        <m:r>
+                          <a:rPr lang="de-DE" sz="2000" b="0" i="1" smtClean="0">
+                            <a:latin typeface="Cambria Math" panose="02040503050406030204" pitchFamily="18" charset="0"/>
+                          </a:rPr>
+                          <m:t>𝑗</m:t>
+                        </m:r>
+                        <m:sSub>
+                          <m:sSubPr>
+                            <m:ctrlPr>
+                              <a:rPr lang="de-DE" sz="2000" b="0" i="1" smtClean="0">
+                                <a:latin typeface="Cambria Math" panose="02040503050406030204" pitchFamily="18" charset="0"/>
+                              </a:rPr>
+                            </m:ctrlPr>
+                          </m:sSubPr>
+                          <m:e>
+                            <m:r>
+                              <a:rPr lang="de-DE" sz="2000" b="0" i="1" smtClean="0">
+                                <a:latin typeface="Cambria Math" panose="02040503050406030204" pitchFamily="18" charset="0"/>
+                              </a:rPr>
+                              <m:t>𝐼</m:t>
+                            </m:r>
+                          </m:e>
+                          <m:sub>
+                            <m:r>
+                              <a:rPr lang="de-DE" sz="2000" b="0" i="1" smtClean="0">
+                                <a:latin typeface="Cambria Math" panose="02040503050406030204" pitchFamily="18" charset="0"/>
+                              </a:rPr>
+                              <m:t>𝑟</m:t>
+                            </m:r>
+                          </m:sub>
+                        </m:sSub>
+                      </m:oMath>
+                    </m:oMathPara>
+                  </a14:m>
+                  <a:endParaRPr lang="de-DE" sz="2000" dirty="0"/>
+                </a:p>
+              </p:txBody>
+            </p:sp>
+          </mc:Choice>
+          <mc:Fallback>
+            <p:sp>
+              <p:nvSpPr>
+                <p:cNvPr id="11" name="Textfeld 10">
+                  <a:extLst>
+                    <a:ext uri="{FF2B5EF4-FFF2-40B4-BE49-F238E27FC236}">
+                      <a16:creationId xmlns:a16="http://schemas.microsoft.com/office/drawing/2014/main" id="{9764FC4C-DC14-EB48-72F4-DDD651C84C63}"/>
+                    </a:ext>
+                  </a:extLst>
+                </p:cNvPr>
+                <p:cNvSpPr txBox="1">
+                  <a:spLocks noRot="1" noChangeAspect="1" noMove="1" noResize="1" noEditPoints="1" noAdjustHandles="1" noChangeArrowheads="1" noChangeShapeType="1" noTextEdit="1"/>
+                </p:cNvSpPr>
+                <p:nvPr/>
+              </p:nvSpPr>
+              <p:spPr>
+                <a:xfrm>
+                  <a:off x="9498102" y="3801805"/>
+                  <a:ext cx="1016323" cy="307777"/>
+                </a:xfrm>
+                <a:prstGeom prst="rect">
+                  <a:avLst/>
+                </a:prstGeom>
+                <a:blipFill>
+                  <a:blip r:embed="rId5"/>
+                  <a:stretch>
+                    <a:fillRect b="-32000"/>
+                  </a:stretch>
+                </a:blipFill>
+              </p:spPr>
+              <p:txBody>
+                <a:bodyPr/>
+                <a:lstStyle/>
+                <a:p>
+                  <a:r>
+                    <a:rPr lang="de-DE">
+                      <a:noFill/>
+                    </a:rPr>
+                    <a:t> </a:t>
+                  </a:r>
+                </a:p>
+              </p:txBody>
+            </p:sp>
+          </mc:Fallback>
+        </mc:AlternateContent>
+        <mc:AlternateContent xmlns:mc="http://schemas.openxmlformats.org/markup-compatibility/2006">
+          <mc:Choice xmlns:a14="http://schemas.microsoft.com/office/drawing/2010/main" Requires="a14">
+            <p:sp>
+              <p:nvSpPr>
+                <p:cNvPr id="12" name="Textfeld 11">
+                  <a:extLst>
+                    <a:ext uri="{FF2B5EF4-FFF2-40B4-BE49-F238E27FC236}">
+                      <a16:creationId xmlns:a16="http://schemas.microsoft.com/office/drawing/2014/main" id="{556A03FE-A0E2-F80C-6FF4-C75538C92B0C}"/>
+                    </a:ext>
+                  </a:extLst>
+                </p:cNvPr>
+                <p:cNvSpPr txBox="1"/>
+                <p:nvPr/>
+              </p:nvSpPr>
+              <p:spPr>
+                <a:xfrm>
+                  <a:off x="7828547" y="3416968"/>
+                  <a:ext cx="593558" cy="307777"/>
+                </a:xfrm>
+                <a:prstGeom prst="rect">
+                  <a:avLst/>
+                </a:prstGeom>
+                <a:solidFill>
+                  <a:schemeClr val="bg1"/>
+                </a:solidFill>
+              </p:spPr>
+              <p:txBody>
+                <a:bodyPr wrap="square" lIns="0" tIns="0" rIns="0" bIns="0" rtlCol="0">
+                  <a:spAutoFit/>
+                </a:bodyPr>
+                <a:lstStyle/>
+                <a:p>
+                  <a14:m>
+                    <m:oMathPara xmlns:m="http://schemas.openxmlformats.org/officeDocument/2006/math">
+                      <m:oMathParaPr>
+                        <m:jc m:val="centerGroup"/>
+                      </m:oMathParaPr>
+                      <m:oMath xmlns:m="http://schemas.openxmlformats.org/officeDocument/2006/math">
+                        <m:sSub>
+                          <m:sSubPr>
+                            <m:ctrlPr>
+                              <a:rPr lang="de-DE" sz="2000" i="1" smtClean="0">
+                                <a:latin typeface="Cambria Math" panose="02040503050406030204" pitchFamily="18" charset="0"/>
+                              </a:rPr>
+                            </m:ctrlPr>
+                          </m:sSubPr>
+                          <m:e>
+                            <m:r>
+                              <a:rPr lang="de-DE" sz="2000" b="0" i="1" smtClean="0">
+                                <a:latin typeface="Cambria Math" panose="02040503050406030204" pitchFamily="18" charset="0"/>
+                              </a:rPr>
+                              <m:t>𝐼</m:t>
+                            </m:r>
+                          </m:e>
+                          <m:sub>
+                            <m:r>
+                              <a:rPr lang="de-DE" sz="2000" b="0" i="1" smtClean="0">
+                                <a:latin typeface="Cambria Math" panose="02040503050406030204" pitchFamily="18" charset="0"/>
+                              </a:rPr>
+                              <m:t>𝑎</m:t>
+                            </m:r>
+                          </m:sub>
+                        </m:sSub>
+                      </m:oMath>
+                    </m:oMathPara>
+                  </a14:m>
+                  <a:endParaRPr lang="de-DE" sz="2000" dirty="0"/>
+                </a:p>
+              </p:txBody>
+            </p:sp>
+          </mc:Choice>
+          <mc:Fallback>
+            <p:sp>
+              <p:nvSpPr>
+                <p:cNvPr id="12" name="Textfeld 11">
+                  <a:extLst>
+                    <a:ext uri="{FF2B5EF4-FFF2-40B4-BE49-F238E27FC236}">
+                      <a16:creationId xmlns:a16="http://schemas.microsoft.com/office/drawing/2014/main" id="{556A03FE-A0E2-F80C-6FF4-C75538C92B0C}"/>
+                    </a:ext>
+                  </a:extLst>
+                </p:cNvPr>
+                <p:cNvSpPr txBox="1">
+                  <a:spLocks noRot="1" noChangeAspect="1" noMove="1" noResize="1" noEditPoints="1" noAdjustHandles="1" noChangeArrowheads="1" noChangeShapeType="1" noTextEdit="1"/>
+                </p:cNvSpPr>
+                <p:nvPr/>
+              </p:nvSpPr>
+              <p:spPr>
+                <a:xfrm>
+                  <a:off x="7828547" y="3416968"/>
+                  <a:ext cx="593558" cy="307777"/>
+                </a:xfrm>
+                <a:prstGeom prst="rect">
+                  <a:avLst/>
+                </a:prstGeom>
+                <a:blipFill>
+                  <a:blip r:embed="rId6"/>
+                  <a:stretch>
+                    <a:fillRect b="-8000"/>
+                  </a:stretch>
+                </a:blipFill>
+              </p:spPr>
+              <p:txBody>
+                <a:bodyPr/>
+                <a:lstStyle/>
+                <a:p>
+                  <a:r>
+                    <a:rPr lang="de-DE">
+                      <a:noFill/>
+                    </a:rPr>
+                    <a:t> </a:t>
+                  </a:r>
+                </a:p>
+              </p:txBody>
+            </p:sp>
+          </mc:Fallback>
+        </mc:AlternateContent>
+        <mc:AlternateContent xmlns:mc="http://schemas.openxmlformats.org/markup-compatibility/2006">
+          <mc:Choice xmlns:a14="http://schemas.microsoft.com/office/drawing/2010/main" Requires="a14">
+            <p:sp>
+              <p:nvSpPr>
+                <p:cNvPr id="13" name="Textfeld 12">
+                  <a:extLst>
+                    <a:ext uri="{FF2B5EF4-FFF2-40B4-BE49-F238E27FC236}">
+                      <a16:creationId xmlns:a16="http://schemas.microsoft.com/office/drawing/2014/main" id="{BECDC446-FE7F-07F1-5908-98D5FFB4F1D0}"/>
+                    </a:ext>
+                  </a:extLst>
+                </p:cNvPr>
+                <p:cNvSpPr txBox="1"/>
+                <p:nvPr/>
+              </p:nvSpPr>
+              <p:spPr>
+                <a:xfrm>
+                  <a:off x="8214172" y="4321327"/>
+                  <a:ext cx="372364" cy="307777"/>
+                </a:xfrm>
+                <a:prstGeom prst="rect">
+                  <a:avLst/>
+                </a:prstGeom>
+                <a:solidFill>
+                  <a:schemeClr val="bg1"/>
+                </a:solidFill>
+              </p:spPr>
+              <p:txBody>
+                <a:bodyPr wrap="square" lIns="0" tIns="0" rIns="0" bIns="0" rtlCol="0">
+                  <a:spAutoFit/>
+                </a:bodyPr>
+                <a:lstStyle/>
+                <a:p>
+                  <a14:m>
+                    <m:oMathPara xmlns:m="http://schemas.openxmlformats.org/officeDocument/2006/math">
+                      <m:oMathParaPr>
+                        <m:jc m:val="centerGroup"/>
+                      </m:oMathParaPr>
+                      <m:oMath xmlns:m="http://schemas.openxmlformats.org/officeDocument/2006/math">
+                        <m:r>
+                          <a:rPr lang="de-DE" sz="2000" b="0" i="1" smtClean="0">
+                            <a:latin typeface="Cambria Math" panose="02040503050406030204" pitchFamily="18" charset="0"/>
+                          </a:rPr>
+                          <m:t>𝑗</m:t>
+                        </m:r>
+                        <m:sSub>
+                          <m:sSubPr>
+                            <m:ctrlPr>
+                              <a:rPr lang="de-DE" sz="2000" b="0" i="1" smtClean="0">
+                                <a:latin typeface="Cambria Math" panose="02040503050406030204" pitchFamily="18" charset="0"/>
+                              </a:rPr>
+                            </m:ctrlPr>
+                          </m:sSubPr>
+                          <m:e>
+                            <m:r>
+                              <a:rPr lang="de-DE" sz="2000" b="0" i="1" smtClean="0">
+                                <a:latin typeface="Cambria Math" panose="02040503050406030204" pitchFamily="18" charset="0"/>
+                              </a:rPr>
+                              <m:t>𝐼</m:t>
+                            </m:r>
+                          </m:e>
+                          <m:sub>
+                            <m:r>
+                              <a:rPr lang="de-DE" sz="2000" b="0" i="1" smtClean="0">
+                                <a:latin typeface="Cambria Math" panose="02040503050406030204" pitchFamily="18" charset="0"/>
+                              </a:rPr>
+                              <m:t>𝑟</m:t>
+                            </m:r>
+                          </m:sub>
+                        </m:sSub>
+                      </m:oMath>
+                    </m:oMathPara>
+                  </a14:m>
+                  <a:endParaRPr lang="de-DE" sz="2000" dirty="0"/>
+                </a:p>
+              </p:txBody>
+            </p:sp>
+          </mc:Choice>
+          <mc:Fallback>
+            <p:sp>
+              <p:nvSpPr>
+                <p:cNvPr id="13" name="Textfeld 12">
+                  <a:extLst>
+                    <a:ext uri="{FF2B5EF4-FFF2-40B4-BE49-F238E27FC236}">
+                      <a16:creationId xmlns:a16="http://schemas.microsoft.com/office/drawing/2014/main" id="{BECDC446-FE7F-07F1-5908-98D5FFB4F1D0}"/>
+                    </a:ext>
+                  </a:extLst>
+                </p:cNvPr>
+                <p:cNvSpPr txBox="1">
+                  <a:spLocks noRot="1" noChangeAspect="1" noMove="1" noResize="1" noEditPoints="1" noAdjustHandles="1" noChangeArrowheads="1" noChangeShapeType="1" noTextEdit="1"/>
+                </p:cNvSpPr>
+                <p:nvPr/>
+              </p:nvSpPr>
+              <p:spPr>
+                <a:xfrm>
+                  <a:off x="8214172" y="4321327"/>
+                  <a:ext cx="372364" cy="307777"/>
+                </a:xfrm>
+                <a:prstGeom prst="rect">
+                  <a:avLst/>
+                </a:prstGeom>
+                <a:blipFill>
+                  <a:blip r:embed="rId7"/>
+                  <a:stretch>
+                    <a:fillRect l="-16129" b="-28000"/>
+                  </a:stretch>
+                </a:blipFill>
+              </p:spPr>
+              <p:txBody>
+                <a:bodyPr/>
+                <a:lstStyle/>
+                <a:p>
+                  <a:r>
+                    <a:rPr lang="de-DE">
+                      <a:noFill/>
+                    </a:rPr>
+                    <a:t> </a:t>
+                  </a:r>
+                </a:p>
+              </p:txBody>
+            </p:sp>
+          </mc:Fallback>
+        </mc:AlternateContent>
+      </p:grpSp>
+    </p:spTree>
+    <p:extLst>
+      <p:ext uri="{BB962C8B-B14F-4D97-AF65-F5344CB8AC3E}">
+        <p14:creationId xmlns:p14="http://schemas.microsoft.com/office/powerpoint/2010/main" val="2792749576"/>
+      </p:ext>
+    </p:extLst>
+  </p:cSld>
+  <p:clrMapOvr>
+    <a:masterClrMapping/>
+  </p:clrMapOvr>
+</p:sld>
+</file>
+
+<file path=ppt/slides/slide28.xml><?xml version="1.0" encoding="utf-8"?>
+<p:sld xmlns:a="http://schemas.openxmlformats.org/drawingml/2006/main" xmlns:r="http://schemas.openxmlformats.org/officeDocument/2006/relationships" xmlns:p="http://schemas.openxmlformats.org/presentationml/2006/main">
+  <p:cSld>
+    <p:spTree>
+      <p:nvGrpSpPr>
+        <p:cNvPr id="1" name=""/>
+        <p:cNvGrpSpPr/>
+        <p:nvPr/>
+      </p:nvGrpSpPr>
+      <p:grpSpPr>
+        <a:xfrm>
+          <a:off x="0" y="0"/>
+          <a:ext cx="0" cy="0"/>
+          <a:chOff x="0" y="0"/>
+          <a:chExt cx="0" cy="0"/>
+        </a:xfrm>
+      </p:grpSpPr>
+      <p:sp>
+        <p:nvSpPr>
+          <p:cNvPr id="2" name="Titel 1">
+            <a:extLst>
+              <a:ext uri="{FF2B5EF4-FFF2-40B4-BE49-F238E27FC236}">
+                <a16:creationId xmlns:a16="http://schemas.microsoft.com/office/drawing/2014/main" id="{B6455E17-370D-0D4B-C81A-FF3A4B674532}"/>
+              </a:ext>
+            </a:extLst>
+          </p:cNvPr>
+          <p:cNvSpPr>
+            <a:spLocks noGrp="1"/>
+          </p:cNvSpPr>
+          <p:nvPr>
+            <p:ph type="title"/>
+          </p:nvPr>
+        </p:nvSpPr>
+        <p:spPr/>
+        <p:txBody>
+          <a:bodyPr/>
+          <a:lstStyle/>
+          <a:p>
+            <a:r>
+              <a:rPr lang="de-DE" dirty="0" err="1"/>
+              <a:t>Example</a:t>
+            </a:r>
+            <a:endParaRPr lang="de-DE" dirty="0"/>
+          </a:p>
+        </p:txBody>
+      </p:sp>
+      <p:sp>
+        <p:nvSpPr>
+          <p:cNvPr id="3" name="Inhaltsplatzhalter 2">
+            <a:extLst>
+              <a:ext uri="{FF2B5EF4-FFF2-40B4-BE49-F238E27FC236}">
+                <a16:creationId xmlns:a16="http://schemas.microsoft.com/office/drawing/2014/main" id="{312B2787-48E1-1720-5206-E77AA8499521}"/>
+              </a:ext>
+            </a:extLst>
+          </p:cNvPr>
+          <p:cNvSpPr>
+            <a:spLocks noGrp="1"/>
+          </p:cNvSpPr>
+          <p:nvPr>
+            <p:ph idx="1"/>
+          </p:nvPr>
+        </p:nvSpPr>
+        <p:spPr/>
+        <p:txBody>
+          <a:bodyPr/>
+          <a:lstStyle/>
+          <a:p>
+            <a:pPr marL="0" indent="0">
+              <a:buNone/>
+            </a:pPr>
+            <a:r>
+              <a:rPr lang="de-DE" dirty="0"/>
+              <a:t>…</a:t>
+            </a:r>
+          </a:p>
+        </p:txBody>
+      </p:sp>
+      <p:sp>
+        <p:nvSpPr>
+          <p:cNvPr id="4" name="Foliennummernplatzhalter 3">
+            <a:extLst>
+              <a:ext uri="{FF2B5EF4-FFF2-40B4-BE49-F238E27FC236}">
+                <a16:creationId xmlns:a16="http://schemas.microsoft.com/office/drawing/2014/main" id="{C2081A3B-1B83-9622-4338-3A9103F25AD5}"/>
+              </a:ext>
+            </a:extLst>
+          </p:cNvPr>
+          <p:cNvSpPr>
+            <a:spLocks noGrp="1"/>
+          </p:cNvSpPr>
+          <p:nvPr>
+            <p:ph type="sldNum" sz="quarter" idx="12"/>
+          </p:nvPr>
+        </p:nvSpPr>
+        <p:spPr/>
+        <p:txBody>
+          <a:bodyPr/>
+          <a:lstStyle/>
+          <a:p>
+            <a:fld id="{C3D1D914-B947-8E44-8E93-2211406D860E}" type="slidenum">
+              <a:rPr lang="de-DE" smtClean="0"/>
+              <a:t>28</a:t>
+            </a:fld>
+            <a:endParaRPr lang="de-DE"/>
+          </a:p>
+        </p:txBody>
+      </p:sp>
+      <p:grpSp>
+        <p:nvGrpSpPr>
+          <p:cNvPr id="9" name="Gruppieren 8">
+            <a:extLst>
+              <a:ext uri="{FF2B5EF4-FFF2-40B4-BE49-F238E27FC236}">
+                <a16:creationId xmlns:a16="http://schemas.microsoft.com/office/drawing/2014/main" id="{C9DA685B-3FDE-A930-31D3-7CB97D596023}"/>
+              </a:ext>
+            </a:extLst>
+          </p:cNvPr>
+          <p:cNvGrpSpPr/>
+          <p:nvPr/>
+        </p:nvGrpSpPr>
+        <p:grpSpPr>
+          <a:xfrm>
+            <a:off x="2863516" y="4448754"/>
+            <a:ext cx="6448926" cy="2148234"/>
+            <a:chOff x="2863516" y="4208116"/>
+            <a:chExt cx="6448926" cy="2148234"/>
+          </a:xfrm>
+        </p:grpSpPr>
+        <p:pic>
+          <p:nvPicPr>
+            <p:cNvPr id="5" name="Inhaltsplatzhalter 4">
+              <a:extLst>
+                <a:ext uri="{FF2B5EF4-FFF2-40B4-BE49-F238E27FC236}">
+                  <a16:creationId xmlns:a16="http://schemas.microsoft.com/office/drawing/2014/main" id="{8A429532-F10A-0270-E23D-1FF6AF0420B2}"/>
+                </a:ext>
+              </a:extLst>
+            </p:cNvPr>
+            <p:cNvPicPr>
+              <a:picLocks noChangeAspect="1"/>
+            </p:cNvPicPr>
+            <p:nvPr/>
+          </p:nvPicPr>
+          <p:blipFill>
+            <a:blip r:embed="rId2" cstate="print">
+              <a:extLst>
+                <a:ext uri="{28A0092B-C50C-407E-A947-70E740481C1C}">
+                  <a14:useLocalDpi xmlns:a14="http://schemas.microsoft.com/office/drawing/2010/main" val="0"/>
+                </a:ext>
+              </a:extLst>
+            </a:blip>
+            <a:stretch>
+              <a:fillRect/>
+            </a:stretch>
+          </p:blipFill>
+          <p:spPr>
+            <a:xfrm>
+              <a:off x="2967362" y="4208116"/>
+              <a:ext cx="6257275" cy="2148234"/>
+            </a:xfrm>
+            <a:prstGeom prst="rect">
+              <a:avLst/>
+            </a:prstGeom>
+          </p:spPr>
+        </p:pic>
+        <p:sp>
+          <p:nvSpPr>
+            <p:cNvPr id="6" name="Rechteck 5">
+              <a:extLst>
+                <a:ext uri="{FF2B5EF4-FFF2-40B4-BE49-F238E27FC236}">
+                  <a16:creationId xmlns:a16="http://schemas.microsoft.com/office/drawing/2014/main" id="{D4CA9CD8-0808-A45B-38B2-13A84E69F4A7}"/>
+                </a:ext>
+              </a:extLst>
+            </p:cNvPr>
+            <p:cNvSpPr/>
+            <p:nvPr/>
+          </p:nvSpPr>
+          <p:spPr>
+            <a:xfrm>
+              <a:off x="4259177" y="4535906"/>
+              <a:ext cx="144379" cy="132347"/>
+            </a:xfrm>
+            <a:prstGeom prst="rect">
+              <a:avLst/>
+            </a:prstGeom>
+            <a:solidFill>
+              <a:schemeClr val="bg1"/>
+            </a:solidFill>
+            <a:ln>
+              <a:noFill/>
+            </a:ln>
+          </p:spPr>
+          <p:style>
+            <a:lnRef idx="2">
+              <a:schemeClr val="accent1">
+                <a:shade val="15000"/>
+              </a:schemeClr>
+            </a:lnRef>
+            <a:fillRef idx="1">
+              <a:schemeClr val="accent1"/>
+            </a:fillRef>
+            <a:effectRef idx="0">
+              <a:schemeClr val="accent1"/>
+            </a:effectRef>
+            <a:fontRef idx="minor">
+              <a:schemeClr val="lt1"/>
+            </a:fontRef>
+          </p:style>
+          <p:txBody>
+            <a:bodyPr rtlCol="0" anchor="ctr"/>
+            <a:lstStyle/>
+            <a:p>
+              <a:pPr algn="ctr"/>
+              <a:endParaRPr lang="de-DE"/>
+            </a:p>
+          </p:txBody>
+        </p:sp>
+        <p:sp>
+          <p:nvSpPr>
+            <p:cNvPr id="7" name="Rechteck 6">
+              <a:extLst>
+                <a:ext uri="{FF2B5EF4-FFF2-40B4-BE49-F238E27FC236}">
+                  <a16:creationId xmlns:a16="http://schemas.microsoft.com/office/drawing/2014/main" id="{C936FB6D-AF69-B071-8211-5A3D4B4CB209}"/>
+                </a:ext>
+              </a:extLst>
+            </p:cNvPr>
+            <p:cNvSpPr/>
+            <p:nvPr/>
+          </p:nvSpPr>
+          <p:spPr>
+            <a:xfrm>
+              <a:off x="7744324" y="4459702"/>
+              <a:ext cx="144379" cy="132347"/>
+            </a:xfrm>
+            <a:prstGeom prst="rect">
+              <a:avLst/>
+            </a:prstGeom>
+            <a:solidFill>
+              <a:schemeClr val="bg1"/>
+            </a:solidFill>
+            <a:ln>
+              <a:noFill/>
+            </a:ln>
+          </p:spPr>
+          <p:style>
+            <a:lnRef idx="2">
+              <a:schemeClr val="accent1">
+                <a:shade val="15000"/>
+              </a:schemeClr>
+            </a:lnRef>
+            <a:fillRef idx="1">
+              <a:schemeClr val="accent1"/>
+            </a:fillRef>
+            <a:effectRef idx="0">
+              <a:schemeClr val="accent1"/>
+            </a:effectRef>
+            <a:fontRef idx="minor">
+              <a:schemeClr val="lt1"/>
+            </a:fontRef>
+          </p:style>
+          <p:txBody>
+            <a:bodyPr rtlCol="0" anchor="ctr"/>
+            <a:lstStyle/>
+            <a:p>
+              <a:pPr algn="ctr"/>
+              <a:endParaRPr lang="de-DE"/>
+            </a:p>
+          </p:txBody>
+        </p:sp>
+        <p:sp>
+          <p:nvSpPr>
+            <p:cNvPr id="8" name="Rechteck 7">
+              <a:extLst>
+                <a:ext uri="{FF2B5EF4-FFF2-40B4-BE49-F238E27FC236}">
+                  <a16:creationId xmlns:a16="http://schemas.microsoft.com/office/drawing/2014/main" id="{65E63684-FC86-D35B-B9F9-FA5D01F741C6}"/>
+                </a:ext>
+              </a:extLst>
+            </p:cNvPr>
+            <p:cNvSpPr/>
+            <p:nvPr/>
+          </p:nvSpPr>
+          <p:spPr>
+            <a:xfrm>
+              <a:off x="2863516" y="6027821"/>
+              <a:ext cx="6448926" cy="328529"/>
+            </a:xfrm>
+            <a:prstGeom prst="rect">
+              <a:avLst/>
+            </a:prstGeom>
+            <a:solidFill>
+              <a:schemeClr val="bg1"/>
+            </a:solidFill>
+            <a:ln>
+              <a:noFill/>
+            </a:ln>
+          </p:spPr>
+          <p:style>
+            <a:lnRef idx="2">
+              <a:schemeClr val="accent1">
+                <a:shade val="15000"/>
+              </a:schemeClr>
+            </a:lnRef>
+            <a:fillRef idx="1">
+              <a:schemeClr val="accent1"/>
+            </a:fillRef>
+            <a:effectRef idx="0">
+              <a:schemeClr val="accent1"/>
+            </a:effectRef>
+            <a:fontRef idx="minor">
+              <a:schemeClr val="lt1"/>
+            </a:fontRef>
+          </p:style>
+          <p:txBody>
+            <a:bodyPr rtlCol="0" anchor="ctr"/>
+            <a:lstStyle/>
+            <a:p>
+              <a:pPr algn="ctr"/>
+              <a:endParaRPr lang="de-DE"/>
+            </a:p>
+          </p:txBody>
+        </p:sp>
+      </p:grpSp>
+    </p:spTree>
+    <p:extLst>
+      <p:ext uri="{BB962C8B-B14F-4D97-AF65-F5344CB8AC3E}">
+        <p14:creationId xmlns:p14="http://schemas.microsoft.com/office/powerpoint/2010/main" val="3283335824"/>
       </p:ext>
     </p:extLst>
   </p:cSld>
